--- a/materials/slides/ch16-linux-system-programming.pptx
+++ b/materials/slides/ch16-linux-system-programming.pptx
@@ -5,12 +5,20 @@
     <p:sldMasterId id="2147483648" r:id="rId1"/>
     <p:sldMasterId id="2147483660" r:id="rId2"/>
   </p:sldMasterIdLst>
+  <p:notesMasterIdLst>
+    <p:notesMasterId r:id="rId13"/>
+  </p:notesMasterIdLst>
   <p:sldIdLst>
     <p:sldId id="260" r:id="rId3"/>
     <p:sldId id="261" r:id="rId4"/>
-    <p:sldId id="263" r:id="rId5"/>
-    <p:sldId id="265" r:id="rId6"/>
-    <p:sldId id="266" r:id="rId7"/>
+    <p:sldId id="262" r:id="rId5"/>
+    <p:sldId id="263" r:id="rId6"/>
+    <p:sldId id="264" r:id="rId7"/>
+    <p:sldId id="265" r:id="rId8"/>
+    <p:sldId id="268" r:id="rId9"/>
+    <p:sldId id="269" r:id="rId10"/>
+    <p:sldId id="266" r:id="rId11"/>
+    <p:sldId id="267" r:id="rId12"/>
   </p:sldIdLst>
   <p:sldSz cx="12192000" cy="6858000"/>
   <p:notesSz cx="6858000" cy="9144000"/>
@@ -117,8 +125,1109 @@
 </p:presentation>
 </file>
 
-<file path=ppt/revisionInfo.xml><?xml version="1.0" encoding="utf-8"?>
-<p1510:revInfo xmlns:a="http://schemas.openxmlformats.org/drawingml/2006/main" xmlns:r="http://schemas.openxmlformats.org/officeDocument/2006/relationships" xmlns:p1510="http://schemas.microsoft.com/office/powerpoint/2015/10/main"/>
+<file path=ppt/notesMasters/notesMaster1.xml><?xml version="1.0" encoding="utf-8"?>
+<p:notesMaster xmlns:a="http://schemas.openxmlformats.org/drawingml/2006/main" xmlns:r="http://schemas.openxmlformats.org/officeDocument/2006/relationships" xmlns:p="http://schemas.openxmlformats.org/presentationml/2006/main">
+  <p:cSld>
+    <p:bg>
+      <p:bgRef idx="1001">
+        <a:schemeClr val="bg1"/>
+      </p:bgRef>
+    </p:bg>
+    <p:spTree>
+      <p:nvGrpSpPr>
+        <p:cNvPr id="1" name=""/>
+        <p:cNvGrpSpPr/>
+        <p:nvPr/>
+      </p:nvGrpSpPr>
+      <p:grpSpPr>
+        <a:xfrm>
+          <a:off x="0" y="0"/>
+          <a:ext cx="0" cy="0"/>
+          <a:chOff x="0" y="0"/>
+          <a:chExt cx="0" cy="0"/>
+        </a:xfrm>
+      </p:grpSpPr>
+      <p:sp>
+        <p:nvSpPr>
+          <p:cNvPr id="2" name="页眉占位符 1"/>
+          <p:cNvSpPr>
+            <a:spLocks noGrp="1"/>
+          </p:cNvSpPr>
+          <p:nvPr>
+            <p:ph type="hdr" sz="quarter"/>
+          </p:nvPr>
+        </p:nvSpPr>
+        <p:spPr>
+          <a:xfrm>
+            <a:off x="0" y="0"/>
+            <a:ext cx="2971800" cy="458788"/>
+          </a:xfrm>
+          <a:prstGeom prst="rect">
+            <a:avLst/>
+          </a:prstGeom>
+        </p:spPr>
+        <p:txBody>
+          <a:bodyPr vert="horz" lIns="91440" tIns="45720" rIns="91440" bIns="45720" rtlCol="0"/>
+          <a:lstStyle>
+            <a:lvl1pPr algn="l">
+              <a:defRPr sz="1200"/>
+            </a:lvl1pPr>
+          </a:lstStyle>
+          <a:p>
+            <a:endParaRPr lang="zh-CN" altLang="en-US"/>
+          </a:p>
+        </p:txBody>
+      </p:sp>
+      <p:sp>
+        <p:nvSpPr>
+          <p:cNvPr id="3" name="日期占位符 2"/>
+          <p:cNvSpPr>
+            <a:spLocks noGrp="1"/>
+          </p:cNvSpPr>
+          <p:nvPr>
+            <p:ph type="dt" idx="1"/>
+          </p:nvPr>
+        </p:nvSpPr>
+        <p:spPr>
+          <a:xfrm>
+            <a:off x="3884613" y="0"/>
+            <a:ext cx="2971800" cy="458788"/>
+          </a:xfrm>
+          <a:prstGeom prst="rect">
+            <a:avLst/>
+          </a:prstGeom>
+        </p:spPr>
+        <p:txBody>
+          <a:bodyPr vert="horz" lIns="91440" tIns="45720" rIns="91440" bIns="45720" rtlCol="0"/>
+          <a:lstStyle>
+            <a:lvl1pPr algn="r">
+              <a:defRPr sz="1200"/>
+            </a:lvl1pPr>
+          </a:lstStyle>
+          <a:p>
+            <a:fld id="{34749B9C-DA28-41D1-8DCF-FC20D5A04C02}" type="datetimeFigureOut">
+              <a:rPr lang="zh-CN" altLang="en-US" smtClean="0"/>
+              <a:t>2018/2/25</a:t>
+            </a:fld>
+            <a:endParaRPr lang="zh-CN" altLang="en-US"/>
+          </a:p>
+        </p:txBody>
+      </p:sp>
+      <p:sp>
+        <p:nvSpPr>
+          <p:cNvPr id="4" name="幻灯片图像占位符 3"/>
+          <p:cNvSpPr>
+            <a:spLocks noGrp="1" noRot="1" noChangeAspect="1"/>
+          </p:cNvSpPr>
+          <p:nvPr>
+            <p:ph type="sldImg" idx="2"/>
+          </p:nvPr>
+        </p:nvSpPr>
+        <p:spPr>
+          <a:xfrm>
+            <a:off x="685800" y="1143000"/>
+            <a:ext cx="5486400" cy="3086100"/>
+          </a:xfrm>
+          <a:prstGeom prst="rect">
+            <a:avLst/>
+          </a:prstGeom>
+          <a:noFill/>
+          <a:ln w="12700">
+            <a:solidFill>
+              <a:prstClr val="black"/>
+            </a:solidFill>
+          </a:ln>
+        </p:spPr>
+        <p:txBody>
+          <a:bodyPr vert="horz" lIns="91440" tIns="45720" rIns="91440" bIns="45720" rtlCol="0" anchor="ctr"/>
+          <a:lstStyle/>
+          <a:p>
+            <a:endParaRPr lang="zh-CN" altLang="en-US"/>
+          </a:p>
+        </p:txBody>
+      </p:sp>
+      <p:sp>
+        <p:nvSpPr>
+          <p:cNvPr id="5" name="备注占位符 4"/>
+          <p:cNvSpPr>
+            <a:spLocks noGrp="1"/>
+          </p:cNvSpPr>
+          <p:nvPr>
+            <p:ph type="body" sz="quarter" idx="3"/>
+          </p:nvPr>
+        </p:nvSpPr>
+        <p:spPr>
+          <a:xfrm>
+            <a:off x="685800" y="4400550"/>
+            <a:ext cx="5486400" cy="3600450"/>
+          </a:xfrm>
+          <a:prstGeom prst="rect">
+            <a:avLst/>
+          </a:prstGeom>
+        </p:spPr>
+        <p:txBody>
+          <a:bodyPr vert="horz" lIns="91440" tIns="45720" rIns="91440" bIns="45720" rtlCol="0"/>
+          <a:lstStyle/>
+          <a:p>
+            <a:pPr lvl="0"/>
+            <a:r>
+              <a:rPr lang="zh-CN" altLang="en-US"/>
+              <a:t>编辑母版文本样式</a:t>
+            </a:r>
+          </a:p>
+          <a:p>
+            <a:pPr lvl="1"/>
+            <a:r>
+              <a:rPr lang="zh-CN" altLang="en-US"/>
+              <a:t>第二级</a:t>
+            </a:r>
+          </a:p>
+          <a:p>
+            <a:pPr lvl="2"/>
+            <a:r>
+              <a:rPr lang="zh-CN" altLang="en-US"/>
+              <a:t>第三级</a:t>
+            </a:r>
+          </a:p>
+          <a:p>
+            <a:pPr lvl="3"/>
+            <a:r>
+              <a:rPr lang="zh-CN" altLang="en-US"/>
+              <a:t>第四级</a:t>
+            </a:r>
+          </a:p>
+          <a:p>
+            <a:pPr lvl="4"/>
+            <a:r>
+              <a:rPr lang="zh-CN" altLang="en-US"/>
+              <a:t>第五级</a:t>
+            </a:r>
+          </a:p>
+        </p:txBody>
+      </p:sp>
+      <p:sp>
+        <p:nvSpPr>
+          <p:cNvPr id="6" name="页脚占位符 5"/>
+          <p:cNvSpPr>
+            <a:spLocks noGrp="1"/>
+          </p:cNvSpPr>
+          <p:nvPr>
+            <p:ph type="ftr" sz="quarter" idx="4"/>
+          </p:nvPr>
+        </p:nvSpPr>
+        <p:spPr>
+          <a:xfrm>
+            <a:off x="0" y="8685213"/>
+            <a:ext cx="2971800" cy="458787"/>
+          </a:xfrm>
+          <a:prstGeom prst="rect">
+            <a:avLst/>
+          </a:prstGeom>
+        </p:spPr>
+        <p:txBody>
+          <a:bodyPr vert="horz" lIns="91440" tIns="45720" rIns="91440" bIns="45720" rtlCol="0" anchor="b"/>
+          <a:lstStyle>
+            <a:lvl1pPr algn="l">
+              <a:defRPr sz="1200"/>
+            </a:lvl1pPr>
+          </a:lstStyle>
+          <a:p>
+            <a:endParaRPr lang="zh-CN" altLang="en-US"/>
+          </a:p>
+        </p:txBody>
+      </p:sp>
+      <p:sp>
+        <p:nvSpPr>
+          <p:cNvPr id="7" name="灯片编号占位符 6"/>
+          <p:cNvSpPr>
+            <a:spLocks noGrp="1"/>
+          </p:cNvSpPr>
+          <p:nvPr>
+            <p:ph type="sldNum" sz="quarter" idx="5"/>
+          </p:nvPr>
+        </p:nvSpPr>
+        <p:spPr>
+          <a:xfrm>
+            <a:off x="3884613" y="8685213"/>
+            <a:ext cx="2971800" cy="458787"/>
+          </a:xfrm>
+          <a:prstGeom prst="rect">
+            <a:avLst/>
+          </a:prstGeom>
+        </p:spPr>
+        <p:txBody>
+          <a:bodyPr vert="horz" lIns="91440" tIns="45720" rIns="91440" bIns="45720" rtlCol="0" anchor="b"/>
+          <a:lstStyle>
+            <a:lvl1pPr algn="r">
+              <a:defRPr sz="1200"/>
+            </a:lvl1pPr>
+          </a:lstStyle>
+          <a:p>
+            <a:fld id="{13ABA98C-FD8D-4D83-8991-D0D20AA8F97F}" type="slidenum">
+              <a:rPr lang="zh-CN" altLang="en-US" smtClean="0"/>
+              <a:t>‹#›</a:t>
+            </a:fld>
+            <a:endParaRPr lang="zh-CN" altLang="en-US"/>
+          </a:p>
+        </p:txBody>
+      </p:sp>
+    </p:spTree>
+    <p:extLst>
+      <p:ext uri="{BB962C8B-B14F-4D97-AF65-F5344CB8AC3E}">
+        <p14:creationId xmlns:p14="http://schemas.microsoft.com/office/powerpoint/2010/main" val="573310192"/>
+      </p:ext>
+    </p:extLst>
+  </p:cSld>
+  <p:clrMap bg1="lt1" tx1="dk1" bg2="lt2" tx2="dk2" accent1="accent1" accent2="accent2" accent3="accent3" accent4="accent4" accent5="accent5" accent6="accent6" hlink="hlink" folHlink="folHlink"/>
+  <p:notesStyle>
+    <a:lvl1pPr marL="0" algn="l" defTabSz="914400" rtl="0" eaLnBrk="1" latinLnBrk="0" hangingPunct="1">
+      <a:defRPr sz="1200" kern="1200">
+        <a:solidFill>
+          <a:schemeClr val="tx1"/>
+        </a:solidFill>
+        <a:latin typeface="+mn-lt"/>
+        <a:ea typeface="+mn-ea"/>
+        <a:cs typeface="+mn-cs"/>
+      </a:defRPr>
+    </a:lvl1pPr>
+    <a:lvl2pPr marL="457200" algn="l" defTabSz="914400" rtl="0" eaLnBrk="1" latinLnBrk="0" hangingPunct="1">
+      <a:defRPr sz="1200" kern="1200">
+        <a:solidFill>
+          <a:schemeClr val="tx1"/>
+        </a:solidFill>
+        <a:latin typeface="+mn-lt"/>
+        <a:ea typeface="+mn-ea"/>
+        <a:cs typeface="+mn-cs"/>
+      </a:defRPr>
+    </a:lvl2pPr>
+    <a:lvl3pPr marL="914400" algn="l" defTabSz="914400" rtl="0" eaLnBrk="1" latinLnBrk="0" hangingPunct="1">
+      <a:defRPr sz="1200" kern="1200">
+        <a:solidFill>
+          <a:schemeClr val="tx1"/>
+        </a:solidFill>
+        <a:latin typeface="+mn-lt"/>
+        <a:ea typeface="+mn-ea"/>
+        <a:cs typeface="+mn-cs"/>
+      </a:defRPr>
+    </a:lvl3pPr>
+    <a:lvl4pPr marL="1371600" algn="l" defTabSz="914400" rtl="0" eaLnBrk="1" latinLnBrk="0" hangingPunct="1">
+      <a:defRPr sz="1200" kern="1200">
+        <a:solidFill>
+          <a:schemeClr val="tx1"/>
+        </a:solidFill>
+        <a:latin typeface="+mn-lt"/>
+        <a:ea typeface="+mn-ea"/>
+        <a:cs typeface="+mn-cs"/>
+      </a:defRPr>
+    </a:lvl4pPr>
+    <a:lvl5pPr marL="1828800" algn="l" defTabSz="914400" rtl="0" eaLnBrk="1" latinLnBrk="0" hangingPunct="1">
+      <a:defRPr sz="1200" kern="1200">
+        <a:solidFill>
+          <a:schemeClr val="tx1"/>
+        </a:solidFill>
+        <a:latin typeface="+mn-lt"/>
+        <a:ea typeface="+mn-ea"/>
+        <a:cs typeface="+mn-cs"/>
+      </a:defRPr>
+    </a:lvl5pPr>
+    <a:lvl6pPr marL="2286000" algn="l" defTabSz="914400" rtl="0" eaLnBrk="1" latinLnBrk="0" hangingPunct="1">
+      <a:defRPr sz="1200" kern="1200">
+        <a:solidFill>
+          <a:schemeClr val="tx1"/>
+        </a:solidFill>
+        <a:latin typeface="+mn-lt"/>
+        <a:ea typeface="+mn-ea"/>
+        <a:cs typeface="+mn-cs"/>
+      </a:defRPr>
+    </a:lvl6pPr>
+    <a:lvl7pPr marL="2743200" algn="l" defTabSz="914400" rtl="0" eaLnBrk="1" latinLnBrk="0" hangingPunct="1">
+      <a:defRPr sz="1200" kern="1200">
+        <a:solidFill>
+          <a:schemeClr val="tx1"/>
+        </a:solidFill>
+        <a:latin typeface="+mn-lt"/>
+        <a:ea typeface="+mn-ea"/>
+        <a:cs typeface="+mn-cs"/>
+      </a:defRPr>
+    </a:lvl7pPr>
+    <a:lvl8pPr marL="3200400" algn="l" defTabSz="914400" rtl="0" eaLnBrk="1" latinLnBrk="0" hangingPunct="1">
+      <a:defRPr sz="1200" kern="1200">
+        <a:solidFill>
+          <a:schemeClr val="tx1"/>
+        </a:solidFill>
+        <a:latin typeface="+mn-lt"/>
+        <a:ea typeface="+mn-ea"/>
+        <a:cs typeface="+mn-cs"/>
+      </a:defRPr>
+    </a:lvl8pPr>
+    <a:lvl9pPr marL="3657600" algn="l" defTabSz="914400" rtl="0" eaLnBrk="1" latinLnBrk="0" hangingPunct="1">
+      <a:defRPr sz="1200" kern="1200">
+        <a:solidFill>
+          <a:schemeClr val="tx1"/>
+        </a:solidFill>
+        <a:latin typeface="+mn-lt"/>
+        <a:ea typeface="+mn-ea"/>
+        <a:cs typeface="+mn-cs"/>
+      </a:defRPr>
+    </a:lvl9pPr>
+  </p:notesStyle>
+</p:notesMaster>
+</file>
+
+<file path=ppt/notesSlides/notesSlide1.xml><?xml version="1.0" encoding="utf-8"?>
+<p:notes xmlns:a="http://schemas.openxmlformats.org/drawingml/2006/main" xmlns:r="http://schemas.openxmlformats.org/officeDocument/2006/relationships" xmlns:p="http://schemas.openxmlformats.org/presentationml/2006/main">
+  <p:cSld>
+    <p:spTree>
+      <p:nvGrpSpPr>
+        <p:cNvPr id="1" name=""/>
+        <p:cNvGrpSpPr/>
+        <p:nvPr/>
+      </p:nvGrpSpPr>
+      <p:grpSpPr>
+        <a:xfrm>
+          <a:off x="0" y="0"/>
+          <a:ext cx="0" cy="0"/>
+          <a:chOff x="0" y="0"/>
+          <a:chExt cx="0" cy="0"/>
+        </a:xfrm>
+      </p:grpSpPr>
+      <p:sp>
+        <p:nvSpPr>
+          <p:cNvPr id="2" name="幻灯片图像占位符 1"/>
+          <p:cNvSpPr>
+            <a:spLocks noGrp="1" noRot="1" noChangeAspect="1"/>
+          </p:cNvSpPr>
+          <p:nvPr>
+            <p:ph type="sldImg"/>
+          </p:nvPr>
+        </p:nvSpPr>
+        <p:spPr/>
+      </p:sp>
+      <p:sp>
+        <p:nvSpPr>
+          <p:cNvPr id="3" name="备注占位符 2"/>
+          <p:cNvSpPr>
+            <a:spLocks noGrp="1"/>
+          </p:cNvSpPr>
+          <p:nvPr>
+            <p:ph type="body" idx="1"/>
+          </p:nvPr>
+        </p:nvSpPr>
+        <p:spPr/>
+        <p:txBody>
+          <a:bodyPr/>
+          <a:lstStyle/>
+          <a:p>
+            <a:endParaRPr lang="zh-CN" altLang="en-US" dirty="0"/>
+          </a:p>
+        </p:txBody>
+      </p:sp>
+      <p:sp>
+        <p:nvSpPr>
+          <p:cNvPr id="4" name="灯片编号占位符 3"/>
+          <p:cNvSpPr>
+            <a:spLocks noGrp="1"/>
+          </p:cNvSpPr>
+          <p:nvPr>
+            <p:ph type="sldNum" sz="quarter" idx="10"/>
+          </p:nvPr>
+        </p:nvSpPr>
+        <p:spPr/>
+        <p:txBody>
+          <a:bodyPr/>
+          <a:lstStyle/>
+          <a:p>
+            <a:fld id="{9FB975F3-1C40-4D40-A7FE-36EEB7CAFC85}" type="slidenum">
+              <a:rPr lang="zh-CN" altLang="en-US" smtClean="0"/>
+              <a:t>2</a:t>
+            </a:fld>
+            <a:endParaRPr lang="zh-CN" altLang="en-US"/>
+          </a:p>
+        </p:txBody>
+      </p:sp>
+    </p:spTree>
+    <p:extLst>
+      <p:ext uri="{BB962C8B-B14F-4D97-AF65-F5344CB8AC3E}">
+        <p14:creationId xmlns:p14="http://schemas.microsoft.com/office/powerpoint/2010/main" val="3601191949"/>
+      </p:ext>
+    </p:extLst>
+  </p:cSld>
+  <p:clrMapOvr>
+    <a:masterClrMapping/>
+  </p:clrMapOvr>
+</p:notes>
+</file>
+
+<file path=ppt/notesSlides/notesSlide2.xml><?xml version="1.0" encoding="utf-8"?>
+<p:notes xmlns:a="http://schemas.openxmlformats.org/drawingml/2006/main" xmlns:r="http://schemas.openxmlformats.org/officeDocument/2006/relationships" xmlns:p="http://schemas.openxmlformats.org/presentationml/2006/main">
+  <p:cSld>
+    <p:spTree>
+      <p:nvGrpSpPr>
+        <p:cNvPr id="1" name=""/>
+        <p:cNvGrpSpPr/>
+        <p:nvPr/>
+      </p:nvGrpSpPr>
+      <p:grpSpPr>
+        <a:xfrm>
+          <a:off x="0" y="0"/>
+          <a:ext cx="0" cy="0"/>
+          <a:chOff x="0" y="0"/>
+          <a:chExt cx="0" cy="0"/>
+        </a:xfrm>
+      </p:grpSpPr>
+      <p:sp>
+        <p:nvSpPr>
+          <p:cNvPr id="2" name="幻灯片图像占位符 1"/>
+          <p:cNvSpPr>
+            <a:spLocks noGrp="1" noRot="1" noChangeAspect="1"/>
+          </p:cNvSpPr>
+          <p:nvPr>
+            <p:ph type="sldImg"/>
+          </p:nvPr>
+        </p:nvSpPr>
+        <p:spPr/>
+      </p:sp>
+      <p:sp>
+        <p:nvSpPr>
+          <p:cNvPr id="3" name="备注占位符 2"/>
+          <p:cNvSpPr>
+            <a:spLocks noGrp="1"/>
+          </p:cNvSpPr>
+          <p:nvPr>
+            <p:ph type="body" idx="1"/>
+          </p:nvPr>
+        </p:nvSpPr>
+        <p:spPr/>
+        <p:txBody>
+          <a:bodyPr/>
+          <a:lstStyle/>
+          <a:p>
+            <a:endParaRPr lang="zh-CN" altLang="en-US" dirty="0"/>
+          </a:p>
+        </p:txBody>
+      </p:sp>
+      <p:sp>
+        <p:nvSpPr>
+          <p:cNvPr id="4" name="灯片编号占位符 3"/>
+          <p:cNvSpPr>
+            <a:spLocks noGrp="1"/>
+          </p:cNvSpPr>
+          <p:nvPr>
+            <p:ph type="sldNum" sz="quarter" idx="10"/>
+          </p:nvPr>
+        </p:nvSpPr>
+        <p:spPr/>
+        <p:txBody>
+          <a:bodyPr/>
+          <a:lstStyle/>
+          <a:p>
+            <a:fld id="{9FB975F3-1C40-4D40-A7FE-36EEB7CAFC85}" type="slidenum">
+              <a:rPr lang="zh-CN" altLang="en-US" smtClean="0"/>
+              <a:t>3</a:t>
+            </a:fld>
+            <a:endParaRPr lang="zh-CN" altLang="en-US"/>
+          </a:p>
+        </p:txBody>
+      </p:sp>
+    </p:spTree>
+    <p:extLst>
+      <p:ext uri="{BB962C8B-B14F-4D97-AF65-F5344CB8AC3E}">
+        <p14:creationId xmlns:p14="http://schemas.microsoft.com/office/powerpoint/2010/main" val="3504997917"/>
+      </p:ext>
+    </p:extLst>
+  </p:cSld>
+  <p:clrMapOvr>
+    <a:masterClrMapping/>
+  </p:clrMapOvr>
+</p:notes>
+</file>
+
+<file path=ppt/notesSlides/notesSlide3.xml><?xml version="1.0" encoding="utf-8"?>
+<p:notes xmlns:a="http://schemas.openxmlformats.org/drawingml/2006/main" xmlns:r="http://schemas.openxmlformats.org/officeDocument/2006/relationships" xmlns:p="http://schemas.openxmlformats.org/presentationml/2006/main">
+  <p:cSld>
+    <p:spTree>
+      <p:nvGrpSpPr>
+        <p:cNvPr id="1" name=""/>
+        <p:cNvGrpSpPr/>
+        <p:nvPr/>
+      </p:nvGrpSpPr>
+      <p:grpSpPr>
+        <a:xfrm>
+          <a:off x="0" y="0"/>
+          <a:ext cx="0" cy="0"/>
+          <a:chOff x="0" y="0"/>
+          <a:chExt cx="0" cy="0"/>
+        </a:xfrm>
+      </p:grpSpPr>
+      <p:sp>
+        <p:nvSpPr>
+          <p:cNvPr id="2" name="幻灯片图像占位符 1"/>
+          <p:cNvSpPr>
+            <a:spLocks noGrp="1" noRot="1" noChangeAspect="1"/>
+          </p:cNvSpPr>
+          <p:nvPr>
+            <p:ph type="sldImg"/>
+          </p:nvPr>
+        </p:nvSpPr>
+        <p:spPr/>
+      </p:sp>
+      <p:sp>
+        <p:nvSpPr>
+          <p:cNvPr id="3" name="备注占位符 2"/>
+          <p:cNvSpPr>
+            <a:spLocks noGrp="1"/>
+          </p:cNvSpPr>
+          <p:nvPr>
+            <p:ph type="body" idx="1"/>
+          </p:nvPr>
+        </p:nvSpPr>
+        <p:spPr/>
+        <p:txBody>
+          <a:bodyPr/>
+          <a:lstStyle/>
+          <a:p>
+            <a:endParaRPr lang="zh-CN" altLang="en-US" dirty="0"/>
+          </a:p>
+        </p:txBody>
+      </p:sp>
+      <p:sp>
+        <p:nvSpPr>
+          <p:cNvPr id="4" name="灯片编号占位符 3"/>
+          <p:cNvSpPr>
+            <a:spLocks noGrp="1"/>
+          </p:cNvSpPr>
+          <p:nvPr>
+            <p:ph type="sldNum" sz="quarter" idx="10"/>
+          </p:nvPr>
+        </p:nvSpPr>
+        <p:spPr/>
+        <p:txBody>
+          <a:bodyPr/>
+          <a:lstStyle/>
+          <a:p>
+            <a:fld id="{9FB975F3-1C40-4D40-A7FE-36EEB7CAFC85}" type="slidenum">
+              <a:rPr lang="zh-CN" altLang="en-US" smtClean="0"/>
+              <a:t>4</a:t>
+            </a:fld>
+            <a:endParaRPr lang="zh-CN" altLang="en-US"/>
+          </a:p>
+        </p:txBody>
+      </p:sp>
+    </p:spTree>
+    <p:extLst>
+      <p:ext uri="{BB962C8B-B14F-4D97-AF65-F5344CB8AC3E}">
+        <p14:creationId xmlns:p14="http://schemas.microsoft.com/office/powerpoint/2010/main" val="3125494505"/>
+      </p:ext>
+    </p:extLst>
+  </p:cSld>
+  <p:clrMapOvr>
+    <a:masterClrMapping/>
+  </p:clrMapOvr>
+</p:notes>
+</file>
+
+<file path=ppt/notesSlides/notesSlide4.xml><?xml version="1.0" encoding="utf-8"?>
+<p:notes xmlns:a="http://schemas.openxmlformats.org/drawingml/2006/main" xmlns:r="http://schemas.openxmlformats.org/officeDocument/2006/relationships" xmlns:p="http://schemas.openxmlformats.org/presentationml/2006/main">
+  <p:cSld>
+    <p:spTree>
+      <p:nvGrpSpPr>
+        <p:cNvPr id="1" name=""/>
+        <p:cNvGrpSpPr/>
+        <p:nvPr/>
+      </p:nvGrpSpPr>
+      <p:grpSpPr>
+        <a:xfrm>
+          <a:off x="0" y="0"/>
+          <a:ext cx="0" cy="0"/>
+          <a:chOff x="0" y="0"/>
+          <a:chExt cx="0" cy="0"/>
+        </a:xfrm>
+      </p:grpSpPr>
+      <p:sp>
+        <p:nvSpPr>
+          <p:cNvPr id="2" name="幻灯片图像占位符 1"/>
+          <p:cNvSpPr>
+            <a:spLocks noGrp="1" noRot="1" noChangeAspect="1"/>
+          </p:cNvSpPr>
+          <p:nvPr>
+            <p:ph type="sldImg"/>
+          </p:nvPr>
+        </p:nvSpPr>
+        <p:spPr/>
+      </p:sp>
+      <p:sp>
+        <p:nvSpPr>
+          <p:cNvPr id="3" name="备注占位符 2"/>
+          <p:cNvSpPr>
+            <a:spLocks noGrp="1"/>
+          </p:cNvSpPr>
+          <p:nvPr>
+            <p:ph type="body" idx="1"/>
+          </p:nvPr>
+        </p:nvSpPr>
+        <p:spPr/>
+        <p:txBody>
+          <a:bodyPr/>
+          <a:lstStyle/>
+          <a:p>
+            <a:endParaRPr lang="zh-CN" altLang="en-US" dirty="0"/>
+          </a:p>
+        </p:txBody>
+      </p:sp>
+      <p:sp>
+        <p:nvSpPr>
+          <p:cNvPr id="4" name="灯片编号占位符 3"/>
+          <p:cNvSpPr>
+            <a:spLocks noGrp="1"/>
+          </p:cNvSpPr>
+          <p:nvPr>
+            <p:ph type="sldNum" sz="quarter" idx="10"/>
+          </p:nvPr>
+        </p:nvSpPr>
+        <p:spPr/>
+        <p:txBody>
+          <a:bodyPr/>
+          <a:lstStyle/>
+          <a:p>
+            <a:fld id="{9FB975F3-1C40-4D40-A7FE-36EEB7CAFC85}" type="slidenum">
+              <a:rPr lang="zh-CN" altLang="en-US" smtClean="0"/>
+              <a:t>5</a:t>
+            </a:fld>
+            <a:endParaRPr lang="zh-CN" altLang="en-US"/>
+          </a:p>
+        </p:txBody>
+      </p:sp>
+    </p:spTree>
+    <p:extLst>
+      <p:ext uri="{BB962C8B-B14F-4D97-AF65-F5344CB8AC3E}">
+        <p14:creationId xmlns:p14="http://schemas.microsoft.com/office/powerpoint/2010/main" val="3786032833"/>
+      </p:ext>
+    </p:extLst>
+  </p:cSld>
+  <p:clrMapOvr>
+    <a:masterClrMapping/>
+  </p:clrMapOvr>
+</p:notes>
+</file>
+
+<file path=ppt/notesSlides/notesSlide5.xml><?xml version="1.0" encoding="utf-8"?>
+<p:notes xmlns:a="http://schemas.openxmlformats.org/drawingml/2006/main" xmlns:r="http://schemas.openxmlformats.org/officeDocument/2006/relationships" xmlns:p="http://schemas.openxmlformats.org/presentationml/2006/main">
+  <p:cSld>
+    <p:spTree>
+      <p:nvGrpSpPr>
+        <p:cNvPr id="1" name=""/>
+        <p:cNvGrpSpPr/>
+        <p:nvPr/>
+      </p:nvGrpSpPr>
+      <p:grpSpPr>
+        <a:xfrm>
+          <a:off x="0" y="0"/>
+          <a:ext cx="0" cy="0"/>
+          <a:chOff x="0" y="0"/>
+          <a:chExt cx="0" cy="0"/>
+        </a:xfrm>
+      </p:grpSpPr>
+      <p:sp>
+        <p:nvSpPr>
+          <p:cNvPr id="2" name="幻灯片图像占位符 1"/>
+          <p:cNvSpPr>
+            <a:spLocks noGrp="1" noRot="1" noChangeAspect="1"/>
+          </p:cNvSpPr>
+          <p:nvPr>
+            <p:ph type="sldImg"/>
+          </p:nvPr>
+        </p:nvSpPr>
+        <p:spPr/>
+      </p:sp>
+      <p:sp>
+        <p:nvSpPr>
+          <p:cNvPr id="3" name="备注占位符 2"/>
+          <p:cNvSpPr>
+            <a:spLocks noGrp="1"/>
+          </p:cNvSpPr>
+          <p:nvPr>
+            <p:ph type="body" idx="1"/>
+          </p:nvPr>
+        </p:nvSpPr>
+        <p:spPr/>
+        <p:txBody>
+          <a:bodyPr/>
+          <a:lstStyle/>
+          <a:p>
+            <a:endParaRPr lang="zh-CN" altLang="en-US" dirty="0"/>
+          </a:p>
+        </p:txBody>
+      </p:sp>
+      <p:sp>
+        <p:nvSpPr>
+          <p:cNvPr id="4" name="灯片编号占位符 3"/>
+          <p:cNvSpPr>
+            <a:spLocks noGrp="1"/>
+          </p:cNvSpPr>
+          <p:nvPr>
+            <p:ph type="sldNum" sz="quarter" idx="10"/>
+          </p:nvPr>
+        </p:nvSpPr>
+        <p:spPr/>
+        <p:txBody>
+          <a:bodyPr/>
+          <a:lstStyle/>
+          <a:p>
+            <a:fld id="{9FB975F3-1C40-4D40-A7FE-36EEB7CAFC85}" type="slidenum">
+              <a:rPr lang="zh-CN" altLang="en-US" smtClean="0"/>
+              <a:t>6</a:t>
+            </a:fld>
+            <a:endParaRPr lang="zh-CN" altLang="en-US"/>
+          </a:p>
+        </p:txBody>
+      </p:sp>
+    </p:spTree>
+    <p:extLst>
+      <p:ext uri="{BB962C8B-B14F-4D97-AF65-F5344CB8AC3E}">
+        <p14:creationId xmlns:p14="http://schemas.microsoft.com/office/powerpoint/2010/main" val="2631028575"/>
+      </p:ext>
+    </p:extLst>
+  </p:cSld>
+  <p:clrMapOvr>
+    <a:masterClrMapping/>
+  </p:clrMapOvr>
+</p:notes>
+</file>
+
+<file path=ppt/notesSlides/notesSlide6.xml><?xml version="1.0" encoding="utf-8"?>
+<p:notes xmlns:a="http://schemas.openxmlformats.org/drawingml/2006/main" xmlns:r="http://schemas.openxmlformats.org/officeDocument/2006/relationships" xmlns:p="http://schemas.openxmlformats.org/presentationml/2006/main">
+  <p:cSld>
+    <p:spTree>
+      <p:nvGrpSpPr>
+        <p:cNvPr id="1" name=""/>
+        <p:cNvGrpSpPr/>
+        <p:nvPr/>
+      </p:nvGrpSpPr>
+      <p:grpSpPr>
+        <a:xfrm>
+          <a:off x="0" y="0"/>
+          <a:ext cx="0" cy="0"/>
+          <a:chOff x="0" y="0"/>
+          <a:chExt cx="0" cy="0"/>
+        </a:xfrm>
+      </p:grpSpPr>
+      <p:sp>
+        <p:nvSpPr>
+          <p:cNvPr id="2" name="幻灯片图像占位符 1"/>
+          <p:cNvSpPr>
+            <a:spLocks noGrp="1" noRot="1" noChangeAspect="1"/>
+          </p:cNvSpPr>
+          <p:nvPr>
+            <p:ph type="sldImg"/>
+          </p:nvPr>
+        </p:nvSpPr>
+        <p:spPr/>
+      </p:sp>
+      <p:sp>
+        <p:nvSpPr>
+          <p:cNvPr id="3" name="备注占位符 2"/>
+          <p:cNvSpPr>
+            <a:spLocks noGrp="1"/>
+          </p:cNvSpPr>
+          <p:nvPr>
+            <p:ph type="body" idx="1"/>
+          </p:nvPr>
+        </p:nvSpPr>
+        <p:spPr/>
+        <p:txBody>
+          <a:bodyPr/>
+          <a:lstStyle/>
+          <a:p>
+            <a:endParaRPr lang="zh-CN" altLang="en-US" dirty="0"/>
+          </a:p>
+        </p:txBody>
+      </p:sp>
+      <p:sp>
+        <p:nvSpPr>
+          <p:cNvPr id="4" name="灯片编号占位符 3"/>
+          <p:cNvSpPr>
+            <a:spLocks noGrp="1"/>
+          </p:cNvSpPr>
+          <p:nvPr>
+            <p:ph type="sldNum" sz="quarter" idx="10"/>
+          </p:nvPr>
+        </p:nvSpPr>
+        <p:spPr/>
+        <p:txBody>
+          <a:bodyPr/>
+          <a:lstStyle/>
+          <a:p>
+            <a:fld id="{9FB975F3-1C40-4D40-A7FE-36EEB7CAFC85}" type="slidenum">
+              <a:rPr lang="zh-CN" altLang="en-US" smtClean="0"/>
+              <a:t>7</a:t>
+            </a:fld>
+            <a:endParaRPr lang="zh-CN" altLang="en-US"/>
+          </a:p>
+        </p:txBody>
+      </p:sp>
+    </p:spTree>
+    <p:extLst>
+      <p:ext uri="{BB962C8B-B14F-4D97-AF65-F5344CB8AC3E}">
+        <p14:creationId xmlns:p14="http://schemas.microsoft.com/office/powerpoint/2010/main" val="616179490"/>
+      </p:ext>
+    </p:extLst>
+  </p:cSld>
+  <p:clrMapOvr>
+    <a:masterClrMapping/>
+  </p:clrMapOvr>
+</p:notes>
+</file>
+
+<file path=ppt/notesSlides/notesSlide7.xml><?xml version="1.0" encoding="utf-8"?>
+<p:notes xmlns:a="http://schemas.openxmlformats.org/drawingml/2006/main" xmlns:r="http://schemas.openxmlformats.org/officeDocument/2006/relationships" xmlns:p="http://schemas.openxmlformats.org/presentationml/2006/main">
+  <p:cSld>
+    <p:spTree>
+      <p:nvGrpSpPr>
+        <p:cNvPr id="1" name=""/>
+        <p:cNvGrpSpPr/>
+        <p:nvPr/>
+      </p:nvGrpSpPr>
+      <p:grpSpPr>
+        <a:xfrm>
+          <a:off x="0" y="0"/>
+          <a:ext cx="0" cy="0"/>
+          <a:chOff x="0" y="0"/>
+          <a:chExt cx="0" cy="0"/>
+        </a:xfrm>
+      </p:grpSpPr>
+      <p:sp>
+        <p:nvSpPr>
+          <p:cNvPr id="2" name="幻灯片图像占位符 1"/>
+          <p:cNvSpPr>
+            <a:spLocks noGrp="1" noRot="1" noChangeAspect="1"/>
+          </p:cNvSpPr>
+          <p:nvPr>
+            <p:ph type="sldImg"/>
+          </p:nvPr>
+        </p:nvSpPr>
+        <p:spPr/>
+      </p:sp>
+      <p:sp>
+        <p:nvSpPr>
+          <p:cNvPr id="3" name="备注占位符 2"/>
+          <p:cNvSpPr>
+            <a:spLocks noGrp="1"/>
+          </p:cNvSpPr>
+          <p:nvPr>
+            <p:ph type="body" idx="1"/>
+          </p:nvPr>
+        </p:nvSpPr>
+        <p:spPr/>
+        <p:txBody>
+          <a:bodyPr/>
+          <a:lstStyle/>
+          <a:p>
+            <a:endParaRPr lang="zh-CN" altLang="en-US" dirty="0"/>
+          </a:p>
+        </p:txBody>
+      </p:sp>
+      <p:sp>
+        <p:nvSpPr>
+          <p:cNvPr id="4" name="灯片编号占位符 3"/>
+          <p:cNvSpPr>
+            <a:spLocks noGrp="1"/>
+          </p:cNvSpPr>
+          <p:nvPr>
+            <p:ph type="sldNum" sz="quarter" idx="10"/>
+          </p:nvPr>
+        </p:nvSpPr>
+        <p:spPr/>
+        <p:txBody>
+          <a:bodyPr/>
+          <a:lstStyle/>
+          <a:p>
+            <a:fld id="{9FB975F3-1C40-4D40-A7FE-36EEB7CAFC85}" type="slidenum">
+              <a:rPr lang="zh-CN" altLang="en-US" smtClean="0"/>
+              <a:t>8</a:t>
+            </a:fld>
+            <a:endParaRPr lang="zh-CN" altLang="en-US"/>
+          </a:p>
+        </p:txBody>
+      </p:sp>
+    </p:spTree>
+    <p:extLst>
+      <p:ext uri="{BB962C8B-B14F-4D97-AF65-F5344CB8AC3E}">
+        <p14:creationId xmlns:p14="http://schemas.microsoft.com/office/powerpoint/2010/main" val="4091015907"/>
+      </p:ext>
+    </p:extLst>
+  </p:cSld>
+  <p:clrMapOvr>
+    <a:masterClrMapping/>
+  </p:clrMapOvr>
+</p:notes>
+</file>
+
+<file path=ppt/notesSlides/notesSlide8.xml><?xml version="1.0" encoding="utf-8"?>
+<p:notes xmlns:a="http://schemas.openxmlformats.org/drawingml/2006/main" xmlns:r="http://schemas.openxmlformats.org/officeDocument/2006/relationships" xmlns:p="http://schemas.openxmlformats.org/presentationml/2006/main">
+  <p:cSld>
+    <p:spTree>
+      <p:nvGrpSpPr>
+        <p:cNvPr id="1" name=""/>
+        <p:cNvGrpSpPr/>
+        <p:nvPr/>
+      </p:nvGrpSpPr>
+      <p:grpSpPr>
+        <a:xfrm>
+          <a:off x="0" y="0"/>
+          <a:ext cx="0" cy="0"/>
+          <a:chOff x="0" y="0"/>
+          <a:chExt cx="0" cy="0"/>
+        </a:xfrm>
+      </p:grpSpPr>
+      <p:sp>
+        <p:nvSpPr>
+          <p:cNvPr id="2" name="幻灯片图像占位符 1"/>
+          <p:cNvSpPr>
+            <a:spLocks noGrp="1" noRot="1" noChangeAspect="1"/>
+          </p:cNvSpPr>
+          <p:nvPr>
+            <p:ph type="sldImg"/>
+          </p:nvPr>
+        </p:nvSpPr>
+        <p:spPr/>
+      </p:sp>
+      <p:sp>
+        <p:nvSpPr>
+          <p:cNvPr id="3" name="备注占位符 2"/>
+          <p:cNvSpPr>
+            <a:spLocks noGrp="1"/>
+          </p:cNvSpPr>
+          <p:nvPr>
+            <p:ph type="body" idx="1"/>
+          </p:nvPr>
+        </p:nvSpPr>
+        <p:spPr/>
+        <p:txBody>
+          <a:bodyPr/>
+          <a:lstStyle/>
+          <a:p>
+            <a:endParaRPr lang="zh-CN" altLang="en-US" dirty="0"/>
+          </a:p>
+        </p:txBody>
+      </p:sp>
+      <p:sp>
+        <p:nvSpPr>
+          <p:cNvPr id="4" name="灯片编号占位符 3"/>
+          <p:cNvSpPr>
+            <a:spLocks noGrp="1"/>
+          </p:cNvSpPr>
+          <p:nvPr>
+            <p:ph type="sldNum" sz="quarter" idx="10"/>
+          </p:nvPr>
+        </p:nvSpPr>
+        <p:spPr/>
+        <p:txBody>
+          <a:bodyPr/>
+          <a:lstStyle/>
+          <a:p>
+            <a:fld id="{9FB975F3-1C40-4D40-A7FE-36EEB7CAFC85}" type="slidenum">
+              <a:rPr lang="zh-CN" altLang="en-US" smtClean="0"/>
+              <a:t>9</a:t>
+            </a:fld>
+            <a:endParaRPr lang="zh-CN" altLang="en-US"/>
+          </a:p>
+        </p:txBody>
+      </p:sp>
+    </p:spTree>
+    <p:extLst>
+      <p:ext uri="{BB962C8B-B14F-4D97-AF65-F5344CB8AC3E}">
+        <p14:creationId xmlns:p14="http://schemas.microsoft.com/office/powerpoint/2010/main" val="2846291670"/>
+      </p:ext>
+    </p:extLst>
+  </p:cSld>
+  <p:clrMapOvr>
+    <a:masterClrMapping/>
+  </p:clrMapOvr>
+</p:notes>
+</file>
+
+<file path=ppt/notesSlides/notesSlide9.xml><?xml version="1.0" encoding="utf-8"?>
+<p:notes xmlns:a="http://schemas.openxmlformats.org/drawingml/2006/main" xmlns:r="http://schemas.openxmlformats.org/officeDocument/2006/relationships" xmlns:p="http://schemas.openxmlformats.org/presentationml/2006/main">
+  <p:cSld>
+    <p:spTree>
+      <p:nvGrpSpPr>
+        <p:cNvPr id="1" name=""/>
+        <p:cNvGrpSpPr/>
+        <p:nvPr/>
+      </p:nvGrpSpPr>
+      <p:grpSpPr>
+        <a:xfrm>
+          <a:off x="0" y="0"/>
+          <a:ext cx="0" cy="0"/>
+          <a:chOff x="0" y="0"/>
+          <a:chExt cx="0" cy="0"/>
+        </a:xfrm>
+      </p:grpSpPr>
+      <p:sp>
+        <p:nvSpPr>
+          <p:cNvPr id="2" name="幻灯片图像占位符 1"/>
+          <p:cNvSpPr>
+            <a:spLocks noGrp="1" noRot="1" noChangeAspect="1"/>
+          </p:cNvSpPr>
+          <p:nvPr>
+            <p:ph type="sldImg"/>
+          </p:nvPr>
+        </p:nvSpPr>
+        <p:spPr/>
+      </p:sp>
+      <p:sp>
+        <p:nvSpPr>
+          <p:cNvPr id="3" name="备注占位符 2"/>
+          <p:cNvSpPr>
+            <a:spLocks noGrp="1"/>
+          </p:cNvSpPr>
+          <p:nvPr>
+            <p:ph type="body" idx="1"/>
+          </p:nvPr>
+        </p:nvSpPr>
+        <p:spPr/>
+        <p:txBody>
+          <a:bodyPr/>
+          <a:lstStyle/>
+          <a:p>
+            <a:endParaRPr lang="zh-CN" altLang="en-US" dirty="0"/>
+          </a:p>
+        </p:txBody>
+      </p:sp>
+      <p:sp>
+        <p:nvSpPr>
+          <p:cNvPr id="4" name="灯片编号占位符 3"/>
+          <p:cNvSpPr>
+            <a:spLocks noGrp="1"/>
+          </p:cNvSpPr>
+          <p:nvPr>
+            <p:ph type="sldNum" sz="quarter" idx="10"/>
+          </p:nvPr>
+        </p:nvSpPr>
+        <p:spPr/>
+        <p:txBody>
+          <a:bodyPr/>
+          <a:lstStyle/>
+          <a:p>
+            <a:fld id="{9FB975F3-1C40-4D40-A7FE-36EEB7CAFC85}" type="slidenum">
+              <a:rPr lang="zh-CN" altLang="en-US" smtClean="0"/>
+              <a:t>10</a:t>
+            </a:fld>
+            <a:endParaRPr lang="zh-CN" altLang="en-US"/>
+          </a:p>
+        </p:txBody>
+      </p:sp>
+    </p:spTree>
+    <p:extLst>
+      <p:ext uri="{BB962C8B-B14F-4D97-AF65-F5344CB8AC3E}">
+        <p14:creationId xmlns:p14="http://schemas.microsoft.com/office/powerpoint/2010/main" val="2953249600"/>
+      </p:ext>
+    </p:extLst>
+  </p:cSld>
+  <p:clrMapOvr>
+    <a:masterClrMapping/>
+  </p:clrMapOvr>
+</p:notes>
 </file>
 
 <file path=ppt/slideLayouts/slideLayout1.xml><?xml version="1.0" encoding="utf-8"?>
@@ -143,7 +1252,7 @@
           <p:cNvPr id="2" name="标题 1">
             <a:extLst>
               <a:ext uri="{FF2B5EF4-FFF2-40B4-BE49-F238E27FC236}">
-                <a16:creationId xmlns="" xmlns:a16="http://schemas.microsoft.com/office/drawing/2014/main" id="{4580D2F7-B8A7-4C62-B10A-5474B198AA52}"/>
+                <a16:creationId xmlns:a16="http://schemas.microsoft.com/office/drawing/2014/main" id="{4580D2F7-B8A7-4C62-B10A-5474B198AA52}"/>
               </a:ext>
             </a:extLst>
           </p:cNvPr>
@@ -180,7 +1289,7 @@
           <p:cNvPr id="3" name="副标题 2">
             <a:extLst>
               <a:ext uri="{FF2B5EF4-FFF2-40B4-BE49-F238E27FC236}">
-                <a16:creationId xmlns="" xmlns:a16="http://schemas.microsoft.com/office/drawing/2014/main" id="{D08029E5-A3ED-4480-B211-8244192CDEFE}"/>
+                <a16:creationId xmlns:a16="http://schemas.microsoft.com/office/drawing/2014/main" id="{D08029E5-A3ED-4480-B211-8244192CDEFE}"/>
               </a:ext>
             </a:extLst>
           </p:cNvPr>
@@ -250,7 +1359,7 @@
           <p:cNvPr id="4" name="日期占位符 3">
             <a:extLst>
               <a:ext uri="{FF2B5EF4-FFF2-40B4-BE49-F238E27FC236}">
-                <a16:creationId xmlns="" xmlns:a16="http://schemas.microsoft.com/office/drawing/2014/main" id="{358CA2D7-D2C2-4766-8161-DBA60F7BC491}"/>
+                <a16:creationId xmlns:a16="http://schemas.microsoft.com/office/drawing/2014/main" id="{358CA2D7-D2C2-4766-8161-DBA60F7BC491}"/>
               </a:ext>
             </a:extLst>
           </p:cNvPr>
@@ -276,7 +1385,7 @@
           <a:p>
             <a:fld id="{02E60DA2-A0BC-48C9-AA88-75C78721B420}" type="datetimeFigureOut">
               <a:rPr lang="zh-CN" altLang="en-US" smtClean="0"/>
-              <a:t>2018/1/3</a:t>
+              <a:t>2018/2/25</a:t>
             </a:fld>
             <a:endParaRPr lang="zh-CN" altLang="en-US"/>
           </a:p>
@@ -287,7 +1396,7 @@
           <p:cNvPr id="5" name="页脚占位符 4">
             <a:extLst>
               <a:ext uri="{FF2B5EF4-FFF2-40B4-BE49-F238E27FC236}">
-                <a16:creationId xmlns="" xmlns:a16="http://schemas.microsoft.com/office/drawing/2014/main" id="{E0F8F207-BE97-4512-A051-D1D727642ADF}"/>
+                <a16:creationId xmlns:a16="http://schemas.microsoft.com/office/drawing/2014/main" id="{E0F8F207-BE97-4512-A051-D1D727642ADF}"/>
               </a:ext>
             </a:extLst>
           </p:cNvPr>
@@ -320,7 +1429,7 @@
           <p:cNvPr id="6" name="灯片编号占位符 5">
             <a:extLst>
               <a:ext uri="{FF2B5EF4-FFF2-40B4-BE49-F238E27FC236}">
-                <a16:creationId xmlns="" xmlns:a16="http://schemas.microsoft.com/office/drawing/2014/main" id="{57A70888-87D2-4D72-88E3-4EB531FA4D16}"/>
+                <a16:creationId xmlns:a16="http://schemas.microsoft.com/office/drawing/2014/main" id="{57A70888-87D2-4D72-88E3-4EB531FA4D16}"/>
               </a:ext>
             </a:extLst>
           </p:cNvPr>
@@ -387,7 +1496,7 @@
           <p:cNvPr id="2" name="标题 1">
             <a:extLst>
               <a:ext uri="{FF2B5EF4-FFF2-40B4-BE49-F238E27FC236}">
-                <a16:creationId xmlns="" xmlns:a16="http://schemas.microsoft.com/office/drawing/2014/main" id="{47B0B2FB-4959-4FE4-86E2-97E4443C002E}"/>
+                <a16:creationId xmlns:a16="http://schemas.microsoft.com/office/drawing/2014/main" id="{47B0B2FB-4959-4FE4-86E2-97E4443C002E}"/>
               </a:ext>
             </a:extLst>
           </p:cNvPr>
@@ -415,7 +1524,7 @@
           <p:cNvPr id="3" name="竖排文字占位符 2">
             <a:extLst>
               <a:ext uri="{FF2B5EF4-FFF2-40B4-BE49-F238E27FC236}">
-                <a16:creationId xmlns="" xmlns:a16="http://schemas.microsoft.com/office/drawing/2014/main" id="{BC5CB652-A873-4422-BB38-1FFAA749D5DC}"/>
+                <a16:creationId xmlns:a16="http://schemas.microsoft.com/office/drawing/2014/main" id="{BC5CB652-A873-4422-BB38-1FFAA749D5DC}"/>
               </a:ext>
             </a:extLst>
           </p:cNvPr>
@@ -472,7 +1581,7 @@
           <p:cNvPr id="4" name="日期占位符 3">
             <a:extLst>
               <a:ext uri="{FF2B5EF4-FFF2-40B4-BE49-F238E27FC236}">
-                <a16:creationId xmlns="" xmlns:a16="http://schemas.microsoft.com/office/drawing/2014/main" id="{A17A5158-4FD3-42CD-8937-8987BFDF7B88}"/>
+                <a16:creationId xmlns:a16="http://schemas.microsoft.com/office/drawing/2014/main" id="{A17A5158-4FD3-42CD-8937-8987BFDF7B88}"/>
               </a:ext>
             </a:extLst>
           </p:cNvPr>
@@ -498,7 +1607,7 @@
           <a:p>
             <a:fld id="{02E60DA2-A0BC-48C9-AA88-75C78721B420}" type="datetimeFigureOut">
               <a:rPr lang="zh-CN" altLang="en-US" smtClean="0"/>
-              <a:t>2018/1/3</a:t>
+              <a:t>2018/2/25</a:t>
             </a:fld>
             <a:endParaRPr lang="zh-CN" altLang="en-US"/>
           </a:p>
@@ -509,7 +1618,7 @@
           <p:cNvPr id="5" name="页脚占位符 4">
             <a:extLst>
               <a:ext uri="{FF2B5EF4-FFF2-40B4-BE49-F238E27FC236}">
-                <a16:creationId xmlns="" xmlns:a16="http://schemas.microsoft.com/office/drawing/2014/main" id="{D2C2BA79-53D6-4263-B3EF-84D5A8428278}"/>
+                <a16:creationId xmlns:a16="http://schemas.microsoft.com/office/drawing/2014/main" id="{D2C2BA79-53D6-4263-B3EF-84D5A8428278}"/>
               </a:ext>
             </a:extLst>
           </p:cNvPr>
@@ -542,7 +1651,7 @@
           <p:cNvPr id="6" name="灯片编号占位符 5">
             <a:extLst>
               <a:ext uri="{FF2B5EF4-FFF2-40B4-BE49-F238E27FC236}">
-                <a16:creationId xmlns="" xmlns:a16="http://schemas.microsoft.com/office/drawing/2014/main" id="{4BE22221-8CB7-4DBA-9746-B585C0976CD3}"/>
+                <a16:creationId xmlns:a16="http://schemas.microsoft.com/office/drawing/2014/main" id="{4BE22221-8CB7-4DBA-9746-B585C0976CD3}"/>
               </a:ext>
             </a:extLst>
           </p:cNvPr>
@@ -609,7 +1718,7 @@
           <p:cNvPr id="2" name="竖排标题 1">
             <a:extLst>
               <a:ext uri="{FF2B5EF4-FFF2-40B4-BE49-F238E27FC236}">
-                <a16:creationId xmlns="" xmlns:a16="http://schemas.microsoft.com/office/drawing/2014/main" id="{9333D106-9CB0-4E10-B301-7397C10E60E3}"/>
+                <a16:creationId xmlns:a16="http://schemas.microsoft.com/office/drawing/2014/main" id="{9333D106-9CB0-4E10-B301-7397C10E60E3}"/>
               </a:ext>
             </a:extLst>
           </p:cNvPr>
@@ -642,7 +1751,7 @@
           <p:cNvPr id="3" name="竖排文字占位符 2">
             <a:extLst>
               <a:ext uri="{FF2B5EF4-FFF2-40B4-BE49-F238E27FC236}">
-                <a16:creationId xmlns="" xmlns:a16="http://schemas.microsoft.com/office/drawing/2014/main" id="{E29239A0-3839-4303-B54E-4260334C7BB7}"/>
+                <a16:creationId xmlns:a16="http://schemas.microsoft.com/office/drawing/2014/main" id="{E29239A0-3839-4303-B54E-4260334C7BB7}"/>
               </a:ext>
             </a:extLst>
           </p:cNvPr>
@@ -704,7 +1813,7 @@
           <p:cNvPr id="4" name="日期占位符 3">
             <a:extLst>
               <a:ext uri="{FF2B5EF4-FFF2-40B4-BE49-F238E27FC236}">
-                <a16:creationId xmlns="" xmlns:a16="http://schemas.microsoft.com/office/drawing/2014/main" id="{8A1A2039-7BFB-41DB-85F9-F49C92BFFB17}"/>
+                <a16:creationId xmlns:a16="http://schemas.microsoft.com/office/drawing/2014/main" id="{8A1A2039-7BFB-41DB-85F9-F49C92BFFB17}"/>
               </a:ext>
             </a:extLst>
           </p:cNvPr>
@@ -730,7 +1839,7 @@
           <a:p>
             <a:fld id="{02E60DA2-A0BC-48C9-AA88-75C78721B420}" type="datetimeFigureOut">
               <a:rPr lang="zh-CN" altLang="en-US" smtClean="0"/>
-              <a:t>2018/1/3</a:t>
+              <a:t>2018/2/25</a:t>
             </a:fld>
             <a:endParaRPr lang="zh-CN" altLang="en-US"/>
           </a:p>
@@ -741,7 +1850,7 @@
           <p:cNvPr id="5" name="页脚占位符 4">
             <a:extLst>
               <a:ext uri="{FF2B5EF4-FFF2-40B4-BE49-F238E27FC236}">
-                <a16:creationId xmlns="" xmlns:a16="http://schemas.microsoft.com/office/drawing/2014/main" id="{C278BB87-5004-4714-8C46-6CBF22C35098}"/>
+                <a16:creationId xmlns:a16="http://schemas.microsoft.com/office/drawing/2014/main" id="{C278BB87-5004-4714-8C46-6CBF22C35098}"/>
               </a:ext>
             </a:extLst>
           </p:cNvPr>
@@ -774,7 +1883,7 @@
           <p:cNvPr id="6" name="灯片编号占位符 5">
             <a:extLst>
               <a:ext uri="{FF2B5EF4-FFF2-40B4-BE49-F238E27FC236}">
-                <a16:creationId xmlns="" xmlns:a16="http://schemas.microsoft.com/office/drawing/2014/main" id="{FC1B4085-6E0A-4997-BE38-7B5E447F199F}"/>
+                <a16:creationId xmlns:a16="http://schemas.microsoft.com/office/drawing/2014/main" id="{FC1B4085-6E0A-4997-BE38-7B5E447F199F}"/>
               </a:ext>
             </a:extLst>
           </p:cNvPr>
@@ -841,7 +1950,7 @@
           <p:cNvPr id="2" name="标题 1">
             <a:extLst>
               <a:ext uri="{FF2B5EF4-FFF2-40B4-BE49-F238E27FC236}">
-                <a16:creationId xmlns="" xmlns:a16="http://schemas.microsoft.com/office/drawing/2014/main" id="{4580D2F7-B8A7-4C62-B10A-5474B198AA52}"/>
+                <a16:creationId xmlns:a16="http://schemas.microsoft.com/office/drawing/2014/main" id="{4580D2F7-B8A7-4C62-B10A-5474B198AA52}"/>
               </a:ext>
             </a:extLst>
           </p:cNvPr>
@@ -881,7 +1990,7 @@
           <p:cNvPr id="3" name="副标题 2">
             <a:extLst>
               <a:ext uri="{FF2B5EF4-FFF2-40B4-BE49-F238E27FC236}">
-                <a16:creationId xmlns="" xmlns:a16="http://schemas.microsoft.com/office/drawing/2014/main" id="{D08029E5-A3ED-4480-B211-8244192CDEFE}"/>
+                <a16:creationId xmlns:a16="http://schemas.microsoft.com/office/drawing/2014/main" id="{D08029E5-A3ED-4480-B211-8244192CDEFE}"/>
               </a:ext>
             </a:extLst>
           </p:cNvPr>
@@ -954,7 +2063,7 @@
           <p:cNvPr id="4" name="日期占位符 3">
             <a:extLst>
               <a:ext uri="{FF2B5EF4-FFF2-40B4-BE49-F238E27FC236}">
-                <a16:creationId xmlns="" xmlns:a16="http://schemas.microsoft.com/office/drawing/2014/main" id="{358CA2D7-D2C2-4766-8161-DBA60F7BC491}"/>
+                <a16:creationId xmlns:a16="http://schemas.microsoft.com/office/drawing/2014/main" id="{358CA2D7-D2C2-4766-8161-DBA60F7BC491}"/>
               </a:ext>
             </a:extLst>
           </p:cNvPr>
@@ -980,7 +2089,7 @@
           <a:p>
             <a:fld id="{02E60DA2-A0BC-48C9-AA88-75C78721B420}" type="datetimeFigureOut">
               <a:rPr lang="zh-CN" altLang="en-US" smtClean="0"/>
-              <a:t>2018/1/3</a:t>
+              <a:t>2018/2/25</a:t>
             </a:fld>
             <a:endParaRPr lang="zh-CN" altLang="en-US"/>
           </a:p>
@@ -991,7 +2100,7 @@
           <p:cNvPr id="5" name="页脚占位符 4">
             <a:extLst>
               <a:ext uri="{FF2B5EF4-FFF2-40B4-BE49-F238E27FC236}">
-                <a16:creationId xmlns="" xmlns:a16="http://schemas.microsoft.com/office/drawing/2014/main" id="{E0F8F207-BE97-4512-A051-D1D727642ADF}"/>
+                <a16:creationId xmlns:a16="http://schemas.microsoft.com/office/drawing/2014/main" id="{E0F8F207-BE97-4512-A051-D1D727642ADF}"/>
               </a:ext>
             </a:extLst>
           </p:cNvPr>
@@ -1024,7 +2133,7 @@
           <p:cNvPr id="6" name="灯片编号占位符 5">
             <a:extLst>
               <a:ext uri="{FF2B5EF4-FFF2-40B4-BE49-F238E27FC236}">
-                <a16:creationId xmlns="" xmlns:a16="http://schemas.microsoft.com/office/drawing/2014/main" id="{57A70888-87D2-4D72-88E3-4EB531FA4D16}"/>
+                <a16:creationId xmlns:a16="http://schemas.microsoft.com/office/drawing/2014/main" id="{57A70888-87D2-4D72-88E3-4EB531FA4D16}"/>
               </a:ext>
             </a:extLst>
           </p:cNvPr>
@@ -1091,7 +2200,7 @@
           <p:cNvPr id="2" name="标题 1">
             <a:extLst>
               <a:ext uri="{FF2B5EF4-FFF2-40B4-BE49-F238E27FC236}">
-                <a16:creationId xmlns="" xmlns:a16="http://schemas.microsoft.com/office/drawing/2014/main" id="{FDA06683-1E3B-4E82-B566-82E72C3DC756}"/>
+                <a16:creationId xmlns:a16="http://schemas.microsoft.com/office/drawing/2014/main" id="{FDA06683-1E3B-4E82-B566-82E72C3DC756}"/>
               </a:ext>
             </a:extLst>
           </p:cNvPr>
@@ -1127,7 +2236,7 @@
           <p:cNvPr id="3" name="内容占位符 2">
             <a:extLst>
               <a:ext uri="{FF2B5EF4-FFF2-40B4-BE49-F238E27FC236}">
-                <a16:creationId xmlns="" xmlns:a16="http://schemas.microsoft.com/office/drawing/2014/main" id="{58A1318B-3ABA-473A-A58F-68FE1F405BF6}"/>
+                <a16:creationId xmlns:a16="http://schemas.microsoft.com/office/drawing/2014/main" id="{58A1318B-3ABA-473A-A58F-68FE1F405BF6}"/>
               </a:ext>
             </a:extLst>
           </p:cNvPr>
@@ -1192,7 +2301,7 @@
           <p:cNvPr id="4" name="日期占位符 3">
             <a:extLst>
               <a:ext uri="{FF2B5EF4-FFF2-40B4-BE49-F238E27FC236}">
-                <a16:creationId xmlns="" xmlns:a16="http://schemas.microsoft.com/office/drawing/2014/main" id="{8FD917EC-8501-4020-9EDF-A4F573631242}"/>
+                <a16:creationId xmlns:a16="http://schemas.microsoft.com/office/drawing/2014/main" id="{8FD917EC-8501-4020-9EDF-A4F573631242}"/>
               </a:ext>
             </a:extLst>
           </p:cNvPr>
@@ -1218,7 +2327,7 @@
           <a:p>
             <a:fld id="{02E60DA2-A0BC-48C9-AA88-75C78721B420}" type="datetimeFigureOut">
               <a:rPr lang="zh-CN" altLang="en-US" smtClean="0"/>
-              <a:t>2018/1/3</a:t>
+              <a:t>2018/2/25</a:t>
             </a:fld>
             <a:endParaRPr lang="zh-CN" altLang="en-US"/>
           </a:p>
@@ -1229,7 +2338,7 @@
           <p:cNvPr id="5" name="页脚占位符 4">
             <a:extLst>
               <a:ext uri="{FF2B5EF4-FFF2-40B4-BE49-F238E27FC236}">
-                <a16:creationId xmlns="" xmlns:a16="http://schemas.microsoft.com/office/drawing/2014/main" id="{79615516-0ACC-4FA6-8D41-91D8F5C00CED}"/>
+                <a16:creationId xmlns:a16="http://schemas.microsoft.com/office/drawing/2014/main" id="{79615516-0ACC-4FA6-8D41-91D8F5C00CED}"/>
               </a:ext>
             </a:extLst>
           </p:cNvPr>
@@ -1262,7 +2371,7 @@
           <p:cNvPr id="6" name="灯片编号占位符 5">
             <a:extLst>
               <a:ext uri="{FF2B5EF4-FFF2-40B4-BE49-F238E27FC236}">
-                <a16:creationId xmlns="" xmlns:a16="http://schemas.microsoft.com/office/drawing/2014/main" id="{CF0C0F46-9191-45D5-B62D-2893F5616650}"/>
+                <a16:creationId xmlns:a16="http://schemas.microsoft.com/office/drawing/2014/main" id="{CF0C0F46-9191-45D5-B62D-2893F5616650}"/>
               </a:ext>
             </a:extLst>
           </p:cNvPr>
@@ -1294,6 +2403,47 @@
           </a:p>
         </p:txBody>
       </p:sp>
+      <p:cxnSp>
+        <p:nvCxnSpPr>
+          <p:cNvPr id="8" name="直接连接符 7">
+            <a:extLst>
+              <a:ext uri="{FF2B5EF4-FFF2-40B4-BE49-F238E27FC236}">
+                <a16:creationId xmlns:a16="http://schemas.microsoft.com/office/drawing/2014/main" id="{B7781E05-4384-4C34-B9A3-20F69926B03D}"/>
+              </a:ext>
+            </a:extLst>
+          </p:cNvPr>
+          <p:cNvCxnSpPr/>
+          <p:nvPr userDrawn="1"/>
+        </p:nvCxnSpPr>
+        <p:spPr>
+          <a:xfrm>
+            <a:off x="838200" y="1554481"/>
+            <a:ext cx="10515600" cy="0"/>
+          </a:xfrm>
+          <a:prstGeom prst="line">
+            <a:avLst/>
+          </a:prstGeom>
+          <a:ln>
+            <a:solidFill>
+              <a:srgbClr val="FF0000"/>
+            </a:solidFill>
+          </a:ln>
+        </p:spPr>
+        <p:style>
+          <a:lnRef idx="3">
+            <a:schemeClr val="accent2"/>
+          </a:lnRef>
+          <a:fillRef idx="0">
+            <a:schemeClr val="accent2"/>
+          </a:fillRef>
+          <a:effectRef idx="2">
+            <a:schemeClr val="accent2"/>
+          </a:effectRef>
+          <a:fontRef idx="minor">
+            <a:schemeClr val="tx1"/>
+          </a:fontRef>
+        </p:style>
+      </p:cxnSp>
     </p:spTree>
     <p:extLst>
       <p:ext uri="{BB962C8B-B14F-4D97-AF65-F5344CB8AC3E}">
@@ -1329,7 +2479,7 @@
           <p:cNvPr id="2" name="标题 1">
             <a:extLst>
               <a:ext uri="{FF2B5EF4-FFF2-40B4-BE49-F238E27FC236}">
-                <a16:creationId xmlns="" xmlns:a16="http://schemas.microsoft.com/office/drawing/2014/main" id="{6602C541-D67E-4BE0-B223-149D33CF5FF1}"/>
+                <a16:creationId xmlns:a16="http://schemas.microsoft.com/office/drawing/2014/main" id="{6602C541-D67E-4BE0-B223-149D33CF5FF1}"/>
               </a:ext>
             </a:extLst>
           </p:cNvPr>
@@ -1369,7 +2519,7 @@
           <p:cNvPr id="3" name="文本占位符 2">
             <a:extLst>
               <a:ext uri="{FF2B5EF4-FFF2-40B4-BE49-F238E27FC236}">
-                <a16:creationId xmlns="" xmlns:a16="http://schemas.microsoft.com/office/drawing/2014/main" id="{55E06CBC-8EBA-42F9-B3E0-A843AEDB1BD8}"/>
+                <a16:creationId xmlns:a16="http://schemas.microsoft.com/office/drawing/2014/main" id="{55E06CBC-8EBA-42F9-B3E0-A843AEDB1BD8}"/>
               </a:ext>
             </a:extLst>
           </p:cNvPr>
@@ -1497,7 +2647,7 @@
           <p:cNvPr id="4" name="日期占位符 3">
             <a:extLst>
               <a:ext uri="{FF2B5EF4-FFF2-40B4-BE49-F238E27FC236}">
-                <a16:creationId xmlns="" xmlns:a16="http://schemas.microsoft.com/office/drawing/2014/main" id="{FDB2504C-5AB1-4506-A9D8-1A948CBC2BF3}"/>
+                <a16:creationId xmlns:a16="http://schemas.microsoft.com/office/drawing/2014/main" id="{FDB2504C-5AB1-4506-A9D8-1A948CBC2BF3}"/>
               </a:ext>
             </a:extLst>
           </p:cNvPr>
@@ -1523,7 +2673,7 @@
           <a:p>
             <a:fld id="{02E60DA2-A0BC-48C9-AA88-75C78721B420}" type="datetimeFigureOut">
               <a:rPr lang="zh-CN" altLang="en-US" smtClean="0"/>
-              <a:t>2018/1/3</a:t>
+              <a:t>2018/2/25</a:t>
             </a:fld>
             <a:endParaRPr lang="zh-CN" altLang="en-US"/>
           </a:p>
@@ -1534,7 +2684,7 @@
           <p:cNvPr id="5" name="页脚占位符 4">
             <a:extLst>
               <a:ext uri="{FF2B5EF4-FFF2-40B4-BE49-F238E27FC236}">
-                <a16:creationId xmlns="" xmlns:a16="http://schemas.microsoft.com/office/drawing/2014/main" id="{8EED1BC2-384F-490F-9206-6F27238D90DB}"/>
+                <a16:creationId xmlns:a16="http://schemas.microsoft.com/office/drawing/2014/main" id="{8EED1BC2-384F-490F-9206-6F27238D90DB}"/>
               </a:ext>
             </a:extLst>
           </p:cNvPr>
@@ -1567,7 +2717,7 @@
           <p:cNvPr id="6" name="灯片编号占位符 5">
             <a:extLst>
               <a:ext uri="{FF2B5EF4-FFF2-40B4-BE49-F238E27FC236}">
-                <a16:creationId xmlns="" xmlns:a16="http://schemas.microsoft.com/office/drawing/2014/main" id="{975F5478-33A3-42ED-9060-A6BDD7DBCE9C}"/>
+                <a16:creationId xmlns:a16="http://schemas.microsoft.com/office/drawing/2014/main" id="{975F5478-33A3-42ED-9060-A6BDD7DBCE9C}"/>
               </a:ext>
             </a:extLst>
           </p:cNvPr>
@@ -1634,7 +2784,7 @@
           <p:cNvPr id="2" name="标题 1">
             <a:extLst>
               <a:ext uri="{FF2B5EF4-FFF2-40B4-BE49-F238E27FC236}">
-                <a16:creationId xmlns="" xmlns:a16="http://schemas.microsoft.com/office/drawing/2014/main" id="{F280021F-2F2C-4A26-AE3A-95F8A2B3E147}"/>
+                <a16:creationId xmlns:a16="http://schemas.microsoft.com/office/drawing/2014/main" id="{F280021F-2F2C-4A26-AE3A-95F8A2B3E147}"/>
               </a:ext>
             </a:extLst>
           </p:cNvPr>
@@ -1670,7 +2820,7 @@
           <p:cNvPr id="3" name="内容占位符 2">
             <a:extLst>
               <a:ext uri="{FF2B5EF4-FFF2-40B4-BE49-F238E27FC236}">
-                <a16:creationId xmlns="" xmlns:a16="http://schemas.microsoft.com/office/drawing/2014/main" id="{16BB5DE8-6678-4CCF-AE5C-C34328A85403}"/>
+                <a16:creationId xmlns:a16="http://schemas.microsoft.com/office/drawing/2014/main" id="{16BB5DE8-6678-4CCF-AE5C-C34328A85403}"/>
               </a:ext>
             </a:extLst>
           </p:cNvPr>
@@ -1735,7 +2885,7 @@
           <p:cNvPr id="4" name="内容占位符 3">
             <a:extLst>
               <a:ext uri="{FF2B5EF4-FFF2-40B4-BE49-F238E27FC236}">
-                <a16:creationId xmlns="" xmlns:a16="http://schemas.microsoft.com/office/drawing/2014/main" id="{52D4C2E3-226A-42C0-9112-DDBD640689E2}"/>
+                <a16:creationId xmlns:a16="http://schemas.microsoft.com/office/drawing/2014/main" id="{52D4C2E3-226A-42C0-9112-DDBD640689E2}"/>
               </a:ext>
             </a:extLst>
           </p:cNvPr>
@@ -1800,7 +2950,7 @@
           <p:cNvPr id="5" name="日期占位符 4">
             <a:extLst>
               <a:ext uri="{FF2B5EF4-FFF2-40B4-BE49-F238E27FC236}">
-                <a16:creationId xmlns="" xmlns:a16="http://schemas.microsoft.com/office/drawing/2014/main" id="{5D556E24-99A4-40A5-8584-523B3DC8CC54}"/>
+                <a16:creationId xmlns:a16="http://schemas.microsoft.com/office/drawing/2014/main" id="{5D556E24-99A4-40A5-8584-523B3DC8CC54}"/>
               </a:ext>
             </a:extLst>
           </p:cNvPr>
@@ -1826,7 +2976,7 @@
           <a:p>
             <a:fld id="{02E60DA2-A0BC-48C9-AA88-75C78721B420}" type="datetimeFigureOut">
               <a:rPr lang="zh-CN" altLang="en-US" smtClean="0"/>
-              <a:t>2018/1/3</a:t>
+              <a:t>2018/2/25</a:t>
             </a:fld>
             <a:endParaRPr lang="zh-CN" altLang="en-US"/>
           </a:p>
@@ -1837,7 +2987,7 @@
           <p:cNvPr id="6" name="页脚占位符 5">
             <a:extLst>
               <a:ext uri="{FF2B5EF4-FFF2-40B4-BE49-F238E27FC236}">
-                <a16:creationId xmlns="" xmlns:a16="http://schemas.microsoft.com/office/drawing/2014/main" id="{95588254-DF01-4504-AC65-B12627BAC841}"/>
+                <a16:creationId xmlns:a16="http://schemas.microsoft.com/office/drawing/2014/main" id="{95588254-DF01-4504-AC65-B12627BAC841}"/>
               </a:ext>
             </a:extLst>
           </p:cNvPr>
@@ -1870,7 +3020,7 @@
           <p:cNvPr id="7" name="灯片编号占位符 6">
             <a:extLst>
               <a:ext uri="{FF2B5EF4-FFF2-40B4-BE49-F238E27FC236}">
-                <a16:creationId xmlns="" xmlns:a16="http://schemas.microsoft.com/office/drawing/2014/main" id="{E3DB2B8F-1BF3-4C3D-ADB1-B57BB4FB3DB2}"/>
+                <a16:creationId xmlns:a16="http://schemas.microsoft.com/office/drawing/2014/main" id="{E3DB2B8F-1BF3-4C3D-ADB1-B57BB4FB3DB2}"/>
               </a:ext>
             </a:extLst>
           </p:cNvPr>
@@ -1937,7 +3087,7 @@
           <p:cNvPr id="2" name="标题 1">
             <a:extLst>
               <a:ext uri="{FF2B5EF4-FFF2-40B4-BE49-F238E27FC236}">
-                <a16:creationId xmlns="" xmlns:a16="http://schemas.microsoft.com/office/drawing/2014/main" id="{1FCF7059-1F16-4131-B4F7-8D2FA3ABA857}"/>
+                <a16:creationId xmlns:a16="http://schemas.microsoft.com/office/drawing/2014/main" id="{1FCF7059-1F16-4131-B4F7-8D2FA3ABA857}"/>
               </a:ext>
             </a:extLst>
           </p:cNvPr>
@@ -1973,7 +3123,7 @@
           <p:cNvPr id="3" name="文本占位符 2">
             <a:extLst>
               <a:ext uri="{FF2B5EF4-FFF2-40B4-BE49-F238E27FC236}">
-                <a16:creationId xmlns="" xmlns:a16="http://schemas.microsoft.com/office/drawing/2014/main" id="{642F9B6A-0820-427D-AFA5-C3F5F6C080D8}"/>
+                <a16:creationId xmlns:a16="http://schemas.microsoft.com/office/drawing/2014/main" id="{642F9B6A-0820-427D-AFA5-C3F5F6C080D8}"/>
               </a:ext>
             </a:extLst>
           </p:cNvPr>
@@ -2047,7 +3197,7 @@
           <p:cNvPr id="4" name="内容占位符 3">
             <a:extLst>
               <a:ext uri="{FF2B5EF4-FFF2-40B4-BE49-F238E27FC236}">
-                <a16:creationId xmlns="" xmlns:a16="http://schemas.microsoft.com/office/drawing/2014/main" id="{02AB4C75-6A8C-47B1-9EC2-84DF650C535E}"/>
+                <a16:creationId xmlns:a16="http://schemas.microsoft.com/office/drawing/2014/main" id="{02AB4C75-6A8C-47B1-9EC2-84DF650C535E}"/>
               </a:ext>
             </a:extLst>
           </p:cNvPr>
@@ -2112,7 +3262,7 @@
           <p:cNvPr id="5" name="文本占位符 4">
             <a:extLst>
               <a:ext uri="{FF2B5EF4-FFF2-40B4-BE49-F238E27FC236}">
-                <a16:creationId xmlns="" xmlns:a16="http://schemas.microsoft.com/office/drawing/2014/main" id="{458007A5-D05F-43D0-8B1B-07499E571A57}"/>
+                <a16:creationId xmlns:a16="http://schemas.microsoft.com/office/drawing/2014/main" id="{458007A5-D05F-43D0-8B1B-07499E571A57}"/>
               </a:ext>
             </a:extLst>
           </p:cNvPr>
@@ -2186,7 +3336,7 @@
           <p:cNvPr id="6" name="内容占位符 5">
             <a:extLst>
               <a:ext uri="{FF2B5EF4-FFF2-40B4-BE49-F238E27FC236}">
-                <a16:creationId xmlns="" xmlns:a16="http://schemas.microsoft.com/office/drawing/2014/main" id="{F57234F0-4318-43CD-A0EB-A2518460F791}"/>
+                <a16:creationId xmlns:a16="http://schemas.microsoft.com/office/drawing/2014/main" id="{F57234F0-4318-43CD-A0EB-A2518460F791}"/>
               </a:ext>
             </a:extLst>
           </p:cNvPr>
@@ -2251,7 +3401,7 @@
           <p:cNvPr id="7" name="日期占位符 6">
             <a:extLst>
               <a:ext uri="{FF2B5EF4-FFF2-40B4-BE49-F238E27FC236}">
-                <a16:creationId xmlns="" xmlns:a16="http://schemas.microsoft.com/office/drawing/2014/main" id="{D030C091-FABA-44CF-8760-92751B492903}"/>
+                <a16:creationId xmlns:a16="http://schemas.microsoft.com/office/drawing/2014/main" id="{D030C091-FABA-44CF-8760-92751B492903}"/>
               </a:ext>
             </a:extLst>
           </p:cNvPr>
@@ -2277,7 +3427,7 @@
           <a:p>
             <a:fld id="{02E60DA2-A0BC-48C9-AA88-75C78721B420}" type="datetimeFigureOut">
               <a:rPr lang="zh-CN" altLang="en-US" smtClean="0"/>
-              <a:t>2018/1/3</a:t>
+              <a:t>2018/2/25</a:t>
             </a:fld>
             <a:endParaRPr lang="zh-CN" altLang="en-US"/>
           </a:p>
@@ -2288,7 +3438,7 @@
           <p:cNvPr id="8" name="页脚占位符 7">
             <a:extLst>
               <a:ext uri="{FF2B5EF4-FFF2-40B4-BE49-F238E27FC236}">
-                <a16:creationId xmlns="" xmlns:a16="http://schemas.microsoft.com/office/drawing/2014/main" id="{DFC243E3-88DA-4B81-9749-7E235998D5FA}"/>
+                <a16:creationId xmlns:a16="http://schemas.microsoft.com/office/drawing/2014/main" id="{DFC243E3-88DA-4B81-9749-7E235998D5FA}"/>
               </a:ext>
             </a:extLst>
           </p:cNvPr>
@@ -2321,7 +3471,7 @@
           <p:cNvPr id="9" name="灯片编号占位符 8">
             <a:extLst>
               <a:ext uri="{FF2B5EF4-FFF2-40B4-BE49-F238E27FC236}">
-                <a16:creationId xmlns="" xmlns:a16="http://schemas.microsoft.com/office/drawing/2014/main" id="{DC725EB2-3E8C-4775-ABB0-6845261CB470}"/>
+                <a16:creationId xmlns:a16="http://schemas.microsoft.com/office/drawing/2014/main" id="{DC725EB2-3E8C-4775-ABB0-6845261CB470}"/>
               </a:ext>
             </a:extLst>
           </p:cNvPr>
@@ -2388,7 +3538,7 @@
           <p:cNvPr id="2" name="标题 1">
             <a:extLst>
               <a:ext uri="{FF2B5EF4-FFF2-40B4-BE49-F238E27FC236}">
-                <a16:creationId xmlns="" xmlns:a16="http://schemas.microsoft.com/office/drawing/2014/main" id="{176FF9FA-22DC-4A12-80DB-6BFCA5FC0E2A}"/>
+                <a16:creationId xmlns:a16="http://schemas.microsoft.com/office/drawing/2014/main" id="{176FF9FA-22DC-4A12-80DB-6BFCA5FC0E2A}"/>
               </a:ext>
             </a:extLst>
           </p:cNvPr>
@@ -2424,7 +3574,7 @@
           <p:cNvPr id="3" name="日期占位符 2">
             <a:extLst>
               <a:ext uri="{FF2B5EF4-FFF2-40B4-BE49-F238E27FC236}">
-                <a16:creationId xmlns="" xmlns:a16="http://schemas.microsoft.com/office/drawing/2014/main" id="{04931B3A-E05C-4829-88BD-35F04D285067}"/>
+                <a16:creationId xmlns:a16="http://schemas.microsoft.com/office/drawing/2014/main" id="{04931B3A-E05C-4829-88BD-35F04D285067}"/>
               </a:ext>
             </a:extLst>
           </p:cNvPr>
@@ -2450,7 +3600,7 @@
           <a:p>
             <a:fld id="{02E60DA2-A0BC-48C9-AA88-75C78721B420}" type="datetimeFigureOut">
               <a:rPr lang="zh-CN" altLang="en-US" smtClean="0"/>
-              <a:t>2018/1/3</a:t>
+              <a:t>2018/2/25</a:t>
             </a:fld>
             <a:endParaRPr lang="zh-CN" altLang="en-US"/>
           </a:p>
@@ -2461,7 +3611,7 @@
           <p:cNvPr id="4" name="页脚占位符 3">
             <a:extLst>
               <a:ext uri="{FF2B5EF4-FFF2-40B4-BE49-F238E27FC236}">
-                <a16:creationId xmlns="" xmlns:a16="http://schemas.microsoft.com/office/drawing/2014/main" id="{5C61DA9A-CFE7-484A-83FF-3684F9AA3DCE}"/>
+                <a16:creationId xmlns:a16="http://schemas.microsoft.com/office/drawing/2014/main" id="{5C61DA9A-CFE7-484A-83FF-3684F9AA3DCE}"/>
               </a:ext>
             </a:extLst>
           </p:cNvPr>
@@ -2494,7 +3644,7 @@
           <p:cNvPr id="5" name="灯片编号占位符 4">
             <a:extLst>
               <a:ext uri="{FF2B5EF4-FFF2-40B4-BE49-F238E27FC236}">
-                <a16:creationId xmlns="" xmlns:a16="http://schemas.microsoft.com/office/drawing/2014/main" id="{BB525513-D499-4F43-9AD3-9070531C555A}"/>
+                <a16:creationId xmlns:a16="http://schemas.microsoft.com/office/drawing/2014/main" id="{BB525513-D499-4F43-9AD3-9070531C555A}"/>
               </a:ext>
             </a:extLst>
           </p:cNvPr>
@@ -2561,7 +3711,7 @@
           <p:cNvPr id="2" name="日期占位符 1">
             <a:extLst>
               <a:ext uri="{FF2B5EF4-FFF2-40B4-BE49-F238E27FC236}">
-                <a16:creationId xmlns="" xmlns:a16="http://schemas.microsoft.com/office/drawing/2014/main" id="{856EF436-74CE-42C2-A4F6-B1EC6E2B9DA0}"/>
+                <a16:creationId xmlns:a16="http://schemas.microsoft.com/office/drawing/2014/main" id="{856EF436-74CE-42C2-A4F6-B1EC6E2B9DA0}"/>
               </a:ext>
             </a:extLst>
           </p:cNvPr>
@@ -2587,7 +3737,7 @@
           <a:p>
             <a:fld id="{02E60DA2-A0BC-48C9-AA88-75C78721B420}" type="datetimeFigureOut">
               <a:rPr lang="zh-CN" altLang="en-US" smtClean="0"/>
-              <a:t>2018/1/3</a:t>
+              <a:t>2018/2/25</a:t>
             </a:fld>
             <a:endParaRPr lang="zh-CN" altLang="en-US"/>
           </a:p>
@@ -2598,7 +3748,7 @@
           <p:cNvPr id="3" name="页脚占位符 2">
             <a:extLst>
               <a:ext uri="{FF2B5EF4-FFF2-40B4-BE49-F238E27FC236}">
-                <a16:creationId xmlns="" xmlns:a16="http://schemas.microsoft.com/office/drawing/2014/main" id="{AAAC67BA-8358-4BC2-B9B5-1C37DDD6AF86}"/>
+                <a16:creationId xmlns:a16="http://schemas.microsoft.com/office/drawing/2014/main" id="{AAAC67BA-8358-4BC2-B9B5-1C37DDD6AF86}"/>
               </a:ext>
             </a:extLst>
           </p:cNvPr>
@@ -2631,7 +3781,7 @@
           <p:cNvPr id="4" name="灯片编号占位符 3">
             <a:extLst>
               <a:ext uri="{FF2B5EF4-FFF2-40B4-BE49-F238E27FC236}">
-                <a16:creationId xmlns="" xmlns:a16="http://schemas.microsoft.com/office/drawing/2014/main" id="{3C690F71-28C5-4A3C-A38A-84291F65B4A5}"/>
+                <a16:creationId xmlns:a16="http://schemas.microsoft.com/office/drawing/2014/main" id="{3C690F71-28C5-4A3C-A38A-84291F65B4A5}"/>
               </a:ext>
             </a:extLst>
           </p:cNvPr>
@@ -2698,7 +3848,7 @@
           <p:cNvPr id="2" name="标题 1">
             <a:extLst>
               <a:ext uri="{FF2B5EF4-FFF2-40B4-BE49-F238E27FC236}">
-                <a16:creationId xmlns="" xmlns:a16="http://schemas.microsoft.com/office/drawing/2014/main" id="{2DC4A2AE-8EAF-4AE2-B62C-AA311DE3A1E9}"/>
+                <a16:creationId xmlns:a16="http://schemas.microsoft.com/office/drawing/2014/main" id="{2DC4A2AE-8EAF-4AE2-B62C-AA311DE3A1E9}"/>
               </a:ext>
             </a:extLst>
           </p:cNvPr>
@@ -2738,7 +3888,7 @@
           <p:cNvPr id="3" name="内容占位符 2">
             <a:extLst>
               <a:ext uri="{FF2B5EF4-FFF2-40B4-BE49-F238E27FC236}">
-                <a16:creationId xmlns="" xmlns:a16="http://schemas.microsoft.com/office/drawing/2014/main" id="{29A38D02-3DC7-4778-AF80-35369A40EB85}"/>
+                <a16:creationId xmlns:a16="http://schemas.microsoft.com/office/drawing/2014/main" id="{29A38D02-3DC7-4778-AF80-35369A40EB85}"/>
               </a:ext>
             </a:extLst>
           </p:cNvPr>
@@ -2831,7 +3981,7 @@
           <p:cNvPr id="4" name="文本占位符 3">
             <a:extLst>
               <a:ext uri="{FF2B5EF4-FFF2-40B4-BE49-F238E27FC236}">
-                <a16:creationId xmlns="" xmlns:a16="http://schemas.microsoft.com/office/drawing/2014/main" id="{F8827B4D-182A-4350-87DE-CAB16996E2C8}"/>
+                <a16:creationId xmlns:a16="http://schemas.microsoft.com/office/drawing/2014/main" id="{F8827B4D-182A-4350-87DE-CAB16996E2C8}"/>
               </a:ext>
             </a:extLst>
           </p:cNvPr>
@@ -2905,7 +4055,7 @@
           <p:cNvPr id="5" name="日期占位符 4">
             <a:extLst>
               <a:ext uri="{FF2B5EF4-FFF2-40B4-BE49-F238E27FC236}">
-                <a16:creationId xmlns="" xmlns:a16="http://schemas.microsoft.com/office/drawing/2014/main" id="{D8C60B6D-CB4D-4EE5-B197-8E1F79EB6B67}"/>
+                <a16:creationId xmlns:a16="http://schemas.microsoft.com/office/drawing/2014/main" id="{D8C60B6D-CB4D-4EE5-B197-8E1F79EB6B67}"/>
               </a:ext>
             </a:extLst>
           </p:cNvPr>
@@ -2931,7 +4081,7 @@
           <a:p>
             <a:fld id="{02E60DA2-A0BC-48C9-AA88-75C78721B420}" type="datetimeFigureOut">
               <a:rPr lang="zh-CN" altLang="en-US" smtClean="0"/>
-              <a:t>2018/1/3</a:t>
+              <a:t>2018/2/25</a:t>
             </a:fld>
             <a:endParaRPr lang="zh-CN" altLang="en-US"/>
           </a:p>
@@ -2942,7 +4092,7 @@
           <p:cNvPr id="6" name="页脚占位符 5">
             <a:extLst>
               <a:ext uri="{FF2B5EF4-FFF2-40B4-BE49-F238E27FC236}">
-                <a16:creationId xmlns="" xmlns:a16="http://schemas.microsoft.com/office/drawing/2014/main" id="{9E1979CC-C402-4145-9052-07B431D7AFEC}"/>
+                <a16:creationId xmlns:a16="http://schemas.microsoft.com/office/drawing/2014/main" id="{9E1979CC-C402-4145-9052-07B431D7AFEC}"/>
               </a:ext>
             </a:extLst>
           </p:cNvPr>
@@ -2975,7 +4125,7 @@
           <p:cNvPr id="7" name="灯片编号占位符 6">
             <a:extLst>
               <a:ext uri="{FF2B5EF4-FFF2-40B4-BE49-F238E27FC236}">
-                <a16:creationId xmlns="" xmlns:a16="http://schemas.microsoft.com/office/drawing/2014/main" id="{2154E0DC-BD8A-4F38-903B-3E5633CA2F60}"/>
+                <a16:creationId xmlns:a16="http://schemas.microsoft.com/office/drawing/2014/main" id="{2154E0DC-BD8A-4F38-903B-3E5633CA2F60}"/>
               </a:ext>
             </a:extLst>
           </p:cNvPr>
@@ -3042,7 +4192,7 @@
           <p:cNvPr id="2" name="标题 1">
             <a:extLst>
               <a:ext uri="{FF2B5EF4-FFF2-40B4-BE49-F238E27FC236}">
-                <a16:creationId xmlns="" xmlns:a16="http://schemas.microsoft.com/office/drawing/2014/main" id="{FDA06683-1E3B-4E82-B566-82E72C3DC756}"/>
+                <a16:creationId xmlns:a16="http://schemas.microsoft.com/office/drawing/2014/main" id="{FDA06683-1E3B-4E82-B566-82E72C3DC756}"/>
               </a:ext>
             </a:extLst>
           </p:cNvPr>
@@ -3070,7 +4220,7 @@
           <p:cNvPr id="3" name="内容占位符 2">
             <a:extLst>
               <a:ext uri="{FF2B5EF4-FFF2-40B4-BE49-F238E27FC236}">
-                <a16:creationId xmlns="" xmlns:a16="http://schemas.microsoft.com/office/drawing/2014/main" id="{58A1318B-3ABA-473A-A58F-68FE1F405BF6}"/>
+                <a16:creationId xmlns:a16="http://schemas.microsoft.com/office/drawing/2014/main" id="{58A1318B-3ABA-473A-A58F-68FE1F405BF6}"/>
               </a:ext>
             </a:extLst>
           </p:cNvPr>
@@ -3127,7 +4277,7 @@
           <p:cNvPr id="4" name="日期占位符 3">
             <a:extLst>
               <a:ext uri="{FF2B5EF4-FFF2-40B4-BE49-F238E27FC236}">
-                <a16:creationId xmlns="" xmlns:a16="http://schemas.microsoft.com/office/drawing/2014/main" id="{8FD917EC-8501-4020-9EDF-A4F573631242}"/>
+                <a16:creationId xmlns:a16="http://schemas.microsoft.com/office/drawing/2014/main" id="{8FD917EC-8501-4020-9EDF-A4F573631242}"/>
               </a:ext>
             </a:extLst>
           </p:cNvPr>
@@ -3153,7 +4303,7 @@
           <a:p>
             <a:fld id="{02E60DA2-A0BC-48C9-AA88-75C78721B420}" type="datetimeFigureOut">
               <a:rPr lang="zh-CN" altLang="en-US" smtClean="0"/>
-              <a:t>2018/1/3</a:t>
+              <a:t>2018/2/25</a:t>
             </a:fld>
             <a:endParaRPr lang="zh-CN" altLang="en-US"/>
           </a:p>
@@ -3164,7 +4314,7 @@
           <p:cNvPr id="5" name="页脚占位符 4">
             <a:extLst>
               <a:ext uri="{FF2B5EF4-FFF2-40B4-BE49-F238E27FC236}">
-                <a16:creationId xmlns="" xmlns:a16="http://schemas.microsoft.com/office/drawing/2014/main" id="{79615516-0ACC-4FA6-8D41-91D8F5C00CED}"/>
+                <a16:creationId xmlns:a16="http://schemas.microsoft.com/office/drawing/2014/main" id="{79615516-0ACC-4FA6-8D41-91D8F5C00CED}"/>
               </a:ext>
             </a:extLst>
           </p:cNvPr>
@@ -3197,7 +4347,7 @@
           <p:cNvPr id="6" name="灯片编号占位符 5">
             <a:extLst>
               <a:ext uri="{FF2B5EF4-FFF2-40B4-BE49-F238E27FC236}">
-                <a16:creationId xmlns="" xmlns:a16="http://schemas.microsoft.com/office/drawing/2014/main" id="{CF0C0F46-9191-45D5-B62D-2893F5616650}"/>
+                <a16:creationId xmlns:a16="http://schemas.microsoft.com/office/drawing/2014/main" id="{CF0C0F46-9191-45D5-B62D-2893F5616650}"/>
               </a:ext>
             </a:extLst>
           </p:cNvPr>
@@ -3264,7 +4414,7 @@
           <p:cNvPr id="2" name="标题 1">
             <a:extLst>
               <a:ext uri="{FF2B5EF4-FFF2-40B4-BE49-F238E27FC236}">
-                <a16:creationId xmlns="" xmlns:a16="http://schemas.microsoft.com/office/drawing/2014/main" id="{55D8E271-748E-4E9C-8E22-291FEDCA23FB}"/>
+                <a16:creationId xmlns:a16="http://schemas.microsoft.com/office/drawing/2014/main" id="{55D8E271-748E-4E9C-8E22-291FEDCA23FB}"/>
               </a:ext>
             </a:extLst>
           </p:cNvPr>
@@ -3304,7 +4454,7 @@
           <p:cNvPr id="3" name="图片占位符 2">
             <a:extLst>
               <a:ext uri="{FF2B5EF4-FFF2-40B4-BE49-F238E27FC236}">
-                <a16:creationId xmlns="" xmlns:a16="http://schemas.microsoft.com/office/drawing/2014/main" id="{C656EA3D-02E1-4F87-9FD9-177128AD8CC5}"/>
+                <a16:creationId xmlns:a16="http://schemas.microsoft.com/office/drawing/2014/main" id="{C656EA3D-02E1-4F87-9FD9-177128AD8CC5}"/>
               </a:ext>
             </a:extLst>
           </p:cNvPr>
@@ -3374,7 +4524,7 @@
           <p:cNvPr id="4" name="文本占位符 3">
             <a:extLst>
               <a:ext uri="{FF2B5EF4-FFF2-40B4-BE49-F238E27FC236}">
-                <a16:creationId xmlns="" xmlns:a16="http://schemas.microsoft.com/office/drawing/2014/main" id="{8C3A0957-516C-4962-AA82-F08B70B9D143}"/>
+                <a16:creationId xmlns:a16="http://schemas.microsoft.com/office/drawing/2014/main" id="{8C3A0957-516C-4962-AA82-F08B70B9D143}"/>
               </a:ext>
             </a:extLst>
           </p:cNvPr>
@@ -3448,7 +4598,7 @@
           <p:cNvPr id="5" name="日期占位符 4">
             <a:extLst>
               <a:ext uri="{FF2B5EF4-FFF2-40B4-BE49-F238E27FC236}">
-                <a16:creationId xmlns="" xmlns:a16="http://schemas.microsoft.com/office/drawing/2014/main" id="{ED21E2C7-EDFE-4B51-A5B2-B6CF5067759E}"/>
+                <a16:creationId xmlns:a16="http://schemas.microsoft.com/office/drawing/2014/main" id="{ED21E2C7-EDFE-4B51-A5B2-B6CF5067759E}"/>
               </a:ext>
             </a:extLst>
           </p:cNvPr>
@@ -3474,7 +4624,7 @@
           <a:p>
             <a:fld id="{02E60DA2-A0BC-48C9-AA88-75C78721B420}" type="datetimeFigureOut">
               <a:rPr lang="zh-CN" altLang="en-US" smtClean="0"/>
-              <a:t>2018/1/3</a:t>
+              <a:t>2018/2/25</a:t>
             </a:fld>
             <a:endParaRPr lang="zh-CN" altLang="en-US"/>
           </a:p>
@@ -3485,7 +4635,7 @@
           <p:cNvPr id="6" name="页脚占位符 5">
             <a:extLst>
               <a:ext uri="{FF2B5EF4-FFF2-40B4-BE49-F238E27FC236}">
-                <a16:creationId xmlns="" xmlns:a16="http://schemas.microsoft.com/office/drawing/2014/main" id="{25EF1747-23A0-4DAB-986E-60F5EB6FF554}"/>
+                <a16:creationId xmlns:a16="http://schemas.microsoft.com/office/drawing/2014/main" id="{25EF1747-23A0-4DAB-986E-60F5EB6FF554}"/>
               </a:ext>
             </a:extLst>
           </p:cNvPr>
@@ -3518,7 +4668,7 @@
           <p:cNvPr id="7" name="灯片编号占位符 6">
             <a:extLst>
               <a:ext uri="{FF2B5EF4-FFF2-40B4-BE49-F238E27FC236}">
-                <a16:creationId xmlns="" xmlns:a16="http://schemas.microsoft.com/office/drawing/2014/main" id="{1BB71036-67DE-4C24-9A1C-8991B59BB598}"/>
+                <a16:creationId xmlns:a16="http://schemas.microsoft.com/office/drawing/2014/main" id="{1BB71036-67DE-4C24-9A1C-8991B59BB598}"/>
               </a:ext>
             </a:extLst>
           </p:cNvPr>
@@ -3585,7 +4735,7 @@
           <p:cNvPr id="2" name="标题 1">
             <a:extLst>
               <a:ext uri="{FF2B5EF4-FFF2-40B4-BE49-F238E27FC236}">
-                <a16:creationId xmlns="" xmlns:a16="http://schemas.microsoft.com/office/drawing/2014/main" id="{47B0B2FB-4959-4FE4-86E2-97E4443C002E}"/>
+                <a16:creationId xmlns:a16="http://schemas.microsoft.com/office/drawing/2014/main" id="{47B0B2FB-4959-4FE4-86E2-97E4443C002E}"/>
               </a:ext>
             </a:extLst>
           </p:cNvPr>
@@ -3621,7 +4771,7 @@
           <p:cNvPr id="3" name="竖排文字占位符 2">
             <a:extLst>
               <a:ext uri="{FF2B5EF4-FFF2-40B4-BE49-F238E27FC236}">
-                <a16:creationId xmlns="" xmlns:a16="http://schemas.microsoft.com/office/drawing/2014/main" id="{BC5CB652-A873-4422-BB38-1FFAA749D5DC}"/>
+                <a16:creationId xmlns:a16="http://schemas.microsoft.com/office/drawing/2014/main" id="{BC5CB652-A873-4422-BB38-1FFAA749D5DC}"/>
               </a:ext>
             </a:extLst>
           </p:cNvPr>
@@ -3686,7 +4836,7 @@
           <p:cNvPr id="4" name="日期占位符 3">
             <a:extLst>
               <a:ext uri="{FF2B5EF4-FFF2-40B4-BE49-F238E27FC236}">
-                <a16:creationId xmlns="" xmlns:a16="http://schemas.microsoft.com/office/drawing/2014/main" id="{A17A5158-4FD3-42CD-8937-8987BFDF7B88}"/>
+                <a16:creationId xmlns:a16="http://schemas.microsoft.com/office/drawing/2014/main" id="{A17A5158-4FD3-42CD-8937-8987BFDF7B88}"/>
               </a:ext>
             </a:extLst>
           </p:cNvPr>
@@ -3712,7 +4862,7 @@
           <a:p>
             <a:fld id="{02E60DA2-A0BC-48C9-AA88-75C78721B420}" type="datetimeFigureOut">
               <a:rPr lang="zh-CN" altLang="en-US" smtClean="0"/>
-              <a:t>2018/1/3</a:t>
+              <a:t>2018/2/25</a:t>
             </a:fld>
             <a:endParaRPr lang="zh-CN" altLang="en-US"/>
           </a:p>
@@ -3723,7 +4873,7 @@
           <p:cNvPr id="5" name="页脚占位符 4">
             <a:extLst>
               <a:ext uri="{FF2B5EF4-FFF2-40B4-BE49-F238E27FC236}">
-                <a16:creationId xmlns="" xmlns:a16="http://schemas.microsoft.com/office/drawing/2014/main" id="{D2C2BA79-53D6-4263-B3EF-84D5A8428278}"/>
+                <a16:creationId xmlns:a16="http://schemas.microsoft.com/office/drawing/2014/main" id="{D2C2BA79-53D6-4263-B3EF-84D5A8428278}"/>
               </a:ext>
             </a:extLst>
           </p:cNvPr>
@@ -3756,7 +4906,7 @@
           <p:cNvPr id="6" name="灯片编号占位符 5">
             <a:extLst>
               <a:ext uri="{FF2B5EF4-FFF2-40B4-BE49-F238E27FC236}">
-                <a16:creationId xmlns="" xmlns:a16="http://schemas.microsoft.com/office/drawing/2014/main" id="{4BE22221-8CB7-4DBA-9746-B585C0976CD3}"/>
+                <a16:creationId xmlns:a16="http://schemas.microsoft.com/office/drawing/2014/main" id="{4BE22221-8CB7-4DBA-9746-B585C0976CD3}"/>
               </a:ext>
             </a:extLst>
           </p:cNvPr>
@@ -3823,7 +4973,7 @@
           <p:cNvPr id="2" name="竖排标题 1">
             <a:extLst>
               <a:ext uri="{FF2B5EF4-FFF2-40B4-BE49-F238E27FC236}">
-                <a16:creationId xmlns="" xmlns:a16="http://schemas.microsoft.com/office/drawing/2014/main" id="{9333D106-9CB0-4E10-B301-7397C10E60E3}"/>
+                <a16:creationId xmlns:a16="http://schemas.microsoft.com/office/drawing/2014/main" id="{9333D106-9CB0-4E10-B301-7397C10E60E3}"/>
               </a:ext>
             </a:extLst>
           </p:cNvPr>
@@ -3859,7 +5009,7 @@
           <p:cNvPr id="3" name="竖排文字占位符 2">
             <a:extLst>
               <a:ext uri="{FF2B5EF4-FFF2-40B4-BE49-F238E27FC236}">
-                <a16:creationId xmlns="" xmlns:a16="http://schemas.microsoft.com/office/drawing/2014/main" id="{E29239A0-3839-4303-B54E-4260334C7BB7}"/>
+                <a16:creationId xmlns:a16="http://schemas.microsoft.com/office/drawing/2014/main" id="{E29239A0-3839-4303-B54E-4260334C7BB7}"/>
               </a:ext>
             </a:extLst>
           </p:cNvPr>
@@ -3924,7 +5074,7 @@
           <p:cNvPr id="4" name="日期占位符 3">
             <a:extLst>
               <a:ext uri="{FF2B5EF4-FFF2-40B4-BE49-F238E27FC236}">
-                <a16:creationId xmlns="" xmlns:a16="http://schemas.microsoft.com/office/drawing/2014/main" id="{8A1A2039-7BFB-41DB-85F9-F49C92BFFB17}"/>
+                <a16:creationId xmlns:a16="http://schemas.microsoft.com/office/drawing/2014/main" id="{8A1A2039-7BFB-41DB-85F9-F49C92BFFB17}"/>
               </a:ext>
             </a:extLst>
           </p:cNvPr>
@@ -3950,7 +5100,7 @@
           <a:p>
             <a:fld id="{02E60DA2-A0BC-48C9-AA88-75C78721B420}" type="datetimeFigureOut">
               <a:rPr lang="zh-CN" altLang="en-US" smtClean="0"/>
-              <a:t>2018/1/3</a:t>
+              <a:t>2018/2/25</a:t>
             </a:fld>
             <a:endParaRPr lang="zh-CN" altLang="en-US"/>
           </a:p>
@@ -3961,7 +5111,7 @@
           <p:cNvPr id="5" name="页脚占位符 4">
             <a:extLst>
               <a:ext uri="{FF2B5EF4-FFF2-40B4-BE49-F238E27FC236}">
-                <a16:creationId xmlns="" xmlns:a16="http://schemas.microsoft.com/office/drawing/2014/main" id="{C278BB87-5004-4714-8C46-6CBF22C35098}"/>
+                <a16:creationId xmlns:a16="http://schemas.microsoft.com/office/drawing/2014/main" id="{C278BB87-5004-4714-8C46-6CBF22C35098}"/>
               </a:ext>
             </a:extLst>
           </p:cNvPr>
@@ -3994,7 +5144,7 @@
           <p:cNvPr id="6" name="灯片编号占位符 5">
             <a:extLst>
               <a:ext uri="{FF2B5EF4-FFF2-40B4-BE49-F238E27FC236}">
-                <a16:creationId xmlns="" xmlns:a16="http://schemas.microsoft.com/office/drawing/2014/main" id="{FC1B4085-6E0A-4997-BE38-7B5E447F199F}"/>
+                <a16:creationId xmlns:a16="http://schemas.microsoft.com/office/drawing/2014/main" id="{FC1B4085-6E0A-4997-BE38-7B5E447F199F}"/>
               </a:ext>
             </a:extLst>
           </p:cNvPr>
@@ -4061,7 +5211,7 @@
           <p:cNvPr id="2" name="标题 1">
             <a:extLst>
               <a:ext uri="{FF2B5EF4-FFF2-40B4-BE49-F238E27FC236}">
-                <a16:creationId xmlns="" xmlns:a16="http://schemas.microsoft.com/office/drawing/2014/main" id="{6602C541-D67E-4BE0-B223-149D33CF5FF1}"/>
+                <a16:creationId xmlns:a16="http://schemas.microsoft.com/office/drawing/2014/main" id="{6602C541-D67E-4BE0-B223-149D33CF5FF1}"/>
               </a:ext>
             </a:extLst>
           </p:cNvPr>
@@ -4098,7 +5248,7 @@
           <p:cNvPr id="3" name="文本占位符 2">
             <a:extLst>
               <a:ext uri="{FF2B5EF4-FFF2-40B4-BE49-F238E27FC236}">
-                <a16:creationId xmlns="" xmlns:a16="http://schemas.microsoft.com/office/drawing/2014/main" id="{55E06CBC-8EBA-42F9-B3E0-A843AEDB1BD8}"/>
+                <a16:creationId xmlns:a16="http://schemas.microsoft.com/office/drawing/2014/main" id="{55E06CBC-8EBA-42F9-B3E0-A843AEDB1BD8}"/>
               </a:ext>
             </a:extLst>
           </p:cNvPr>
@@ -4223,7 +5373,7 @@
           <p:cNvPr id="4" name="日期占位符 3">
             <a:extLst>
               <a:ext uri="{FF2B5EF4-FFF2-40B4-BE49-F238E27FC236}">
-                <a16:creationId xmlns="" xmlns:a16="http://schemas.microsoft.com/office/drawing/2014/main" id="{FDB2504C-5AB1-4506-A9D8-1A948CBC2BF3}"/>
+                <a16:creationId xmlns:a16="http://schemas.microsoft.com/office/drawing/2014/main" id="{FDB2504C-5AB1-4506-A9D8-1A948CBC2BF3}"/>
               </a:ext>
             </a:extLst>
           </p:cNvPr>
@@ -4249,7 +5399,7 @@
           <a:p>
             <a:fld id="{02E60DA2-A0BC-48C9-AA88-75C78721B420}" type="datetimeFigureOut">
               <a:rPr lang="zh-CN" altLang="en-US" smtClean="0"/>
-              <a:t>2018/1/3</a:t>
+              <a:t>2018/2/25</a:t>
             </a:fld>
             <a:endParaRPr lang="zh-CN" altLang="en-US"/>
           </a:p>
@@ -4260,7 +5410,7 @@
           <p:cNvPr id="5" name="页脚占位符 4">
             <a:extLst>
               <a:ext uri="{FF2B5EF4-FFF2-40B4-BE49-F238E27FC236}">
-                <a16:creationId xmlns="" xmlns:a16="http://schemas.microsoft.com/office/drawing/2014/main" id="{8EED1BC2-384F-490F-9206-6F27238D90DB}"/>
+                <a16:creationId xmlns:a16="http://schemas.microsoft.com/office/drawing/2014/main" id="{8EED1BC2-384F-490F-9206-6F27238D90DB}"/>
               </a:ext>
             </a:extLst>
           </p:cNvPr>
@@ -4293,7 +5443,7 @@
           <p:cNvPr id="6" name="灯片编号占位符 5">
             <a:extLst>
               <a:ext uri="{FF2B5EF4-FFF2-40B4-BE49-F238E27FC236}">
-                <a16:creationId xmlns="" xmlns:a16="http://schemas.microsoft.com/office/drawing/2014/main" id="{975F5478-33A3-42ED-9060-A6BDD7DBCE9C}"/>
+                <a16:creationId xmlns:a16="http://schemas.microsoft.com/office/drawing/2014/main" id="{975F5478-33A3-42ED-9060-A6BDD7DBCE9C}"/>
               </a:ext>
             </a:extLst>
           </p:cNvPr>
@@ -4360,7 +5510,7 @@
           <p:cNvPr id="2" name="标题 1">
             <a:extLst>
               <a:ext uri="{FF2B5EF4-FFF2-40B4-BE49-F238E27FC236}">
-                <a16:creationId xmlns="" xmlns:a16="http://schemas.microsoft.com/office/drawing/2014/main" id="{F280021F-2F2C-4A26-AE3A-95F8A2B3E147}"/>
+                <a16:creationId xmlns:a16="http://schemas.microsoft.com/office/drawing/2014/main" id="{F280021F-2F2C-4A26-AE3A-95F8A2B3E147}"/>
               </a:ext>
             </a:extLst>
           </p:cNvPr>
@@ -4388,7 +5538,7 @@
           <p:cNvPr id="3" name="内容占位符 2">
             <a:extLst>
               <a:ext uri="{FF2B5EF4-FFF2-40B4-BE49-F238E27FC236}">
-                <a16:creationId xmlns="" xmlns:a16="http://schemas.microsoft.com/office/drawing/2014/main" id="{16BB5DE8-6678-4CCF-AE5C-C34328A85403}"/>
+                <a16:creationId xmlns:a16="http://schemas.microsoft.com/office/drawing/2014/main" id="{16BB5DE8-6678-4CCF-AE5C-C34328A85403}"/>
               </a:ext>
             </a:extLst>
           </p:cNvPr>
@@ -4450,7 +5600,7 @@
           <p:cNvPr id="4" name="内容占位符 3">
             <a:extLst>
               <a:ext uri="{FF2B5EF4-FFF2-40B4-BE49-F238E27FC236}">
-                <a16:creationId xmlns="" xmlns:a16="http://schemas.microsoft.com/office/drawing/2014/main" id="{52D4C2E3-226A-42C0-9112-DDBD640689E2}"/>
+                <a16:creationId xmlns:a16="http://schemas.microsoft.com/office/drawing/2014/main" id="{52D4C2E3-226A-42C0-9112-DDBD640689E2}"/>
               </a:ext>
             </a:extLst>
           </p:cNvPr>
@@ -4512,7 +5662,7 @@
           <p:cNvPr id="5" name="日期占位符 4">
             <a:extLst>
               <a:ext uri="{FF2B5EF4-FFF2-40B4-BE49-F238E27FC236}">
-                <a16:creationId xmlns="" xmlns:a16="http://schemas.microsoft.com/office/drawing/2014/main" id="{5D556E24-99A4-40A5-8584-523B3DC8CC54}"/>
+                <a16:creationId xmlns:a16="http://schemas.microsoft.com/office/drawing/2014/main" id="{5D556E24-99A4-40A5-8584-523B3DC8CC54}"/>
               </a:ext>
             </a:extLst>
           </p:cNvPr>
@@ -4538,7 +5688,7 @@
           <a:p>
             <a:fld id="{02E60DA2-A0BC-48C9-AA88-75C78721B420}" type="datetimeFigureOut">
               <a:rPr lang="zh-CN" altLang="en-US" smtClean="0"/>
-              <a:t>2018/1/3</a:t>
+              <a:t>2018/2/25</a:t>
             </a:fld>
             <a:endParaRPr lang="zh-CN" altLang="en-US"/>
           </a:p>
@@ -4549,7 +5699,7 @@
           <p:cNvPr id="6" name="页脚占位符 5">
             <a:extLst>
               <a:ext uri="{FF2B5EF4-FFF2-40B4-BE49-F238E27FC236}">
-                <a16:creationId xmlns="" xmlns:a16="http://schemas.microsoft.com/office/drawing/2014/main" id="{95588254-DF01-4504-AC65-B12627BAC841}"/>
+                <a16:creationId xmlns:a16="http://schemas.microsoft.com/office/drawing/2014/main" id="{95588254-DF01-4504-AC65-B12627BAC841}"/>
               </a:ext>
             </a:extLst>
           </p:cNvPr>
@@ -4582,7 +5732,7 @@
           <p:cNvPr id="7" name="灯片编号占位符 6">
             <a:extLst>
               <a:ext uri="{FF2B5EF4-FFF2-40B4-BE49-F238E27FC236}">
-                <a16:creationId xmlns="" xmlns:a16="http://schemas.microsoft.com/office/drawing/2014/main" id="{E3DB2B8F-1BF3-4C3D-ADB1-B57BB4FB3DB2}"/>
+                <a16:creationId xmlns:a16="http://schemas.microsoft.com/office/drawing/2014/main" id="{E3DB2B8F-1BF3-4C3D-ADB1-B57BB4FB3DB2}"/>
               </a:ext>
             </a:extLst>
           </p:cNvPr>
@@ -4649,7 +5799,7 @@
           <p:cNvPr id="2" name="标题 1">
             <a:extLst>
               <a:ext uri="{FF2B5EF4-FFF2-40B4-BE49-F238E27FC236}">
-                <a16:creationId xmlns="" xmlns:a16="http://schemas.microsoft.com/office/drawing/2014/main" id="{1FCF7059-1F16-4131-B4F7-8D2FA3ABA857}"/>
+                <a16:creationId xmlns:a16="http://schemas.microsoft.com/office/drawing/2014/main" id="{1FCF7059-1F16-4131-B4F7-8D2FA3ABA857}"/>
               </a:ext>
             </a:extLst>
           </p:cNvPr>
@@ -4682,7 +5832,7 @@
           <p:cNvPr id="3" name="文本占位符 2">
             <a:extLst>
               <a:ext uri="{FF2B5EF4-FFF2-40B4-BE49-F238E27FC236}">
-                <a16:creationId xmlns="" xmlns:a16="http://schemas.microsoft.com/office/drawing/2014/main" id="{642F9B6A-0820-427D-AFA5-C3F5F6C080D8}"/>
+                <a16:creationId xmlns:a16="http://schemas.microsoft.com/office/drawing/2014/main" id="{642F9B6A-0820-427D-AFA5-C3F5F6C080D8}"/>
               </a:ext>
             </a:extLst>
           </p:cNvPr>
@@ -4753,7 +5903,7 @@
           <p:cNvPr id="4" name="内容占位符 3">
             <a:extLst>
               <a:ext uri="{FF2B5EF4-FFF2-40B4-BE49-F238E27FC236}">
-                <a16:creationId xmlns="" xmlns:a16="http://schemas.microsoft.com/office/drawing/2014/main" id="{02AB4C75-6A8C-47B1-9EC2-84DF650C535E}"/>
+                <a16:creationId xmlns:a16="http://schemas.microsoft.com/office/drawing/2014/main" id="{02AB4C75-6A8C-47B1-9EC2-84DF650C535E}"/>
               </a:ext>
             </a:extLst>
           </p:cNvPr>
@@ -4815,7 +5965,7 @@
           <p:cNvPr id="5" name="文本占位符 4">
             <a:extLst>
               <a:ext uri="{FF2B5EF4-FFF2-40B4-BE49-F238E27FC236}">
-                <a16:creationId xmlns="" xmlns:a16="http://schemas.microsoft.com/office/drawing/2014/main" id="{458007A5-D05F-43D0-8B1B-07499E571A57}"/>
+                <a16:creationId xmlns:a16="http://schemas.microsoft.com/office/drawing/2014/main" id="{458007A5-D05F-43D0-8B1B-07499E571A57}"/>
               </a:ext>
             </a:extLst>
           </p:cNvPr>
@@ -4886,7 +6036,7 @@
           <p:cNvPr id="6" name="内容占位符 5">
             <a:extLst>
               <a:ext uri="{FF2B5EF4-FFF2-40B4-BE49-F238E27FC236}">
-                <a16:creationId xmlns="" xmlns:a16="http://schemas.microsoft.com/office/drawing/2014/main" id="{F57234F0-4318-43CD-A0EB-A2518460F791}"/>
+                <a16:creationId xmlns:a16="http://schemas.microsoft.com/office/drawing/2014/main" id="{F57234F0-4318-43CD-A0EB-A2518460F791}"/>
               </a:ext>
             </a:extLst>
           </p:cNvPr>
@@ -4948,7 +6098,7 @@
           <p:cNvPr id="7" name="日期占位符 6">
             <a:extLst>
               <a:ext uri="{FF2B5EF4-FFF2-40B4-BE49-F238E27FC236}">
-                <a16:creationId xmlns="" xmlns:a16="http://schemas.microsoft.com/office/drawing/2014/main" id="{D030C091-FABA-44CF-8760-92751B492903}"/>
+                <a16:creationId xmlns:a16="http://schemas.microsoft.com/office/drawing/2014/main" id="{D030C091-FABA-44CF-8760-92751B492903}"/>
               </a:ext>
             </a:extLst>
           </p:cNvPr>
@@ -4974,7 +6124,7 @@
           <a:p>
             <a:fld id="{02E60DA2-A0BC-48C9-AA88-75C78721B420}" type="datetimeFigureOut">
               <a:rPr lang="zh-CN" altLang="en-US" smtClean="0"/>
-              <a:t>2018/1/3</a:t>
+              <a:t>2018/2/25</a:t>
             </a:fld>
             <a:endParaRPr lang="zh-CN" altLang="en-US"/>
           </a:p>
@@ -4985,7 +6135,7 @@
           <p:cNvPr id="8" name="页脚占位符 7">
             <a:extLst>
               <a:ext uri="{FF2B5EF4-FFF2-40B4-BE49-F238E27FC236}">
-                <a16:creationId xmlns="" xmlns:a16="http://schemas.microsoft.com/office/drawing/2014/main" id="{DFC243E3-88DA-4B81-9749-7E235998D5FA}"/>
+                <a16:creationId xmlns:a16="http://schemas.microsoft.com/office/drawing/2014/main" id="{DFC243E3-88DA-4B81-9749-7E235998D5FA}"/>
               </a:ext>
             </a:extLst>
           </p:cNvPr>
@@ -5018,7 +6168,7 @@
           <p:cNvPr id="9" name="灯片编号占位符 8">
             <a:extLst>
               <a:ext uri="{FF2B5EF4-FFF2-40B4-BE49-F238E27FC236}">
-                <a16:creationId xmlns="" xmlns:a16="http://schemas.microsoft.com/office/drawing/2014/main" id="{DC725EB2-3E8C-4775-ABB0-6845261CB470}"/>
+                <a16:creationId xmlns:a16="http://schemas.microsoft.com/office/drawing/2014/main" id="{DC725EB2-3E8C-4775-ABB0-6845261CB470}"/>
               </a:ext>
             </a:extLst>
           </p:cNvPr>
@@ -5085,7 +6235,7 @@
           <p:cNvPr id="2" name="标题 1">
             <a:extLst>
               <a:ext uri="{FF2B5EF4-FFF2-40B4-BE49-F238E27FC236}">
-                <a16:creationId xmlns="" xmlns:a16="http://schemas.microsoft.com/office/drawing/2014/main" id="{176FF9FA-22DC-4A12-80DB-6BFCA5FC0E2A}"/>
+                <a16:creationId xmlns:a16="http://schemas.microsoft.com/office/drawing/2014/main" id="{176FF9FA-22DC-4A12-80DB-6BFCA5FC0E2A}"/>
               </a:ext>
             </a:extLst>
           </p:cNvPr>
@@ -5113,7 +6263,7 @@
           <p:cNvPr id="3" name="日期占位符 2">
             <a:extLst>
               <a:ext uri="{FF2B5EF4-FFF2-40B4-BE49-F238E27FC236}">
-                <a16:creationId xmlns="" xmlns:a16="http://schemas.microsoft.com/office/drawing/2014/main" id="{04931B3A-E05C-4829-88BD-35F04D285067}"/>
+                <a16:creationId xmlns:a16="http://schemas.microsoft.com/office/drawing/2014/main" id="{04931B3A-E05C-4829-88BD-35F04D285067}"/>
               </a:ext>
             </a:extLst>
           </p:cNvPr>
@@ -5139,7 +6289,7 @@
           <a:p>
             <a:fld id="{02E60DA2-A0BC-48C9-AA88-75C78721B420}" type="datetimeFigureOut">
               <a:rPr lang="zh-CN" altLang="en-US" smtClean="0"/>
-              <a:t>2018/1/3</a:t>
+              <a:t>2018/2/25</a:t>
             </a:fld>
             <a:endParaRPr lang="zh-CN" altLang="en-US"/>
           </a:p>
@@ -5150,7 +6300,7 @@
           <p:cNvPr id="4" name="页脚占位符 3">
             <a:extLst>
               <a:ext uri="{FF2B5EF4-FFF2-40B4-BE49-F238E27FC236}">
-                <a16:creationId xmlns="" xmlns:a16="http://schemas.microsoft.com/office/drawing/2014/main" id="{5C61DA9A-CFE7-484A-83FF-3684F9AA3DCE}"/>
+                <a16:creationId xmlns:a16="http://schemas.microsoft.com/office/drawing/2014/main" id="{5C61DA9A-CFE7-484A-83FF-3684F9AA3DCE}"/>
               </a:ext>
             </a:extLst>
           </p:cNvPr>
@@ -5183,7 +6333,7 @@
           <p:cNvPr id="5" name="灯片编号占位符 4">
             <a:extLst>
               <a:ext uri="{FF2B5EF4-FFF2-40B4-BE49-F238E27FC236}">
-                <a16:creationId xmlns="" xmlns:a16="http://schemas.microsoft.com/office/drawing/2014/main" id="{BB525513-D499-4F43-9AD3-9070531C555A}"/>
+                <a16:creationId xmlns:a16="http://schemas.microsoft.com/office/drawing/2014/main" id="{BB525513-D499-4F43-9AD3-9070531C555A}"/>
               </a:ext>
             </a:extLst>
           </p:cNvPr>
@@ -5250,7 +6400,7 @@
           <p:cNvPr id="2" name="日期占位符 1">
             <a:extLst>
               <a:ext uri="{FF2B5EF4-FFF2-40B4-BE49-F238E27FC236}">
-                <a16:creationId xmlns="" xmlns:a16="http://schemas.microsoft.com/office/drawing/2014/main" id="{856EF436-74CE-42C2-A4F6-B1EC6E2B9DA0}"/>
+                <a16:creationId xmlns:a16="http://schemas.microsoft.com/office/drawing/2014/main" id="{856EF436-74CE-42C2-A4F6-B1EC6E2B9DA0}"/>
               </a:ext>
             </a:extLst>
           </p:cNvPr>
@@ -5276,7 +6426,7 @@
           <a:p>
             <a:fld id="{02E60DA2-A0BC-48C9-AA88-75C78721B420}" type="datetimeFigureOut">
               <a:rPr lang="zh-CN" altLang="en-US" smtClean="0"/>
-              <a:t>2018/1/3</a:t>
+              <a:t>2018/2/25</a:t>
             </a:fld>
             <a:endParaRPr lang="zh-CN" altLang="en-US"/>
           </a:p>
@@ -5287,7 +6437,7 @@
           <p:cNvPr id="3" name="页脚占位符 2">
             <a:extLst>
               <a:ext uri="{FF2B5EF4-FFF2-40B4-BE49-F238E27FC236}">
-                <a16:creationId xmlns="" xmlns:a16="http://schemas.microsoft.com/office/drawing/2014/main" id="{AAAC67BA-8358-4BC2-B9B5-1C37DDD6AF86}"/>
+                <a16:creationId xmlns:a16="http://schemas.microsoft.com/office/drawing/2014/main" id="{AAAC67BA-8358-4BC2-B9B5-1C37DDD6AF86}"/>
               </a:ext>
             </a:extLst>
           </p:cNvPr>
@@ -5320,7 +6470,7 @@
           <p:cNvPr id="4" name="灯片编号占位符 3">
             <a:extLst>
               <a:ext uri="{FF2B5EF4-FFF2-40B4-BE49-F238E27FC236}">
-                <a16:creationId xmlns="" xmlns:a16="http://schemas.microsoft.com/office/drawing/2014/main" id="{3C690F71-28C5-4A3C-A38A-84291F65B4A5}"/>
+                <a16:creationId xmlns:a16="http://schemas.microsoft.com/office/drawing/2014/main" id="{3C690F71-28C5-4A3C-A38A-84291F65B4A5}"/>
               </a:ext>
             </a:extLst>
           </p:cNvPr>
@@ -5387,7 +6537,7 @@
           <p:cNvPr id="2" name="标题 1">
             <a:extLst>
               <a:ext uri="{FF2B5EF4-FFF2-40B4-BE49-F238E27FC236}">
-                <a16:creationId xmlns="" xmlns:a16="http://schemas.microsoft.com/office/drawing/2014/main" id="{2DC4A2AE-8EAF-4AE2-B62C-AA311DE3A1E9}"/>
+                <a16:creationId xmlns:a16="http://schemas.microsoft.com/office/drawing/2014/main" id="{2DC4A2AE-8EAF-4AE2-B62C-AA311DE3A1E9}"/>
               </a:ext>
             </a:extLst>
           </p:cNvPr>
@@ -5424,7 +6574,7 @@
           <p:cNvPr id="3" name="内容占位符 2">
             <a:extLst>
               <a:ext uri="{FF2B5EF4-FFF2-40B4-BE49-F238E27FC236}">
-                <a16:creationId xmlns="" xmlns:a16="http://schemas.microsoft.com/office/drawing/2014/main" id="{29A38D02-3DC7-4778-AF80-35369A40EB85}"/>
+                <a16:creationId xmlns:a16="http://schemas.microsoft.com/office/drawing/2014/main" id="{29A38D02-3DC7-4778-AF80-35369A40EB85}"/>
               </a:ext>
             </a:extLst>
           </p:cNvPr>
@@ -5514,7 +6664,7 @@
           <p:cNvPr id="4" name="文本占位符 3">
             <a:extLst>
               <a:ext uri="{FF2B5EF4-FFF2-40B4-BE49-F238E27FC236}">
-                <a16:creationId xmlns="" xmlns:a16="http://schemas.microsoft.com/office/drawing/2014/main" id="{F8827B4D-182A-4350-87DE-CAB16996E2C8}"/>
+                <a16:creationId xmlns:a16="http://schemas.microsoft.com/office/drawing/2014/main" id="{F8827B4D-182A-4350-87DE-CAB16996E2C8}"/>
               </a:ext>
             </a:extLst>
           </p:cNvPr>
@@ -5585,7 +6735,7 @@
           <p:cNvPr id="5" name="日期占位符 4">
             <a:extLst>
               <a:ext uri="{FF2B5EF4-FFF2-40B4-BE49-F238E27FC236}">
-                <a16:creationId xmlns="" xmlns:a16="http://schemas.microsoft.com/office/drawing/2014/main" id="{D8C60B6D-CB4D-4EE5-B197-8E1F79EB6B67}"/>
+                <a16:creationId xmlns:a16="http://schemas.microsoft.com/office/drawing/2014/main" id="{D8C60B6D-CB4D-4EE5-B197-8E1F79EB6B67}"/>
               </a:ext>
             </a:extLst>
           </p:cNvPr>
@@ -5611,7 +6761,7 @@
           <a:p>
             <a:fld id="{02E60DA2-A0BC-48C9-AA88-75C78721B420}" type="datetimeFigureOut">
               <a:rPr lang="zh-CN" altLang="en-US" smtClean="0"/>
-              <a:t>2018/1/3</a:t>
+              <a:t>2018/2/25</a:t>
             </a:fld>
             <a:endParaRPr lang="zh-CN" altLang="en-US"/>
           </a:p>
@@ -5622,7 +6772,7 @@
           <p:cNvPr id="6" name="页脚占位符 5">
             <a:extLst>
               <a:ext uri="{FF2B5EF4-FFF2-40B4-BE49-F238E27FC236}">
-                <a16:creationId xmlns="" xmlns:a16="http://schemas.microsoft.com/office/drawing/2014/main" id="{9E1979CC-C402-4145-9052-07B431D7AFEC}"/>
+                <a16:creationId xmlns:a16="http://schemas.microsoft.com/office/drawing/2014/main" id="{9E1979CC-C402-4145-9052-07B431D7AFEC}"/>
               </a:ext>
             </a:extLst>
           </p:cNvPr>
@@ -5655,7 +6805,7 @@
           <p:cNvPr id="7" name="灯片编号占位符 6">
             <a:extLst>
               <a:ext uri="{FF2B5EF4-FFF2-40B4-BE49-F238E27FC236}">
-                <a16:creationId xmlns="" xmlns:a16="http://schemas.microsoft.com/office/drawing/2014/main" id="{2154E0DC-BD8A-4F38-903B-3E5633CA2F60}"/>
+                <a16:creationId xmlns:a16="http://schemas.microsoft.com/office/drawing/2014/main" id="{2154E0DC-BD8A-4F38-903B-3E5633CA2F60}"/>
               </a:ext>
             </a:extLst>
           </p:cNvPr>
@@ -5722,7 +6872,7 @@
           <p:cNvPr id="2" name="标题 1">
             <a:extLst>
               <a:ext uri="{FF2B5EF4-FFF2-40B4-BE49-F238E27FC236}">
-                <a16:creationId xmlns="" xmlns:a16="http://schemas.microsoft.com/office/drawing/2014/main" id="{55D8E271-748E-4E9C-8E22-291FEDCA23FB}"/>
+                <a16:creationId xmlns:a16="http://schemas.microsoft.com/office/drawing/2014/main" id="{55D8E271-748E-4E9C-8E22-291FEDCA23FB}"/>
               </a:ext>
             </a:extLst>
           </p:cNvPr>
@@ -5759,7 +6909,7 @@
           <p:cNvPr id="3" name="图片占位符 2">
             <a:extLst>
               <a:ext uri="{FF2B5EF4-FFF2-40B4-BE49-F238E27FC236}">
-                <a16:creationId xmlns="" xmlns:a16="http://schemas.microsoft.com/office/drawing/2014/main" id="{C656EA3D-02E1-4F87-9FD9-177128AD8CC5}"/>
+                <a16:creationId xmlns:a16="http://schemas.microsoft.com/office/drawing/2014/main" id="{C656EA3D-02E1-4F87-9FD9-177128AD8CC5}"/>
               </a:ext>
             </a:extLst>
           </p:cNvPr>
@@ -5826,7 +6976,7 @@
           <p:cNvPr id="4" name="文本占位符 3">
             <a:extLst>
               <a:ext uri="{FF2B5EF4-FFF2-40B4-BE49-F238E27FC236}">
-                <a16:creationId xmlns="" xmlns:a16="http://schemas.microsoft.com/office/drawing/2014/main" id="{8C3A0957-516C-4962-AA82-F08B70B9D143}"/>
+                <a16:creationId xmlns:a16="http://schemas.microsoft.com/office/drawing/2014/main" id="{8C3A0957-516C-4962-AA82-F08B70B9D143}"/>
               </a:ext>
             </a:extLst>
           </p:cNvPr>
@@ -5897,7 +7047,7 @@
           <p:cNvPr id="5" name="日期占位符 4">
             <a:extLst>
               <a:ext uri="{FF2B5EF4-FFF2-40B4-BE49-F238E27FC236}">
-                <a16:creationId xmlns="" xmlns:a16="http://schemas.microsoft.com/office/drawing/2014/main" id="{ED21E2C7-EDFE-4B51-A5B2-B6CF5067759E}"/>
+                <a16:creationId xmlns:a16="http://schemas.microsoft.com/office/drawing/2014/main" id="{ED21E2C7-EDFE-4B51-A5B2-B6CF5067759E}"/>
               </a:ext>
             </a:extLst>
           </p:cNvPr>
@@ -5923,7 +7073,7 @@
           <a:p>
             <a:fld id="{02E60DA2-A0BC-48C9-AA88-75C78721B420}" type="datetimeFigureOut">
               <a:rPr lang="zh-CN" altLang="en-US" smtClean="0"/>
-              <a:t>2018/1/3</a:t>
+              <a:t>2018/2/25</a:t>
             </a:fld>
             <a:endParaRPr lang="zh-CN" altLang="en-US"/>
           </a:p>
@@ -5934,7 +7084,7 @@
           <p:cNvPr id="6" name="页脚占位符 5">
             <a:extLst>
               <a:ext uri="{FF2B5EF4-FFF2-40B4-BE49-F238E27FC236}">
-                <a16:creationId xmlns="" xmlns:a16="http://schemas.microsoft.com/office/drawing/2014/main" id="{25EF1747-23A0-4DAB-986E-60F5EB6FF554}"/>
+                <a16:creationId xmlns:a16="http://schemas.microsoft.com/office/drawing/2014/main" id="{25EF1747-23A0-4DAB-986E-60F5EB6FF554}"/>
               </a:ext>
             </a:extLst>
           </p:cNvPr>
@@ -5967,7 +7117,7 @@
           <p:cNvPr id="7" name="灯片编号占位符 6">
             <a:extLst>
               <a:ext uri="{FF2B5EF4-FFF2-40B4-BE49-F238E27FC236}">
-                <a16:creationId xmlns="" xmlns:a16="http://schemas.microsoft.com/office/drawing/2014/main" id="{1BB71036-67DE-4C24-9A1C-8991B59BB598}"/>
+                <a16:creationId xmlns:a16="http://schemas.microsoft.com/office/drawing/2014/main" id="{1BB71036-67DE-4C24-9A1C-8991B59BB598}"/>
               </a:ext>
             </a:extLst>
           </p:cNvPr>
@@ -6039,7 +7189,7 @@
           <p:cNvPr id="2" name="标题占位符 1">
             <a:extLst>
               <a:ext uri="{FF2B5EF4-FFF2-40B4-BE49-F238E27FC236}">
-                <a16:creationId xmlns="" xmlns:a16="http://schemas.microsoft.com/office/drawing/2014/main" id="{17047EAE-6544-4C32-BB1B-DEB9CA27D387}"/>
+                <a16:creationId xmlns:a16="http://schemas.microsoft.com/office/drawing/2014/main" id="{17047EAE-6544-4C32-BB1B-DEB9CA27D387}"/>
               </a:ext>
             </a:extLst>
           </p:cNvPr>
@@ -6077,7 +7227,7 @@
           <p:cNvPr id="3" name="文本占位符 2">
             <a:extLst>
               <a:ext uri="{FF2B5EF4-FFF2-40B4-BE49-F238E27FC236}">
-                <a16:creationId xmlns="" xmlns:a16="http://schemas.microsoft.com/office/drawing/2014/main" id="{343275D9-644D-48CC-93A4-9303E430DE72}"/>
+                <a16:creationId xmlns:a16="http://schemas.microsoft.com/office/drawing/2014/main" id="{343275D9-644D-48CC-93A4-9303E430DE72}"/>
               </a:ext>
             </a:extLst>
           </p:cNvPr>
@@ -6144,7 +7294,7 @@
           <p:cNvPr id="8" name="直接连接符 7">
             <a:extLst>
               <a:ext uri="{FF2B5EF4-FFF2-40B4-BE49-F238E27FC236}">
-                <a16:creationId xmlns="" xmlns:a16="http://schemas.microsoft.com/office/drawing/2014/main" id="{3461F74E-FC76-4826-8105-C187AB1791BC}"/>
+                <a16:creationId xmlns:a16="http://schemas.microsoft.com/office/drawing/2014/main" id="{3461F74E-FC76-4826-8105-C187AB1791BC}"/>
               </a:ext>
             </a:extLst>
           </p:cNvPr>
@@ -6185,7 +7335,7 @@
           <p:cNvPr id="9" name="文本框 8">
             <a:extLst>
               <a:ext uri="{FF2B5EF4-FFF2-40B4-BE49-F238E27FC236}">
-                <a16:creationId xmlns="" xmlns:a16="http://schemas.microsoft.com/office/drawing/2014/main" id="{7B2D7D35-142C-46D3-BC62-F961CC4338CB}"/>
+                <a16:creationId xmlns:a16="http://schemas.microsoft.com/office/drawing/2014/main" id="{7B2D7D35-142C-46D3-BC62-F961CC4338CB}"/>
               </a:ext>
             </a:extLst>
           </p:cNvPr>
@@ -6579,7 +7729,7 @@
           <p:cNvPr id="9" name="文本框 8">
             <a:extLst>
               <a:ext uri="{FF2B5EF4-FFF2-40B4-BE49-F238E27FC236}">
-                <a16:creationId xmlns="" xmlns:a16="http://schemas.microsoft.com/office/drawing/2014/main" id="{7B2D7D35-142C-46D3-BC62-F961CC4338CB}"/>
+                <a16:creationId xmlns:a16="http://schemas.microsoft.com/office/drawing/2014/main" id="{7B2D7D35-142C-46D3-BC62-F961CC4338CB}"/>
               </a:ext>
             </a:extLst>
           </p:cNvPr>
@@ -6982,7 +8132,7 @@
           <p:cNvPr id="2" name="标题 1">
             <a:extLst>
               <a:ext uri="{FF2B5EF4-FFF2-40B4-BE49-F238E27FC236}">
-                <a16:creationId xmlns="" xmlns:a16="http://schemas.microsoft.com/office/drawing/2014/main" id="{71030DC9-2374-46B1-811E-572401BAF3D1}"/>
+                <a16:creationId xmlns:a16="http://schemas.microsoft.com/office/drawing/2014/main" id="{71030DC9-2374-46B1-811E-572401BAF3D1}"/>
               </a:ext>
             </a:extLst>
           </p:cNvPr>
@@ -7048,7 +8198,7 @@
           <p:cNvPr id="3" name="副标题 2">
             <a:extLst>
               <a:ext uri="{FF2B5EF4-FFF2-40B4-BE49-F238E27FC236}">
-                <a16:creationId xmlns="" xmlns:a16="http://schemas.microsoft.com/office/drawing/2014/main" id="{DBFB0B47-0360-4ADB-A293-64ED809A7AAE}"/>
+                <a16:creationId xmlns:a16="http://schemas.microsoft.com/office/drawing/2014/main" id="{DBFB0B47-0360-4ADB-A293-64ED809A7AAE}"/>
               </a:ext>
             </a:extLst>
           </p:cNvPr>
@@ -7070,22 +8220,31 @@
           <a:lstStyle/>
           <a:p>
             <a:r>
-              <a:rPr lang="zh-CN" altLang="en-US" sz="3600" dirty="0" smtClean="0">
+              <a:rPr lang="zh-CN" altLang="en-US" sz="3600" dirty="0">
                 <a:solidFill>
                   <a:schemeClr val="tx2">
                     <a:lumMod val="50000"/>
                   </a:schemeClr>
                 </a:solidFill>
               </a:rPr>
-              <a:t>第六讲 文件管理</a:t>
-            </a:r>
-            <a:endParaRPr lang="zh-CN" altLang="en-US" sz="3600" dirty="0">
-              <a:solidFill>
-                <a:schemeClr val="tx2">
-                  <a:lumMod val="50000"/>
-                </a:schemeClr>
-              </a:solidFill>
-            </a:endParaRPr>
+              <a:t>第十六讲 </a:t>
+            </a:r>
+            <a:r>
+              <a:rPr lang="en-US" altLang="zh-CN" sz="3600" dirty="0">
+                <a:solidFill>
+                  <a:srgbClr val="C00000"/>
+                </a:solidFill>
+              </a:rPr>
+              <a:t>Linux </a:t>
+            </a:r>
+            <a:r>
+              <a:rPr lang="zh-CN" altLang="en-US" sz="3600" dirty="0">
+                <a:solidFill>
+                  <a:srgbClr val="C00000"/>
+                </a:solidFill>
+              </a:rPr>
+              <a:t>系统编程基础</a:t>
+            </a:r>
           </a:p>
         </p:txBody>
       </p:sp>
@@ -7093,6 +8252,316 @@
     <p:extLst>
       <p:ext uri="{BB962C8B-B14F-4D97-AF65-F5344CB8AC3E}">
         <p14:creationId xmlns:p14="http://schemas.microsoft.com/office/powerpoint/2010/main" val="4047166132"/>
+      </p:ext>
+    </p:extLst>
+  </p:cSld>
+  <p:clrMapOvr>
+    <a:masterClrMapping/>
+  </p:clrMapOvr>
+</p:sld>
+</file>
+
+<file path=ppt/slides/slide10.xml><?xml version="1.0" encoding="utf-8"?>
+<p:sld xmlns:a="http://schemas.openxmlformats.org/drawingml/2006/main" xmlns:r="http://schemas.openxmlformats.org/officeDocument/2006/relationships" xmlns:p="http://schemas.openxmlformats.org/presentationml/2006/main">
+  <p:cSld>
+    <p:spTree>
+      <p:nvGrpSpPr>
+        <p:cNvPr id="1" name=""/>
+        <p:cNvGrpSpPr/>
+        <p:nvPr/>
+      </p:nvGrpSpPr>
+      <p:grpSpPr>
+        <a:xfrm>
+          <a:off x="0" y="0"/>
+          <a:ext cx="0" cy="0"/>
+          <a:chOff x="0" y="0"/>
+          <a:chExt cx="0" cy="0"/>
+        </a:xfrm>
+      </p:grpSpPr>
+      <p:sp>
+        <p:nvSpPr>
+          <p:cNvPr id="4" name="标题 3">
+            <a:extLst>
+              <a:ext uri="{FF2B5EF4-FFF2-40B4-BE49-F238E27FC236}">
+                <a16:creationId xmlns:a16="http://schemas.microsoft.com/office/drawing/2014/main" id="{2729939D-814A-4BD2-9922-3F8EA865938B}"/>
+              </a:ext>
+            </a:extLst>
+          </p:cNvPr>
+          <p:cNvSpPr>
+            <a:spLocks noGrp="1"/>
+          </p:cNvSpPr>
+          <p:nvPr>
+            <p:ph type="title"/>
+          </p:nvPr>
+        </p:nvSpPr>
+        <p:spPr>
+          <a:xfrm>
+            <a:off x="838200" y="683581"/>
+            <a:ext cx="10515600" cy="736846"/>
+          </a:xfrm>
+        </p:spPr>
+        <p:txBody>
+          <a:bodyPr/>
+          <a:lstStyle/>
+          <a:p>
+            <a:r>
+              <a:rPr lang="en-US" altLang="zh-CN" dirty="0"/>
+              <a:t>IO</a:t>
+            </a:r>
+            <a:r>
+              <a:rPr lang="zh-CN" altLang="en-US" dirty="0"/>
+              <a:t>重定向实现方式</a:t>
+            </a:r>
+          </a:p>
+        </p:txBody>
+      </p:sp>
+      <p:sp>
+        <p:nvSpPr>
+          <p:cNvPr id="6" name="内容占位符 5">
+            <a:extLst>
+              <a:ext uri="{FF2B5EF4-FFF2-40B4-BE49-F238E27FC236}">
+                <a16:creationId xmlns:a16="http://schemas.microsoft.com/office/drawing/2014/main" id="{B83E9AD4-C606-4679-B884-01F71CC97E44}"/>
+              </a:ext>
+            </a:extLst>
+          </p:cNvPr>
+          <p:cNvSpPr>
+            <a:spLocks noGrp="1"/>
+          </p:cNvSpPr>
+          <p:nvPr>
+            <p:ph idx="1"/>
+          </p:nvPr>
+        </p:nvSpPr>
+        <p:spPr>
+          <a:xfrm>
+            <a:off x="838200" y="1656500"/>
+            <a:ext cx="10515600" cy="4850832"/>
+          </a:xfrm>
+        </p:spPr>
+        <p:txBody>
+          <a:bodyPr>
+            <a:normAutofit/>
+          </a:bodyPr>
+          <a:lstStyle/>
+          <a:p>
+            <a:r>
+              <a:rPr lang="zh-CN" altLang="en-US" sz="2000" dirty="0"/>
+              <a:t>编程实现的方式（以文件描述符</a:t>
+            </a:r>
+            <a:r>
+              <a:rPr lang="en-US" altLang="zh-CN" sz="2000" dirty="0"/>
+              <a:t>1</a:t>
+            </a:r>
+            <a:r>
+              <a:rPr lang="zh-CN" altLang="en-US" sz="2000" dirty="0"/>
+              <a:t>为例）：</a:t>
+            </a:r>
+            <a:endParaRPr lang="en-US" altLang="zh-CN" sz="2000" dirty="0"/>
+          </a:p>
+          <a:p>
+            <a:endParaRPr lang="en-US" altLang="zh-CN" sz="2000" dirty="0"/>
+          </a:p>
+          <a:p>
+            <a:pPr lvl="1"/>
+            <a:r>
+              <a:rPr lang="en-US" altLang="zh-CN" sz="1800" dirty="0"/>
+              <a:t>close-open-close</a:t>
+            </a:r>
+            <a:r>
+              <a:rPr lang="zh-CN" altLang="en-US" sz="1800" dirty="0"/>
+              <a:t>方式，先</a:t>
+            </a:r>
+            <a:r>
+              <a:rPr lang="en-US" altLang="zh-CN" sz="1800" dirty="0"/>
+              <a:t>close(1)</a:t>
+            </a:r>
+            <a:r>
+              <a:rPr lang="zh-CN" altLang="en-US" sz="1800" dirty="0"/>
+              <a:t>，然后</a:t>
+            </a:r>
+            <a:r>
+              <a:rPr lang="en-US" altLang="zh-CN" sz="1800" dirty="0"/>
+              <a:t>open(filename, O_RDWR, S_IWUSR); </a:t>
+            </a:r>
+            <a:r>
+              <a:rPr lang="zh-CN" altLang="en-US" sz="1800" dirty="0"/>
+              <a:t>操作完成，</a:t>
+            </a:r>
+            <a:r>
+              <a:rPr lang="en-US" altLang="zh-CN" sz="1800" dirty="0"/>
+              <a:t>close</a:t>
+            </a:r>
+            <a:r>
+              <a:rPr lang="zh-CN" altLang="en-US" sz="1800" dirty="0"/>
+              <a:t>关闭新打开的文件。</a:t>
+            </a:r>
+            <a:endParaRPr lang="en-US" altLang="zh-CN" sz="1800" dirty="0"/>
+          </a:p>
+          <a:p>
+            <a:pPr lvl="1"/>
+            <a:endParaRPr lang="en-US" altLang="zh-CN" sz="1800" dirty="0"/>
+          </a:p>
+          <a:p>
+            <a:pPr lvl="1"/>
+            <a:r>
+              <a:rPr lang="en-US" altLang="zh-CN" sz="1800" dirty="0"/>
+              <a:t>open-close-dup-close</a:t>
+            </a:r>
+            <a:r>
+              <a:rPr lang="zh-CN" altLang="en-US" sz="1800" dirty="0"/>
+              <a:t>方式，</a:t>
+            </a:r>
+            <a:r>
+              <a:rPr lang="en-US" altLang="zh-CN" sz="1800" dirty="0"/>
+              <a:t>open</a:t>
+            </a:r>
+            <a:r>
+              <a:rPr lang="zh-CN" altLang="en-US" sz="1800" dirty="0"/>
+              <a:t>打开文件，返回的文件描述符不是</a:t>
+            </a:r>
+            <a:r>
+              <a:rPr lang="en-US" altLang="zh-CN" sz="1800" dirty="0"/>
+              <a:t>1</a:t>
+            </a:r>
+            <a:r>
+              <a:rPr lang="zh-CN" altLang="en-US" sz="1800" dirty="0"/>
+              <a:t>，然后</a:t>
+            </a:r>
+            <a:r>
+              <a:rPr lang="en-US" altLang="zh-CN" sz="1800" dirty="0"/>
+              <a:t>close(1)</a:t>
+            </a:r>
+            <a:r>
+              <a:rPr lang="zh-CN" altLang="en-US" sz="1800" dirty="0"/>
+              <a:t>，现在最低可用描述符是</a:t>
+            </a:r>
+            <a:r>
+              <a:rPr lang="en-US" altLang="zh-CN" sz="1800" dirty="0"/>
+              <a:t>1</a:t>
+            </a:r>
+            <a:r>
+              <a:rPr lang="zh-CN" altLang="en-US" sz="1800" dirty="0"/>
+              <a:t>，</a:t>
+            </a:r>
+            <a:r>
+              <a:rPr lang="en-US" altLang="zh-CN" sz="1800" dirty="0"/>
+              <a:t>dup(</a:t>
+            </a:r>
+            <a:r>
+              <a:rPr lang="en-US" altLang="zh-CN" sz="1800" dirty="0" err="1"/>
+              <a:t>fd</a:t>
+            </a:r>
+            <a:r>
+              <a:rPr lang="en-US" altLang="zh-CN" sz="1800" dirty="0"/>
+              <a:t>)</a:t>
+            </a:r>
+            <a:r>
+              <a:rPr lang="zh-CN" altLang="en-US" sz="1800" dirty="0"/>
+              <a:t>会把新打开的描述符复制到</a:t>
+            </a:r>
+            <a:r>
+              <a:rPr lang="en-US" altLang="zh-CN" sz="1800" dirty="0"/>
+              <a:t>1</a:t>
+            </a:r>
+            <a:r>
+              <a:rPr lang="zh-CN" altLang="en-US" sz="1800" dirty="0"/>
+              <a:t>，然后</a:t>
+            </a:r>
+            <a:r>
+              <a:rPr lang="en-US" altLang="zh-CN" sz="1800" dirty="0"/>
+              <a:t>close(</a:t>
+            </a:r>
+            <a:r>
+              <a:rPr lang="en-US" altLang="zh-CN" sz="1800" dirty="0" err="1"/>
+              <a:t>fd</a:t>
+            </a:r>
+            <a:r>
+              <a:rPr lang="en-US" altLang="zh-CN" sz="1800" dirty="0"/>
+              <a:t>)</a:t>
+            </a:r>
+            <a:r>
+              <a:rPr lang="zh-CN" altLang="en-US" sz="1800" dirty="0"/>
+              <a:t>关闭新打开的文件。</a:t>
+            </a:r>
+            <a:endParaRPr lang="en-US" altLang="zh-CN" sz="1800" dirty="0"/>
+          </a:p>
+          <a:p>
+            <a:pPr lvl="1"/>
+            <a:endParaRPr lang="en-US" altLang="zh-CN" sz="1800" dirty="0"/>
+          </a:p>
+          <a:p>
+            <a:pPr lvl="1"/>
+            <a:r>
+              <a:rPr lang="en-US" altLang="zh-CN" sz="1800" dirty="0"/>
+              <a:t>open-dup2-close</a:t>
+            </a:r>
+            <a:r>
+              <a:rPr lang="zh-CN" altLang="en-US" sz="1800" dirty="0"/>
+              <a:t>方式，</a:t>
+            </a:r>
+            <a:r>
+              <a:rPr lang="en-US" altLang="zh-CN" sz="1800" dirty="0"/>
+              <a:t>dup2(</a:t>
+            </a:r>
+            <a:r>
+              <a:rPr lang="en-US" altLang="zh-CN" sz="1800" dirty="0" err="1"/>
+              <a:t>oldfd</a:t>
+            </a:r>
+            <a:r>
+              <a:rPr lang="en-US" altLang="zh-CN" sz="1800" dirty="0"/>
+              <a:t> ,  </a:t>
+            </a:r>
+            <a:r>
+              <a:rPr lang="en-US" altLang="zh-CN" sz="1800" dirty="0" err="1"/>
+              <a:t>newfd</a:t>
+            </a:r>
+            <a:r>
+              <a:rPr lang="en-US" altLang="zh-CN" sz="1800" dirty="0"/>
+              <a:t>)</a:t>
+            </a:r>
+            <a:r>
+              <a:rPr lang="zh-CN" altLang="en-US" sz="1800" dirty="0"/>
+              <a:t>，关闭</a:t>
+            </a:r>
+            <a:r>
+              <a:rPr lang="en-US" altLang="zh-CN" sz="1800" dirty="0" err="1"/>
+              <a:t>newfd</a:t>
+            </a:r>
+            <a:r>
+              <a:rPr lang="zh-CN" altLang="en-US" sz="1800" dirty="0"/>
+              <a:t>，把</a:t>
+            </a:r>
+            <a:r>
+              <a:rPr lang="en-US" altLang="zh-CN" sz="1800" dirty="0" err="1"/>
+              <a:t>oldfd</a:t>
+            </a:r>
+            <a:r>
+              <a:rPr lang="zh-CN" altLang="en-US" sz="1800" dirty="0"/>
+              <a:t>复制到</a:t>
+            </a:r>
+            <a:r>
+              <a:rPr lang="en-US" altLang="zh-CN" sz="1800" dirty="0" err="1"/>
+              <a:t>newfd</a:t>
+            </a:r>
+            <a:r>
+              <a:rPr lang="zh-CN" altLang="en-US" sz="1800" dirty="0"/>
+              <a:t>，</a:t>
+            </a:r>
+            <a:r>
+              <a:rPr lang="en-US" altLang="zh-CN" sz="1800" dirty="0"/>
+              <a:t>close</a:t>
+            </a:r>
+            <a:r>
+              <a:rPr lang="zh-CN" altLang="en-US" sz="1800" dirty="0"/>
+              <a:t>关闭新打开的描述符。</a:t>
+            </a:r>
+            <a:endParaRPr lang="en-US" altLang="zh-CN" sz="1800" dirty="0"/>
+          </a:p>
+        </p:txBody>
+      </p:sp>
+    </p:spTree>
+    <p:extLst>
+      <p:ext uri="{BB962C8B-B14F-4D97-AF65-F5344CB8AC3E}">
+        <p14:creationId xmlns:p14="http://schemas.microsoft.com/office/powerpoint/2010/main" val="3097213095"/>
       </p:ext>
     </p:extLst>
   </p:cSld>
@@ -7121,10 +8590,10 @@
       </p:grpSpPr>
       <p:sp>
         <p:nvSpPr>
-          <p:cNvPr id="2" name="标题 1">
-            <a:extLst>
-              <a:ext uri="{FF2B5EF4-FFF2-40B4-BE49-F238E27FC236}">
-                <a16:creationId xmlns="" xmlns:a16="http://schemas.microsoft.com/office/drawing/2014/main" id="{8B88BACC-24DE-4087-9AB3-A099CF573089}"/>
+          <p:cNvPr id="4" name="标题 3">
+            <a:extLst>
+              <a:ext uri="{FF2B5EF4-FFF2-40B4-BE49-F238E27FC236}">
+                <a16:creationId xmlns:a16="http://schemas.microsoft.com/office/drawing/2014/main" id="{2729939D-814A-4BD2-9922-3F8EA865938B}"/>
               </a:ext>
             </a:extLst>
           </p:cNvPr>
@@ -7135,25 +8604,29 @@
             <p:ph type="title"/>
           </p:nvPr>
         </p:nvSpPr>
-        <p:spPr/>
-        <p:txBody>
-          <a:bodyPr/>
-          <a:lstStyle/>
-          <a:p>
-            <a:r>
-              <a:rPr lang="zh-CN" altLang="en-US" dirty="0" smtClean="0"/>
-              <a:t>列出文件详细信息</a:t>
-            </a:r>
-            <a:endParaRPr lang="zh-CN" altLang="en-US" dirty="0"/>
-          </a:p>
-        </p:txBody>
-      </p:sp>
-      <p:sp>
-        <p:nvSpPr>
-          <p:cNvPr id="3" name="内容占位符 2">
-            <a:extLst>
-              <a:ext uri="{FF2B5EF4-FFF2-40B4-BE49-F238E27FC236}">
-                <a16:creationId xmlns="" xmlns:a16="http://schemas.microsoft.com/office/drawing/2014/main" id="{0A1C6B17-780B-4799-8193-E52FD817AC0E}"/>
+        <p:spPr>
+          <a:xfrm>
+            <a:off x="838200" y="683581"/>
+            <a:ext cx="10515600" cy="736846"/>
+          </a:xfrm>
+        </p:spPr>
+        <p:txBody>
+          <a:bodyPr/>
+          <a:lstStyle/>
+          <a:p>
+            <a:r>
+              <a:rPr lang="zh-CN" altLang="en-US" dirty="0"/>
+              <a:t>系统编程简介</a:t>
+            </a:r>
+          </a:p>
+        </p:txBody>
+      </p:sp>
+      <p:sp>
+        <p:nvSpPr>
+          <p:cNvPr id="6" name="内容占位符 5">
+            <a:extLst>
+              <a:ext uri="{FF2B5EF4-FFF2-40B4-BE49-F238E27FC236}">
+                <a16:creationId xmlns:a16="http://schemas.microsoft.com/office/drawing/2014/main" id="{B83E9AD4-C606-4679-B884-01F71CC97E44}"/>
               </a:ext>
             </a:extLst>
           </p:cNvPr>
@@ -7164,128 +8637,149 @@
             <p:ph idx="1"/>
           </p:nvPr>
         </p:nvSpPr>
-        <p:spPr/>
-        <p:txBody>
-          <a:bodyPr/>
+        <p:spPr>
+          <a:xfrm>
+            <a:off x="838200" y="1656500"/>
+            <a:ext cx="10515600" cy="4850832"/>
+          </a:xfrm>
+        </p:spPr>
+        <p:txBody>
+          <a:bodyPr>
+            <a:normAutofit/>
+          </a:bodyPr>
           <a:lstStyle/>
           <a:p>
             <a:r>
               <a:rPr lang="zh-CN" altLang="en-US" sz="2000" dirty="0"/>
-              <a:t>终端运行 </a:t>
+              <a:t>系统编程就是调用</a:t>
             </a:r>
             <a:r>
               <a:rPr lang="en-US" altLang="zh-CN" sz="2000" dirty="0"/>
-              <a:t>echo ‘hello world’ &gt; </a:t>
-            </a:r>
-            <a:r>
-              <a:rPr lang="en-US" altLang="zh-CN" sz="2000" dirty="0" err="1" smtClean="0"/>
-              <a:t>tmp</a:t>
-            </a:r>
-            <a:endParaRPr lang="en-US" altLang="zh-CN" sz="2000" dirty="0" smtClean="0"/>
-          </a:p>
-          <a:p>
-            <a:r>
-              <a:rPr lang="zh-CN" altLang="en-US" sz="2000" dirty="0" smtClean="0"/>
-              <a:t>运行</a:t>
-            </a:r>
-            <a:r>
-              <a:rPr lang="en-US" altLang="zh-CN" sz="2000" dirty="0" smtClean="0"/>
-              <a:t>echo </a:t>
-            </a:r>
-            <a:r>
-              <a:rPr lang="zh-CN" altLang="en-US" sz="2000" dirty="0" smtClean="0"/>
-              <a:t>‘</a:t>
-            </a:r>
-            <a:r>
-              <a:rPr lang="en-US" altLang="zh-CN" sz="2000" dirty="0" err="1" smtClean="0"/>
-              <a:t>linux</a:t>
-            </a:r>
-            <a:r>
-              <a:rPr lang="en-US" altLang="zh-CN" sz="2000" dirty="0" smtClean="0"/>
-              <a:t> is best</a:t>
-            </a:r>
-            <a:r>
-              <a:rPr lang="zh-CN" altLang="en-US" sz="2000" dirty="0" smtClean="0"/>
-              <a:t>’ </a:t>
-            </a:r>
-            <a:r>
-              <a:rPr lang="en-US" altLang="zh-CN" sz="2000" dirty="0" smtClean="0"/>
-              <a:t>&gt;&gt; </a:t>
-            </a:r>
-            <a:r>
-              <a:rPr lang="en-US" altLang="zh-CN" sz="2000" dirty="0" err="1" smtClean="0"/>
-              <a:t>tmp</a:t>
+              <a:t>Linux</a:t>
+            </a:r>
+            <a:r>
+              <a:rPr lang="zh-CN" altLang="en-US" sz="2000" dirty="0"/>
+              <a:t>系统提供的</a:t>
+            </a:r>
+            <a:r>
+              <a:rPr lang="en-US" altLang="zh-CN" sz="2000" dirty="0"/>
+              <a:t>API</a:t>
+            </a:r>
+            <a:r>
+              <a:rPr lang="zh-CN" altLang="en-US" sz="2000" dirty="0"/>
+              <a:t>完成需要的任务。</a:t>
             </a:r>
             <a:endParaRPr lang="en-US" altLang="zh-CN" sz="2000" dirty="0"/>
           </a:p>
           <a:p>
+            <a:endParaRPr lang="en-US" altLang="zh-CN" sz="2000" dirty="0"/>
+          </a:p>
+          <a:p>
+            <a:r>
+              <a:rPr lang="en-US" altLang="zh-CN" sz="2000" dirty="0"/>
+              <a:t>Linux</a:t>
+            </a:r>
             <a:r>
               <a:rPr lang="zh-CN" altLang="en-US" sz="2000" dirty="0"/>
-              <a:t>然后运行 </a:t>
-            </a:r>
+              <a:t>上的大多数命令都是编写的，多数都需要用到系统调用。</a:t>
+            </a:r>
+            <a:endParaRPr lang="en-US" altLang="zh-CN" sz="2000" dirty="0"/>
+          </a:p>
+          <a:p>
+            <a:endParaRPr lang="en-US" altLang="zh-CN" sz="2000" dirty="0"/>
+          </a:p>
+          <a:p>
             <a:r>
               <a:rPr lang="en-US" altLang="zh-CN" sz="2000" dirty="0"/>
-              <a:t>grep </a:t>
+              <a:t>man 2 [system call name]</a:t>
             </a:r>
             <a:r>
               <a:rPr lang="zh-CN" altLang="en-US" sz="2000" dirty="0"/>
-              <a:t>‘</a:t>
+              <a:t>查看系统接口文档，</a:t>
             </a:r>
             <a:r>
               <a:rPr lang="en-US" altLang="zh-CN" sz="2000" dirty="0"/>
-              <a:t>hello</a:t>
+              <a:t>man  3  [c function name] </a:t>
             </a:r>
             <a:r>
               <a:rPr lang="zh-CN" altLang="en-US" sz="2000" dirty="0"/>
-              <a:t>’ </a:t>
+              <a:t>查看标准</a:t>
             </a:r>
             <a:r>
               <a:rPr lang="en-US" altLang="zh-CN" sz="2000" dirty="0"/>
-              <a:t>&lt; </a:t>
-            </a:r>
-            <a:r>
-              <a:rPr lang="en-US" altLang="zh-CN" sz="2000" dirty="0" err="1" smtClean="0"/>
-              <a:t>tmp</a:t>
-            </a:r>
-            <a:endParaRPr lang="en-US" altLang="zh-CN" sz="2000" dirty="0" smtClean="0"/>
-          </a:p>
-          <a:p>
-            <a:r>
-              <a:rPr lang="zh-CN" altLang="en-US" sz="2000" dirty="0" smtClean="0"/>
-              <a:t>以上使用了</a:t>
-            </a:r>
-            <a:r>
-              <a:rPr lang="en-US" altLang="zh-CN" sz="2000" dirty="0" smtClean="0"/>
+              <a:t>C</a:t>
+            </a:r>
+            <a:r>
+              <a:rPr lang="zh-CN" altLang="en-US" sz="2000" dirty="0"/>
+              <a:t>函数的文档。文档开头都会说明需要引入的头文件，函数声明等信息。</a:t>
+            </a:r>
+            <a:endParaRPr lang="en-US" altLang="zh-CN" sz="2000" dirty="0"/>
+          </a:p>
+          <a:p>
+            <a:endParaRPr lang="en-US" altLang="zh-CN" sz="2000" dirty="0"/>
+          </a:p>
+          <a:p>
+            <a:r>
+              <a:rPr lang="en-US" altLang="zh-CN" sz="2000" dirty="0"/>
+              <a:t>man  </a:t>
+            </a:r>
+            <a:r>
+              <a:rPr lang="en-US" altLang="zh-CN" sz="2000" dirty="0" err="1"/>
+              <a:t>syscalls</a:t>
+            </a:r>
+            <a:r>
+              <a:rPr lang="zh-CN" altLang="en-US" sz="2000" dirty="0"/>
+              <a:t>查看所有系统调用（</a:t>
+            </a:r>
+            <a:r>
+              <a:rPr lang="en-US" altLang="zh-CN" sz="2000" dirty="0"/>
+              <a:t>API</a:t>
+            </a:r>
+            <a:r>
+              <a:rPr lang="zh-CN" altLang="en-US" sz="2000" dirty="0"/>
+              <a:t>）。</a:t>
+            </a:r>
+            <a:endParaRPr lang="en-US" altLang="zh-CN" sz="2000" dirty="0"/>
+          </a:p>
+          <a:p>
+            <a:endParaRPr lang="en-US" altLang="zh-CN" sz="2000" dirty="0"/>
+          </a:p>
+          <a:p>
+            <a:r>
+              <a:rPr lang="zh-CN" altLang="en-US" sz="2000" dirty="0"/>
+              <a:t>本次课程讲解基本的系统调用，主要包括获取进程</a:t>
+            </a:r>
+            <a:r>
+              <a:rPr lang="en-US" altLang="zh-CN" sz="2000" dirty="0"/>
+              <a:t>ID</a:t>
+            </a:r>
+            <a:r>
+              <a:rPr lang="zh-CN" altLang="en-US" sz="2000" dirty="0"/>
+              <a:t>，</a:t>
+            </a:r>
+            <a:r>
+              <a:rPr lang="en-US" altLang="zh-CN" sz="2000" dirty="0"/>
+              <a:t>fork</a:t>
+            </a:r>
+            <a:r>
+              <a:rPr lang="zh-CN" altLang="en-US" sz="2000" dirty="0"/>
+              <a:t>创建子进程，</a:t>
+            </a:r>
+            <a:r>
+              <a:rPr lang="en-US" altLang="zh-CN" sz="2000" dirty="0"/>
+              <a:t>open/write/close</a:t>
+            </a:r>
+            <a:r>
+              <a:rPr lang="zh-CN" altLang="en-US" sz="2000" dirty="0"/>
+              <a:t>操作文件，</a:t>
+            </a:r>
+            <a:r>
+              <a:rPr lang="en-US" altLang="zh-CN" sz="2000" dirty="0"/>
               <a:t>IO</a:t>
             </a:r>
             <a:r>
-              <a:rPr lang="zh-CN" altLang="en-US" sz="2000" dirty="0" smtClean="0"/>
-              <a:t>重定向</a:t>
-            </a:r>
-            <a:endParaRPr lang="en-US" altLang="zh-CN" sz="2000" dirty="0"/>
-          </a:p>
-          <a:p>
-            <a:r>
               <a:rPr lang="zh-CN" altLang="en-US" sz="2000" dirty="0"/>
-              <a:t>接下来运行 </a:t>
-            </a:r>
-            <a:r>
-              <a:rPr lang="en-US" altLang="zh-CN" sz="2000" dirty="0"/>
-              <a:t>ls –R /</a:t>
-            </a:r>
-            <a:r>
-              <a:rPr lang="en-US" altLang="zh-CN" sz="2000" dirty="0" err="1"/>
-              <a:t>usr</a:t>
-            </a:r>
-            <a:r>
-              <a:rPr lang="en-US" altLang="zh-CN" sz="2000" dirty="0"/>
-              <a:t>/share | less</a:t>
-            </a:r>
-          </a:p>
-          <a:p>
-            <a:r>
-              <a:rPr lang="zh-CN" altLang="en-US" sz="2000" dirty="0"/>
-              <a:t>这个命令使用了管道技术</a:t>
+              <a:t>重定向如何实现等内容。</a:t>
             </a:r>
             <a:endParaRPr lang="en-US" altLang="zh-CN" sz="2000" dirty="0"/>
           </a:p>
@@ -7294,7 +8788,7 @@
     </p:spTree>
     <p:extLst>
       <p:ext uri="{BB962C8B-B14F-4D97-AF65-F5344CB8AC3E}">
-        <p14:creationId xmlns:p14="http://schemas.microsoft.com/office/powerpoint/2010/main" val="1283951382"/>
+        <p14:creationId xmlns:p14="http://schemas.microsoft.com/office/powerpoint/2010/main" val="83696498"/>
       </p:ext>
     </p:extLst>
   </p:cSld>
@@ -7323,10 +8817,10 @@
       </p:grpSpPr>
       <p:sp>
         <p:nvSpPr>
-          <p:cNvPr id="2" name="标题 1">
-            <a:extLst>
-              <a:ext uri="{FF2B5EF4-FFF2-40B4-BE49-F238E27FC236}">
-                <a16:creationId xmlns="" xmlns:a16="http://schemas.microsoft.com/office/drawing/2014/main" id="{8B88BACC-24DE-4087-9AB3-A099CF573089}"/>
+          <p:cNvPr id="4" name="标题 3">
+            <a:extLst>
+              <a:ext uri="{FF2B5EF4-FFF2-40B4-BE49-F238E27FC236}">
+                <a16:creationId xmlns:a16="http://schemas.microsoft.com/office/drawing/2014/main" id="{2729939D-814A-4BD2-9922-3F8EA865938B}"/>
               </a:ext>
             </a:extLst>
           </p:cNvPr>
@@ -7337,14 +8831,23 @@
             <p:ph type="title"/>
           </p:nvPr>
         </p:nvSpPr>
-        <p:spPr/>
-        <p:txBody>
-          <a:bodyPr/>
-          <a:lstStyle/>
-          <a:p>
-            <a:r>
-              <a:rPr lang="zh-CN" altLang="en-US" dirty="0" smtClean="0"/>
-              <a:t>文件权限与所属用户</a:t>
+        <p:spPr>
+          <a:xfrm>
+            <a:off x="838200" y="683581"/>
+            <a:ext cx="10515600" cy="736846"/>
+          </a:xfrm>
+        </p:spPr>
+        <p:txBody>
+          <a:bodyPr/>
+          <a:lstStyle/>
+          <a:p>
+            <a:r>
+              <a:rPr lang="zh-CN" altLang="en-US" dirty="0"/>
+              <a:t>获取自己的</a:t>
+            </a:r>
+            <a:r>
+              <a:rPr lang="en-US" altLang="zh-CN" dirty="0"/>
+              <a:t>PID</a:t>
             </a:r>
             <a:endParaRPr lang="zh-CN" altLang="en-US" dirty="0"/>
           </a:p>
@@ -7352,10 +8855,10 @@
       </p:sp>
       <p:sp>
         <p:nvSpPr>
-          <p:cNvPr id="3" name="内容占位符 2">
-            <a:extLst>
-              <a:ext uri="{FF2B5EF4-FFF2-40B4-BE49-F238E27FC236}">
-                <a16:creationId xmlns="" xmlns:a16="http://schemas.microsoft.com/office/drawing/2014/main" id="{0A1C6B17-780B-4799-8193-E52FD817AC0E}"/>
+          <p:cNvPr id="6" name="内容占位符 5">
+            <a:extLst>
+              <a:ext uri="{FF2B5EF4-FFF2-40B4-BE49-F238E27FC236}">
+                <a16:creationId xmlns:a16="http://schemas.microsoft.com/office/drawing/2014/main" id="{B83E9AD4-C606-4679-B884-01F71CC97E44}"/>
               </a:ext>
             </a:extLst>
           </p:cNvPr>
@@ -7366,22 +8869,43 @@
             <p:ph idx="1"/>
           </p:nvPr>
         </p:nvSpPr>
-        <p:spPr/>
-        <p:txBody>
-          <a:bodyPr/>
+        <p:spPr>
+          <a:xfrm>
+            <a:off x="838200" y="1656500"/>
+            <a:ext cx="10515600" cy="4850832"/>
+          </a:xfrm>
+        </p:spPr>
+        <p:txBody>
+          <a:bodyPr>
+            <a:normAutofit/>
+          </a:bodyPr>
           <a:lstStyle/>
           <a:p>
             <a:r>
               <a:rPr lang="zh-CN" altLang="en-US" sz="2000" dirty="0"/>
-              <a:t>任何一个进程都有</a:t>
+              <a:t>系统调用：</a:t>
+            </a:r>
+            <a:r>
+              <a:rPr lang="en-US" altLang="zh-CN" sz="2000" dirty="0" err="1"/>
+              <a:t>pid_t</a:t>
             </a:r>
             <a:r>
               <a:rPr lang="en-US" altLang="zh-CN" sz="2000" dirty="0"/>
-              <a:t>3</a:t>
-            </a:r>
+              <a:t>  </a:t>
+            </a:r>
+            <a:r>
+              <a:rPr lang="en-US" altLang="zh-CN" sz="2000" dirty="0" err="1"/>
+              <a:t>getpid</a:t>
+            </a:r>
+            <a:r>
+              <a:rPr lang="en-US" altLang="zh-CN" sz="2000" dirty="0"/>
+              <a:t>();</a:t>
+            </a:r>
+          </a:p>
+          <a:p>
             <a:r>
               <a:rPr lang="zh-CN" altLang="en-US" sz="2000" dirty="0"/>
-              <a:t>个信道：</a:t>
+              <a:t>示例：</a:t>
             </a:r>
             <a:endParaRPr lang="en-US" altLang="zh-CN" sz="2000" dirty="0"/>
           </a:p>
@@ -7390,17 +8914,56 @@
               <a:buNone/>
             </a:pPr>
             <a:r>
-              <a:rPr lang="zh-CN" altLang="en-US" sz="1600" dirty="0"/>
-              <a:t>标准输入（</a:t>
-            </a:r>
-            <a:r>
               <a:rPr lang="en-US" altLang="zh-CN" sz="1600" dirty="0"/>
-              <a:t>STDIN</a:t>
-            </a:r>
-            <a:r>
-              <a:rPr lang="zh-CN" altLang="en-US" sz="1600" dirty="0"/>
-              <a:t>）</a:t>
-            </a:r>
+              <a:t>#include &lt;</a:t>
+            </a:r>
+            <a:r>
+              <a:rPr lang="en-US" altLang="zh-CN" sz="1600" dirty="0" err="1"/>
+              <a:t>stdio.h</a:t>
+            </a:r>
+            <a:r>
+              <a:rPr lang="en-US" altLang="zh-CN" sz="1600" dirty="0"/>
+              <a:t>&gt;</a:t>
+            </a:r>
+          </a:p>
+          <a:p>
+            <a:pPr marL="457200" lvl="1" indent="0">
+              <a:buNone/>
+            </a:pPr>
+            <a:r>
+              <a:rPr lang="en-US" altLang="zh-CN" sz="1600" dirty="0"/>
+              <a:t>#include &lt;sys/</a:t>
+            </a:r>
+            <a:r>
+              <a:rPr lang="en-US" altLang="zh-CN" sz="1600" dirty="0" err="1"/>
+              <a:t>types.h</a:t>
+            </a:r>
+            <a:r>
+              <a:rPr lang="en-US" altLang="zh-CN" sz="1600" dirty="0"/>
+              <a:t>&gt;</a:t>
+            </a:r>
+          </a:p>
+          <a:p>
+            <a:pPr marL="457200" lvl="1" indent="0">
+              <a:buNone/>
+            </a:pPr>
+            <a:r>
+              <a:rPr lang="en-US" altLang="zh-CN" sz="1600" dirty="0"/>
+              <a:t>#include &lt;</a:t>
+            </a:r>
+            <a:r>
+              <a:rPr lang="en-US" altLang="zh-CN" sz="1600" dirty="0" err="1"/>
+              <a:t>unistd.h</a:t>
+            </a:r>
+            <a:r>
+              <a:rPr lang="en-US" altLang="zh-CN" sz="1600" dirty="0"/>
+              <a:t>&gt;</a:t>
+            </a:r>
+          </a:p>
+          <a:p>
+            <a:pPr marL="457200" lvl="1" indent="0">
+              <a:buNone/>
+            </a:pPr>
             <a:endParaRPr lang="en-US" altLang="zh-CN" sz="1600" dirty="0"/>
           </a:p>
           <a:p>
@@ -7408,81 +8971,87 @@
               <a:buNone/>
             </a:pPr>
             <a:r>
-              <a:rPr lang="zh-CN" altLang="en-US" sz="1600" dirty="0"/>
-              <a:t>标准输出（</a:t>
+              <a:rPr lang="en-US" altLang="zh-CN" sz="1600" dirty="0" err="1"/>
+              <a:t>int</a:t>
             </a:r>
             <a:r>
               <a:rPr lang="en-US" altLang="zh-CN" sz="1600" dirty="0"/>
-              <a:t>STDOUT</a:t>
-            </a:r>
-            <a:r>
-              <a:rPr lang="zh-CN" altLang="en-US" sz="1600" dirty="0"/>
-              <a:t>）</a:t>
-            </a:r>
-            <a:endParaRPr lang="en-US" altLang="zh-CN" sz="1600" dirty="0"/>
+              <a:t> main(</a:t>
+            </a:r>
+            <a:r>
+              <a:rPr lang="en-US" altLang="zh-CN" sz="1600" dirty="0" err="1"/>
+              <a:t>int</a:t>
+            </a:r>
+            <a:r>
+              <a:rPr lang="en-US" altLang="zh-CN" sz="1600" dirty="0"/>
+              <a:t> </a:t>
+            </a:r>
+            <a:r>
+              <a:rPr lang="en-US" altLang="zh-CN" sz="1600" dirty="0" err="1"/>
+              <a:t>argc</a:t>
+            </a:r>
+            <a:r>
+              <a:rPr lang="en-US" altLang="zh-CN" sz="1600" dirty="0"/>
+              <a:t>, char *</a:t>
+            </a:r>
+            <a:r>
+              <a:rPr lang="en-US" altLang="zh-CN" sz="1600" dirty="0" err="1"/>
+              <a:t>argv</a:t>
+            </a:r>
+            <a:r>
+              <a:rPr lang="en-US" altLang="zh-CN" sz="1600" dirty="0"/>
+              <a:t>[]) {</a:t>
+            </a:r>
           </a:p>
           <a:p>
             <a:pPr marL="457200" lvl="1" indent="0">
               <a:buNone/>
             </a:pPr>
             <a:r>
-              <a:rPr lang="zh-CN" altLang="en-US" sz="1600" dirty="0"/>
-              <a:t>标准错误输出（</a:t>
-            </a:r>
-            <a:r>
               <a:rPr lang="en-US" altLang="zh-CN" sz="1600" dirty="0"/>
-              <a:t>STDERR</a:t>
-            </a:r>
-            <a:r>
-              <a:rPr lang="zh-CN" altLang="en-US" sz="1600" dirty="0"/>
-              <a:t>）</a:t>
-            </a:r>
-            <a:endParaRPr lang="en-US" altLang="zh-CN" sz="1600" dirty="0"/>
-          </a:p>
-          <a:p>
-            <a:r>
-              <a:rPr lang="zh-CN" altLang="en-US" sz="2000" dirty="0"/>
-              <a:t>程序不需要知道流向，仅仅是读取并输出即可。</a:t>
-            </a:r>
-            <a:endParaRPr lang="en-US" altLang="zh-CN" sz="2000" dirty="0"/>
-          </a:p>
-          <a:p>
-            <a:r>
-              <a:rPr lang="zh-CN" altLang="en-US" sz="2000" dirty="0"/>
-              <a:t>默认情况下，标准输入是键盘输入，标准输出是显示设备，标准错误输出也是显示设备。</a:t>
-            </a:r>
-            <a:endParaRPr lang="en-US" altLang="zh-CN" sz="2000" dirty="0"/>
-          </a:p>
-          <a:p>
-            <a:r>
-              <a:rPr lang="zh-CN" altLang="en-US" sz="2000" dirty="0"/>
-              <a:t>基于一切都是文件的设计思想，键盘，显示器等都会映射为</a:t>
-            </a:r>
-            <a:r>
-              <a:rPr lang="en-US" altLang="zh-CN" sz="2000" dirty="0"/>
-              <a:t>/dev/</a:t>
-            </a:r>
-            <a:r>
-              <a:rPr lang="zh-CN" altLang="en-US" sz="2000" dirty="0"/>
-              <a:t>下的一个</a:t>
-            </a:r>
-            <a:r>
-              <a:rPr lang="zh-CN" altLang="en-US" sz="2000" dirty="0" smtClean="0"/>
-              <a:t>设备文件。</a:t>
-            </a:r>
-          </a:p>
-          <a:p>
-            <a:pPr marL="0" indent="0">
+              <a:t>	</a:t>
+            </a:r>
+            <a:r>
+              <a:rPr lang="en-US" altLang="zh-CN" sz="1600" dirty="0" err="1"/>
+              <a:t>printf</a:t>
+            </a:r>
+            <a:r>
+              <a:rPr lang="en-US" altLang="zh-CN" sz="1600" dirty="0"/>
+              <a:t>(“%d\n”, </a:t>
+            </a:r>
+            <a:r>
+              <a:rPr lang="en-US" altLang="zh-CN" sz="1600" dirty="0" err="1"/>
+              <a:t>getpid</a:t>
+            </a:r>
+            <a:r>
+              <a:rPr lang="en-US" altLang="zh-CN" sz="1600" dirty="0"/>
+              <a:t>() );</a:t>
+            </a:r>
+          </a:p>
+          <a:p>
+            <a:pPr marL="457200" lvl="1" indent="0">
               <a:buNone/>
             </a:pPr>
-            <a:endParaRPr lang="en-US" altLang="zh-CN" sz="2000" dirty="0"/>
+            <a:r>
+              <a:rPr lang="en-US" altLang="zh-CN" sz="1600" dirty="0"/>
+              <a:t>	return 0;</a:t>
+            </a:r>
+          </a:p>
+          <a:p>
+            <a:pPr marL="457200" lvl="1" indent="0">
+              <a:buNone/>
+            </a:pPr>
+            <a:r>
+              <a:rPr lang="en-US" altLang="zh-CN" sz="1600" dirty="0"/>
+              <a:t>}</a:t>
+            </a:r>
           </a:p>
         </p:txBody>
       </p:sp>
     </p:spTree>
     <p:extLst>
       <p:ext uri="{BB962C8B-B14F-4D97-AF65-F5344CB8AC3E}">
-        <p14:creationId xmlns:p14="http://schemas.microsoft.com/office/powerpoint/2010/main" val="11590185"/>
+        <p14:creationId xmlns:p14="http://schemas.microsoft.com/office/powerpoint/2010/main" val="220644065"/>
       </p:ext>
     </p:extLst>
   </p:cSld>
@@ -7511,10 +9080,10 @@
       </p:grpSpPr>
       <p:sp>
         <p:nvSpPr>
-          <p:cNvPr id="2" name="标题 1">
-            <a:extLst>
-              <a:ext uri="{FF2B5EF4-FFF2-40B4-BE49-F238E27FC236}">
-                <a16:creationId xmlns="" xmlns:a16="http://schemas.microsoft.com/office/drawing/2014/main" id="{8B88BACC-24DE-4087-9AB3-A099CF573089}"/>
+          <p:cNvPr id="4" name="标题 3">
+            <a:extLst>
+              <a:ext uri="{FF2B5EF4-FFF2-40B4-BE49-F238E27FC236}">
+                <a16:creationId xmlns:a16="http://schemas.microsoft.com/office/drawing/2014/main" id="{2729939D-814A-4BD2-9922-3F8EA865938B}"/>
               </a:ext>
             </a:extLst>
           </p:cNvPr>
@@ -7525,25 +9094,37 @@
             <p:ph type="title"/>
           </p:nvPr>
         </p:nvSpPr>
-        <p:spPr/>
-        <p:txBody>
-          <a:bodyPr/>
-          <a:lstStyle/>
-          <a:p>
-            <a:r>
-              <a:rPr lang="zh-CN" altLang="en-US" dirty="0" smtClean="0"/>
-              <a:t>更改文件权限</a:t>
-            </a:r>
-            <a:endParaRPr lang="zh-CN" altLang="en-US" dirty="0"/>
-          </a:p>
-        </p:txBody>
-      </p:sp>
-      <p:sp>
-        <p:nvSpPr>
-          <p:cNvPr id="3" name="内容占位符 2">
-            <a:extLst>
-              <a:ext uri="{FF2B5EF4-FFF2-40B4-BE49-F238E27FC236}">
-                <a16:creationId xmlns="" xmlns:a16="http://schemas.microsoft.com/office/drawing/2014/main" id="{0A1C6B17-780B-4799-8193-E52FD817AC0E}"/>
+        <p:spPr>
+          <a:xfrm>
+            <a:off x="838200" y="683581"/>
+            <a:ext cx="10515600" cy="736846"/>
+          </a:xfrm>
+        </p:spPr>
+        <p:txBody>
+          <a:bodyPr/>
+          <a:lstStyle/>
+          <a:p>
+            <a:r>
+              <a:rPr lang="zh-CN" altLang="en-US" dirty="0"/>
+              <a:t>用</a:t>
+            </a:r>
+            <a:r>
+              <a:rPr lang="en-US" altLang="zh-CN" dirty="0"/>
+              <a:t>fork</a:t>
+            </a:r>
+            <a:r>
+              <a:rPr lang="zh-CN" altLang="en-US" dirty="0"/>
+              <a:t>创建子进程</a:t>
+            </a:r>
+          </a:p>
+        </p:txBody>
+      </p:sp>
+      <p:sp>
+        <p:nvSpPr>
+          <p:cNvPr id="6" name="内容占位符 5">
+            <a:extLst>
+              <a:ext uri="{FF2B5EF4-FFF2-40B4-BE49-F238E27FC236}">
+                <a16:creationId xmlns:a16="http://schemas.microsoft.com/office/drawing/2014/main" id="{B83E9AD4-C606-4679-B884-01F71CC97E44}"/>
               </a:ext>
             </a:extLst>
           </p:cNvPr>
@@ -7554,207 +9135,99 @@
             <p:ph idx="1"/>
           </p:nvPr>
         </p:nvSpPr>
-        <p:spPr/>
-        <p:txBody>
-          <a:bodyPr/>
-          <a:lstStyle/>
-          <a:p>
-            <a:r>
-              <a:rPr lang="zh-CN" altLang="en-US" sz="2000" dirty="0" smtClean="0"/>
-              <a:t>直接运行</a:t>
-            </a:r>
-            <a:r>
-              <a:rPr lang="en-US" altLang="zh-CN" sz="2000" dirty="0" smtClean="0"/>
-              <a:t>echo ‘hello’</a:t>
-            </a:r>
-            <a:r>
-              <a:rPr lang="zh-CN" altLang="en-US" sz="2000" dirty="0" smtClean="0"/>
-              <a:t>会在当前命令窗口显示</a:t>
-            </a:r>
-            <a:r>
-              <a:rPr lang="en-US" altLang="zh-CN" sz="2000" dirty="0" smtClean="0"/>
-              <a:t>hello</a:t>
-            </a:r>
-            <a:r>
-              <a:rPr lang="zh-CN" altLang="en-US" sz="2000" dirty="0" smtClean="0"/>
+        <p:spPr>
+          <a:xfrm>
+            <a:off x="838200" y="1656500"/>
+            <a:ext cx="10515600" cy="4850832"/>
+          </a:xfrm>
+        </p:spPr>
+        <p:txBody>
+          <a:bodyPr>
+            <a:normAutofit/>
+          </a:bodyPr>
+          <a:lstStyle/>
+          <a:p>
+            <a:r>
+              <a:rPr lang="zh-CN" altLang="en-US" sz="2000" dirty="0"/>
+              <a:t>系统调用：</a:t>
+            </a:r>
+            <a:r>
+              <a:rPr lang="en-US" altLang="zh-CN" sz="2000" dirty="0" err="1"/>
+              <a:t>pid_t</a:t>
+            </a:r>
+            <a:r>
+              <a:rPr lang="en-US" altLang="zh-CN" sz="2000" dirty="0"/>
+              <a:t>  fork();</a:t>
+            </a:r>
+          </a:p>
+          <a:p>
+            <a:endParaRPr lang="en-US" altLang="zh-CN" sz="2000" dirty="0"/>
+          </a:p>
+          <a:p>
+            <a:r>
+              <a:rPr lang="en-US" altLang="zh-CN" sz="2000" dirty="0"/>
+              <a:t>fork</a:t>
+            </a:r>
+            <a:r>
+              <a:rPr lang="zh-CN" altLang="en-US" sz="2000" dirty="0"/>
+              <a:t>会创建子进程，调用</a:t>
+            </a:r>
+            <a:r>
+              <a:rPr lang="en-US" altLang="zh-CN" sz="2000" dirty="0"/>
+              <a:t>fork</a:t>
+            </a:r>
+            <a:r>
+              <a:rPr lang="zh-CN" altLang="en-US" sz="2000" dirty="0"/>
+              <a:t>，新创建的进程会和父进程一样继续执行。</a:t>
+            </a:r>
+            <a:endParaRPr lang="en-US" altLang="zh-CN" sz="2000" dirty="0"/>
+          </a:p>
+          <a:p>
+            <a:endParaRPr lang="en-US" altLang="zh-CN" sz="2000" dirty="0"/>
+          </a:p>
+          <a:p>
+            <a:r>
+              <a:rPr lang="en-US" altLang="zh-CN" sz="2000" dirty="0"/>
+              <a:t>fork</a:t>
+            </a:r>
+            <a:r>
+              <a:rPr lang="zh-CN" altLang="en-US" sz="2000" dirty="0"/>
+              <a:t>出错返回</a:t>
+            </a:r>
+            <a:r>
+              <a:rPr lang="en-US" altLang="zh-CN" sz="2000" dirty="0"/>
+              <a:t>-1</a:t>
+            </a:r>
+            <a:r>
+              <a:rPr lang="zh-CN" altLang="en-US" sz="2000" dirty="0"/>
+              <a:t>并且不会创建新的进程；正确则在父进程返回创建子进程的</a:t>
+            </a:r>
+            <a:r>
+              <a:rPr lang="en-US" altLang="zh-CN" sz="2000" dirty="0"/>
+              <a:t>PID</a:t>
+            </a:r>
+            <a:r>
+              <a:rPr lang="zh-CN" altLang="en-US" sz="2000" dirty="0"/>
+              <a:t>，在子进程返回</a:t>
+            </a:r>
+            <a:r>
+              <a:rPr lang="en-US" altLang="zh-CN" sz="2000" dirty="0"/>
+              <a:t>0</a:t>
+            </a:r>
+            <a:r>
+              <a:rPr lang="zh-CN" altLang="en-US" sz="2000" dirty="0"/>
               <a:t>。</a:t>
             </a:r>
-            <a:endParaRPr lang="en-US" altLang="zh-CN" sz="2000" dirty="0" smtClean="0"/>
-          </a:p>
-          <a:p>
-            <a:r>
-              <a:rPr lang="zh-CN" altLang="en-US" sz="2000" dirty="0" smtClean="0"/>
-              <a:t>输出默认就是显示设备，当运行 </a:t>
-            </a:r>
-            <a:r>
-              <a:rPr lang="en-US" altLang="zh-CN" sz="2000" dirty="0" smtClean="0"/>
-              <a:t>echo </a:t>
-            </a:r>
-            <a:r>
-              <a:rPr lang="zh-CN" altLang="en-US" sz="2000" dirty="0" smtClean="0"/>
-              <a:t>‘</a:t>
-            </a:r>
-            <a:r>
-              <a:rPr lang="en-US" altLang="zh-CN" sz="2000" dirty="0" smtClean="0"/>
-              <a:t>hello</a:t>
-            </a:r>
-            <a:r>
-              <a:rPr lang="zh-CN" altLang="en-US" sz="2000" dirty="0" smtClean="0"/>
-              <a:t>’ </a:t>
-            </a:r>
-            <a:r>
-              <a:rPr lang="en-US" altLang="zh-CN" sz="2000" dirty="0" smtClean="0"/>
-              <a:t>&gt; </a:t>
-            </a:r>
-            <a:r>
-              <a:rPr lang="en-US" altLang="zh-CN" sz="2000" dirty="0" err="1" smtClean="0"/>
-              <a:t>tmp</a:t>
-            </a:r>
-            <a:r>
-              <a:rPr lang="en-US" altLang="zh-CN" sz="2000" dirty="0" smtClean="0"/>
-              <a:t> </a:t>
-            </a:r>
-            <a:r>
-              <a:rPr lang="zh-CN" altLang="en-US" sz="2000" dirty="0" smtClean="0"/>
-              <a:t>，此时会把输出重定向到</a:t>
-            </a:r>
-            <a:r>
-              <a:rPr lang="en-US" altLang="zh-CN" sz="2000" dirty="0" err="1" smtClean="0"/>
-              <a:t>tmp</a:t>
-            </a:r>
-            <a:r>
-              <a:rPr lang="zh-CN" altLang="en-US" sz="2000" dirty="0" smtClean="0"/>
-              <a:t>文件。</a:t>
-            </a:r>
-            <a:endParaRPr lang="en-US" altLang="zh-CN" sz="2000" dirty="0" smtClean="0"/>
-          </a:p>
-          <a:p>
-            <a:r>
-              <a:rPr lang="zh-CN" altLang="en-US" sz="2000" dirty="0" smtClean="0"/>
-              <a:t>重定向的是</a:t>
-            </a:r>
-            <a:r>
-              <a:rPr lang="en-US" altLang="zh-CN" sz="2000" dirty="0" smtClean="0"/>
-              <a:t>shell</a:t>
-            </a:r>
-            <a:r>
-              <a:rPr lang="zh-CN" altLang="en-US" sz="2000" dirty="0" smtClean="0"/>
-              <a:t>，而不是</a:t>
-            </a:r>
-            <a:r>
-              <a:rPr lang="en-US" altLang="zh-CN" sz="2000" dirty="0" smtClean="0"/>
-              <a:t>echo</a:t>
-            </a:r>
-            <a:r>
-              <a:rPr lang="zh-CN" altLang="en-US" sz="2000" dirty="0" smtClean="0"/>
-              <a:t>程序，</a:t>
-            </a:r>
-            <a:r>
-              <a:rPr lang="en-US" altLang="zh-CN" sz="2000" dirty="0" smtClean="0"/>
-              <a:t>echo ‘hello’ &gt; </a:t>
-            </a:r>
-            <a:r>
-              <a:rPr lang="en-US" altLang="zh-CN" sz="2000" dirty="0" err="1" smtClean="0"/>
-              <a:t>tmp</a:t>
-            </a:r>
-            <a:r>
-              <a:rPr lang="en-US" altLang="zh-CN" sz="2000" dirty="0" smtClean="0"/>
-              <a:t> </a:t>
-            </a:r>
-            <a:r>
-              <a:rPr lang="zh-CN" altLang="en-US" sz="2000" dirty="0" smtClean="0"/>
-              <a:t>告诉</a:t>
-            </a:r>
-            <a:r>
-              <a:rPr lang="en-US" altLang="zh-CN" sz="2000" dirty="0" smtClean="0"/>
-              <a:t>shell</a:t>
-            </a:r>
-            <a:r>
-              <a:rPr lang="zh-CN" altLang="en-US" sz="2000" dirty="0" smtClean="0"/>
-              <a:t>把输出指向</a:t>
-            </a:r>
-            <a:r>
-              <a:rPr lang="en-US" altLang="zh-CN" sz="2000" dirty="0" err="1" smtClean="0"/>
-              <a:t>tmp</a:t>
-            </a:r>
-            <a:r>
-              <a:rPr lang="zh-CN" altLang="en-US" sz="2000" dirty="0" smtClean="0"/>
-              <a:t>文件，而不是当前显示设备。</a:t>
-            </a:r>
-            <a:endParaRPr lang="en-US" altLang="zh-CN" sz="2000" dirty="0" smtClean="0"/>
-          </a:p>
-          <a:p>
-            <a:r>
-              <a:rPr lang="zh-CN" altLang="en-US" sz="2000" dirty="0" smtClean="0"/>
-              <a:t>同样，对于输入来说，默认是等待键盘输入并执行命令，而运行</a:t>
-            </a:r>
-            <a:r>
-              <a:rPr lang="en-US" altLang="zh-CN" sz="2000" dirty="0" smtClean="0"/>
-              <a:t>grep </a:t>
-            </a:r>
-            <a:r>
-              <a:rPr lang="zh-CN" altLang="en-US" sz="2000" dirty="0" smtClean="0"/>
-              <a:t>‘</a:t>
-            </a:r>
-            <a:r>
-              <a:rPr lang="en-US" altLang="zh-CN" sz="2000" dirty="0" smtClean="0"/>
-              <a:t>hello</a:t>
-            </a:r>
-            <a:r>
-              <a:rPr lang="zh-CN" altLang="en-US" sz="2000" dirty="0" smtClean="0"/>
-              <a:t>’ </a:t>
-            </a:r>
-            <a:r>
-              <a:rPr lang="en-US" altLang="zh-CN" sz="2000" dirty="0" smtClean="0"/>
-              <a:t>&lt; </a:t>
-            </a:r>
-            <a:r>
-              <a:rPr lang="en-US" altLang="zh-CN" sz="2000" dirty="0" err="1" smtClean="0"/>
-              <a:t>tmp</a:t>
-            </a:r>
-            <a:r>
-              <a:rPr lang="en-US" altLang="zh-CN" sz="2000" dirty="0" smtClean="0"/>
-              <a:t> </a:t>
-            </a:r>
-            <a:r>
-              <a:rPr lang="zh-CN" altLang="en-US" sz="2000" dirty="0" smtClean="0"/>
-              <a:t>告诉</a:t>
-            </a:r>
-            <a:r>
-              <a:rPr lang="en-US" altLang="zh-CN" sz="2000" dirty="0" smtClean="0"/>
-              <a:t>shell</a:t>
-            </a:r>
-            <a:r>
-              <a:rPr lang="zh-CN" altLang="en-US" sz="2000" dirty="0" smtClean="0"/>
-              <a:t>从</a:t>
-            </a:r>
-            <a:r>
-              <a:rPr lang="en-US" altLang="zh-CN" sz="2000" dirty="0" err="1" smtClean="0"/>
-              <a:t>tmp</a:t>
-            </a:r>
-            <a:r>
-              <a:rPr lang="zh-CN" altLang="en-US" sz="2000" dirty="0" smtClean="0"/>
-              <a:t>文件获取输入，默认的</a:t>
-            </a:r>
-            <a:r>
-              <a:rPr lang="en-US" altLang="zh-CN" sz="2000" dirty="0" smtClean="0"/>
-              <a:t>grep </a:t>
-            </a:r>
-            <a:r>
-              <a:rPr lang="zh-CN" altLang="en-US" sz="2000" dirty="0" smtClean="0"/>
-              <a:t>‘</a:t>
-            </a:r>
-            <a:r>
-              <a:rPr lang="en-US" altLang="zh-CN" sz="2000" dirty="0" smtClean="0"/>
-              <a:t>hello</a:t>
-            </a:r>
-            <a:r>
-              <a:rPr lang="zh-CN" altLang="en-US" sz="2000" dirty="0" smtClean="0"/>
-              <a:t>’ 是启动后等待输入并进行正则表达式匹配的。</a:t>
-            </a:r>
-            <a:endParaRPr lang="en-US" altLang="zh-CN" sz="2000" dirty="0" smtClean="0"/>
-          </a:p>
-          <a:p>
+            <a:endParaRPr lang="en-US" altLang="zh-CN" sz="2000" dirty="0"/>
+          </a:p>
+          <a:p>
+            <a:endParaRPr lang="en-US" altLang="zh-CN" sz="2000" dirty="0"/>
+          </a:p>
+          <a:p>
+            <a:r>
+              <a:rPr lang="zh-CN" altLang="en-US" sz="2000" dirty="0"/>
+              <a:t>由于父进程和子进程不同的返回值。可以通过判断返回值控制父进程和子进程执行不同的代码。</a:t>
+            </a:r>
             <a:endParaRPr lang="en-US" altLang="zh-CN" sz="2000" dirty="0"/>
           </a:p>
         </p:txBody>
@@ -7762,7 +9235,7 @@
     </p:spTree>
     <p:extLst>
       <p:ext uri="{BB962C8B-B14F-4D97-AF65-F5344CB8AC3E}">
-        <p14:creationId xmlns:p14="http://schemas.microsoft.com/office/powerpoint/2010/main" val="3466496868"/>
+        <p14:creationId xmlns:p14="http://schemas.microsoft.com/office/powerpoint/2010/main" val="2364192601"/>
       </p:ext>
     </p:extLst>
   </p:cSld>
@@ -7791,10 +9264,10 @@
       </p:grpSpPr>
       <p:sp>
         <p:nvSpPr>
-          <p:cNvPr id="2" name="标题 1">
-            <a:extLst>
-              <a:ext uri="{FF2B5EF4-FFF2-40B4-BE49-F238E27FC236}">
-                <a16:creationId xmlns="" xmlns:a16="http://schemas.microsoft.com/office/drawing/2014/main" id="{8B88BACC-24DE-4087-9AB3-A099CF573089}"/>
+          <p:cNvPr id="4" name="标题 3">
+            <a:extLst>
+              <a:ext uri="{FF2B5EF4-FFF2-40B4-BE49-F238E27FC236}">
+                <a16:creationId xmlns:a16="http://schemas.microsoft.com/office/drawing/2014/main" id="{2729939D-814A-4BD2-9922-3F8EA865938B}"/>
               </a:ext>
             </a:extLst>
           </p:cNvPr>
@@ -7805,25 +9278,29 @@
             <p:ph type="title"/>
           </p:nvPr>
         </p:nvSpPr>
-        <p:spPr/>
-        <p:txBody>
-          <a:bodyPr/>
-          <a:lstStyle/>
-          <a:p>
-            <a:r>
-              <a:rPr lang="zh-CN" altLang="en-US" dirty="0" smtClean="0"/>
-              <a:t>更改文件所属用户与用户组</a:t>
-            </a:r>
-            <a:endParaRPr lang="zh-CN" altLang="en-US" dirty="0"/>
-          </a:p>
-        </p:txBody>
-      </p:sp>
-      <p:sp>
-        <p:nvSpPr>
-          <p:cNvPr id="3" name="内容占位符 2">
-            <a:extLst>
-              <a:ext uri="{FF2B5EF4-FFF2-40B4-BE49-F238E27FC236}">
-                <a16:creationId xmlns="" xmlns:a16="http://schemas.microsoft.com/office/drawing/2014/main" id="{0A1C6B17-780B-4799-8193-E52FD817AC0E}"/>
+        <p:spPr>
+          <a:xfrm>
+            <a:off x="838200" y="683581"/>
+            <a:ext cx="10515600" cy="736846"/>
+          </a:xfrm>
+        </p:spPr>
+        <p:txBody>
+          <a:bodyPr/>
+          <a:lstStyle/>
+          <a:p>
+            <a:r>
+              <a:rPr lang="zh-CN" altLang="en-US" dirty="0"/>
+              <a:t>等待子进程退出</a:t>
+            </a:r>
+          </a:p>
+        </p:txBody>
+      </p:sp>
+      <p:sp>
+        <p:nvSpPr>
+          <p:cNvPr id="6" name="内容占位符 5">
+            <a:extLst>
+              <a:ext uri="{FF2B5EF4-FFF2-40B4-BE49-F238E27FC236}">
+                <a16:creationId xmlns:a16="http://schemas.microsoft.com/office/drawing/2014/main" id="{B83E9AD4-C606-4679-B884-01F71CC97E44}"/>
               </a:ext>
             </a:extLst>
           </p:cNvPr>
@@ -7834,91 +9311,154 @@
             <p:ph idx="1"/>
           </p:nvPr>
         </p:nvSpPr>
-        <p:spPr/>
-        <p:txBody>
-          <a:bodyPr/>
-          <a:lstStyle/>
-          <a:p>
-            <a:r>
-              <a:rPr lang="zh-CN" altLang="en-US" sz="2000" dirty="0" smtClean="0"/>
-              <a:t>运行</a:t>
-            </a:r>
-            <a:r>
-              <a:rPr lang="en-US" altLang="zh-CN" sz="2000" dirty="0" smtClean="0"/>
-              <a:t>ls –R &gt; </a:t>
-            </a:r>
-            <a:r>
-              <a:rPr lang="en-US" altLang="zh-CN" sz="2000" dirty="0" err="1" smtClean="0"/>
-              <a:t>lstmp</a:t>
-            </a:r>
-            <a:endParaRPr lang="en-US" altLang="zh-CN" sz="2000" dirty="0" smtClean="0"/>
-          </a:p>
-          <a:p>
-            <a:r>
-              <a:rPr lang="zh-CN" altLang="en-US" sz="2000" dirty="0" smtClean="0"/>
-              <a:t>此时终端没有任何输出</a:t>
-            </a:r>
-            <a:endParaRPr lang="en-US" altLang="zh-CN" sz="2000" dirty="0" smtClean="0"/>
-          </a:p>
-          <a:p>
-            <a:r>
-              <a:rPr lang="zh-CN" altLang="en-US" sz="2000" dirty="0" smtClean="0"/>
-              <a:t>但是</a:t>
-            </a:r>
+        <p:spPr>
+          <a:xfrm>
+            <a:off x="838200" y="1656500"/>
+            <a:ext cx="10515600" cy="4850832"/>
+          </a:xfrm>
+        </p:spPr>
+        <p:txBody>
+          <a:bodyPr>
+            <a:normAutofit/>
+          </a:bodyPr>
+          <a:lstStyle/>
+          <a:p>
             <a:r>
               <a:rPr lang="zh-CN" altLang="en-US" sz="2000" dirty="0"/>
-              <a:t>当前</a:t>
-            </a:r>
-            <a:r>
-              <a:rPr lang="zh-CN" altLang="en-US" sz="2000" dirty="0" smtClean="0"/>
-              <a:t>目录会有一个</a:t>
-            </a:r>
-            <a:r>
-              <a:rPr lang="en-US" altLang="zh-CN" sz="2000" dirty="0" err="1" smtClean="0"/>
-              <a:t>lstmp</a:t>
-            </a:r>
-            <a:r>
-              <a:rPr lang="zh-CN" altLang="en-US" sz="2000" dirty="0" smtClean="0"/>
-              <a:t>文件</a:t>
-            </a:r>
-            <a:endParaRPr lang="en-US" altLang="zh-CN" sz="2000" dirty="0" smtClean="0"/>
-          </a:p>
-          <a:p>
-            <a:r>
-              <a:rPr lang="zh-CN" altLang="en-US" sz="2000" dirty="0" smtClean="0"/>
-              <a:t>查看</a:t>
-            </a:r>
-            <a:r>
-              <a:rPr lang="en-US" altLang="zh-CN" sz="2000" dirty="0" err="1" smtClean="0"/>
-              <a:t>lstmp</a:t>
-            </a:r>
-            <a:r>
-              <a:rPr lang="zh-CN" altLang="en-US" sz="2000" dirty="0" smtClean="0"/>
-              <a:t>文件：</a:t>
-            </a:r>
-            <a:r>
-              <a:rPr lang="en-US" altLang="zh-CN" sz="2000" dirty="0" smtClean="0"/>
-              <a:t>cat </a:t>
-            </a:r>
-            <a:r>
-              <a:rPr lang="en-US" altLang="zh-CN" sz="2000" dirty="0" err="1" smtClean="0"/>
-              <a:t>lstmp</a:t>
-            </a:r>
-            <a:r>
-              <a:rPr lang="zh-CN" altLang="en-US" sz="2000" dirty="0" smtClean="0"/>
-              <a:t>或者是用</a:t>
-            </a:r>
-            <a:r>
-              <a:rPr lang="en-US" altLang="zh-CN" sz="2000" dirty="0" smtClean="0"/>
-              <a:t>vi </a:t>
-            </a:r>
-            <a:r>
-              <a:rPr lang="en-US" altLang="zh-CN" sz="2000" dirty="0" err="1" smtClean="0"/>
-              <a:t>lstmp</a:t>
-            </a:r>
-            <a:endParaRPr lang="en-US" altLang="zh-CN" sz="2000" dirty="0" smtClean="0"/>
-          </a:p>
-          <a:p>
+              <a:t>系统调用：</a:t>
+            </a:r>
+            <a:r>
+              <a:rPr lang="en-US" altLang="zh-CN" sz="2000" dirty="0" err="1"/>
+              <a:t>pid_t</a:t>
+            </a:r>
+            <a:r>
+              <a:rPr lang="en-US" altLang="zh-CN" sz="2000" dirty="0"/>
+              <a:t>  wait(</a:t>
+            </a:r>
+            <a:r>
+              <a:rPr lang="en-US" altLang="zh-CN" sz="2000" dirty="0" err="1"/>
+              <a:t>int</a:t>
+            </a:r>
+            <a:r>
+              <a:rPr lang="en-US" altLang="zh-CN" sz="2000" dirty="0"/>
+              <a:t> *status);</a:t>
+            </a:r>
+          </a:p>
+          <a:p>
+            <a:r>
+              <a:rPr lang="en-US" altLang="zh-CN" sz="2000" dirty="0"/>
+              <a:t>wait</a:t>
+            </a:r>
+            <a:r>
+              <a:rPr lang="zh-CN" altLang="en-US" sz="2000" dirty="0"/>
+              <a:t>等待子进程退出，并把子进程退出状态设置到</a:t>
+            </a:r>
+            <a:r>
+              <a:rPr lang="en-US" altLang="zh-CN" sz="2000" dirty="0"/>
+              <a:t>status</a:t>
+            </a:r>
+            <a:r>
+              <a:rPr lang="zh-CN" altLang="en-US" sz="2000" dirty="0"/>
+              <a:t>变量。返回退出进程的</a:t>
+            </a:r>
+            <a:r>
+              <a:rPr lang="en-US" altLang="zh-CN" sz="2000" dirty="0"/>
+              <a:t>PID</a:t>
+            </a:r>
+            <a:r>
+              <a:rPr lang="zh-CN" altLang="en-US" sz="2000" dirty="0"/>
+              <a:t>。</a:t>
+            </a:r>
+            <a:endParaRPr lang="en-US" altLang="zh-CN" sz="2000" dirty="0"/>
+          </a:p>
+          <a:p>
+            <a:r>
+              <a:rPr lang="en-US" altLang="zh-CN" sz="2000" dirty="0"/>
+              <a:t>wait</a:t>
+            </a:r>
+            <a:r>
+              <a:rPr lang="zh-CN" altLang="en-US" sz="2000" dirty="0"/>
+              <a:t>调用会挂起父进程，直到子进程退出。</a:t>
+            </a:r>
+            <a:endParaRPr lang="en-US" altLang="zh-CN" sz="2000" dirty="0"/>
+          </a:p>
+          <a:p>
+            <a:r>
+              <a:rPr lang="zh-CN" altLang="en-US" sz="2000" dirty="0"/>
+              <a:t>类似的调用还有</a:t>
+            </a:r>
+            <a:r>
+              <a:rPr lang="en-US" altLang="zh-CN" sz="2000" dirty="0" err="1"/>
+              <a:t>pid_t</a:t>
+            </a:r>
+            <a:r>
+              <a:rPr lang="en-US" altLang="zh-CN" sz="2000" dirty="0"/>
+              <a:t> </a:t>
+            </a:r>
+            <a:r>
+              <a:rPr lang="en-US" altLang="zh-CN" sz="2000" dirty="0" err="1"/>
+              <a:t>waitpid</a:t>
+            </a:r>
+            <a:r>
+              <a:rPr lang="en-US" altLang="zh-CN" sz="2000" dirty="0"/>
+              <a:t>(</a:t>
+            </a:r>
+            <a:r>
+              <a:rPr lang="en-US" altLang="zh-CN" sz="2000" dirty="0" err="1"/>
+              <a:t>pid_t</a:t>
+            </a:r>
+            <a:r>
+              <a:rPr lang="en-US" altLang="zh-CN" sz="2000" dirty="0"/>
+              <a:t> </a:t>
+            </a:r>
+            <a:r>
+              <a:rPr lang="en-US" altLang="zh-CN" sz="2000" dirty="0" err="1"/>
+              <a:t>pid</a:t>
+            </a:r>
+            <a:r>
+              <a:rPr lang="en-US" altLang="zh-CN" sz="2000" dirty="0"/>
+              <a:t>, </a:t>
+            </a:r>
+            <a:r>
+              <a:rPr lang="en-US" altLang="zh-CN" sz="2000" dirty="0" err="1"/>
+              <a:t>int</a:t>
+            </a:r>
+            <a:r>
+              <a:rPr lang="en-US" altLang="zh-CN" sz="2000" dirty="0"/>
+              <a:t> *status, </a:t>
+            </a:r>
+            <a:r>
+              <a:rPr lang="en-US" altLang="zh-CN" sz="2000" dirty="0" err="1"/>
+              <a:t>int</a:t>
+            </a:r>
+            <a:r>
+              <a:rPr lang="en-US" altLang="zh-CN" sz="2000" dirty="0"/>
+              <a:t> options);</a:t>
+            </a:r>
+            <a:r>
+              <a:rPr lang="zh-CN" altLang="en-US" sz="2000" dirty="0"/>
+              <a:t>详细说明可在终端运行</a:t>
+            </a:r>
+            <a:endParaRPr lang="en-US" altLang="zh-CN" sz="2000" dirty="0"/>
+          </a:p>
+          <a:p>
+            <a:pPr marL="914400" lvl="2" indent="0">
+              <a:buNone/>
+            </a:pPr>
+            <a:r>
+              <a:rPr lang="en-US" altLang="zh-CN" sz="1800" dirty="0"/>
+              <a:t>man  2  </a:t>
+            </a:r>
+            <a:r>
+              <a:rPr lang="en-US" altLang="zh-CN" sz="1800" dirty="0" err="1"/>
+              <a:t>waitpid</a:t>
+            </a:r>
+            <a:endParaRPr lang="en-US" altLang="zh-CN" sz="1800" dirty="0"/>
+          </a:p>
+          <a:p>
+            <a:pPr marL="0" indent="0">
+              <a:buNone/>
+            </a:pPr>
             <a:endParaRPr lang="en-US" altLang="zh-CN" sz="2000" dirty="0"/>
           </a:p>
         </p:txBody>
@@ -7926,7 +9466,1153 @@
     </p:spTree>
     <p:extLst>
       <p:ext uri="{BB962C8B-B14F-4D97-AF65-F5344CB8AC3E}">
-        <p14:creationId xmlns:p14="http://schemas.microsoft.com/office/powerpoint/2010/main" val="3129173604"/>
+        <p14:creationId xmlns:p14="http://schemas.microsoft.com/office/powerpoint/2010/main" val="952518917"/>
+      </p:ext>
+    </p:extLst>
+  </p:cSld>
+  <p:clrMapOvr>
+    <a:masterClrMapping/>
+  </p:clrMapOvr>
+</p:sld>
+</file>
+
+<file path=ppt/slides/slide6.xml><?xml version="1.0" encoding="utf-8"?>
+<p:sld xmlns:a="http://schemas.openxmlformats.org/drawingml/2006/main" xmlns:r="http://schemas.openxmlformats.org/officeDocument/2006/relationships" xmlns:p="http://schemas.openxmlformats.org/presentationml/2006/main">
+  <p:cSld>
+    <p:spTree>
+      <p:nvGrpSpPr>
+        <p:cNvPr id="1" name=""/>
+        <p:cNvGrpSpPr/>
+        <p:nvPr/>
+      </p:nvGrpSpPr>
+      <p:grpSpPr>
+        <a:xfrm>
+          <a:off x="0" y="0"/>
+          <a:ext cx="0" cy="0"/>
+          <a:chOff x="0" y="0"/>
+          <a:chExt cx="0" cy="0"/>
+        </a:xfrm>
+      </p:grpSpPr>
+      <p:sp>
+        <p:nvSpPr>
+          <p:cNvPr id="4" name="标题 3">
+            <a:extLst>
+              <a:ext uri="{FF2B5EF4-FFF2-40B4-BE49-F238E27FC236}">
+                <a16:creationId xmlns:a16="http://schemas.microsoft.com/office/drawing/2014/main" id="{2729939D-814A-4BD2-9922-3F8EA865938B}"/>
+              </a:ext>
+            </a:extLst>
+          </p:cNvPr>
+          <p:cNvSpPr>
+            <a:spLocks noGrp="1"/>
+          </p:cNvSpPr>
+          <p:nvPr>
+            <p:ph type="title"/>
+          </p:nvPr>
+        </p:nvSpPr>
+        <p:spPr>
+          <a:xfrm>
+            <a:off x="838200" y="683581"/>
+            <a:ext cx="10515600" cy="736846"/>
+          </a:xfrm>
+        </p:spPr>
+        <p:txBody>
+          <a:bodyPr/>
+          <a:lstStyle/>
+          <a:p>
+            <a:r>
+              <a:rPr lang="zh-CN" altLang="en-US" dirty="0"/>
+              <a:t>父进程先于子进程退出</a:t>
+            </a:r>
+          </a:p>
+        </p:txBody>
+      </p:sp>
+      <p:sp>
+        <p:nvSpPr>
+          <p:cNvPr id="6" name="内容占位符 5">
+            <a:extLst>
+              <a:ext uri="{FF2B5EF4-FFF2-40B4-BE49-F238E27FC236}">
+                <a16:creationId xmlns:a16="http://schemas.microsoft.com/office/drawing/2014/main" id="{B83E9AD4-C606-4679-B884-01F71CC97E44}"/>
+              </a:ext>
+            </a:extLst>
+          </p:cNvPr>
+          <p:cNvSpPr>
+            <a:spLocks noGrp="1"/>
+          </p:cNvSpPr>
+          <p:nvPr>
+            <p:ph idx="1"/>
+          </p:nvPr>
+        </p:nvSpPr>
+        <p:spPr>
+          <a:xfrm>
+            <a:off x="838200" y="1656500"/>
+            <a:ext cx="10515600" cy="4850832"/>
+          </a:xfrm>
+        </p:spPr>
+        <p:txBody>
+          <a:bodyPr>
+            <a:normAutofit/>
+          </a:bodyPr>
+          <a:lstStyle/>
+          <a:p>
+            <a:r>
+              <a:rPr lang="zh-CN" altLang="en-US" sz="2400" dirty="0"/>
+              <a:t>父进程退出后，子进程继续执行，此时谁又是子进程的父进程？</a:t>
+            </a:r>
+            <a:endParaRPr lang="en-US" altLang="zh-CN" sz="2400" dirty="0"/>
+          </a:p>
+          <a:p>
+            <a:endParaRPr lang="en-US" altLang="zh-CN" sz="2400" dirty="0"/>
+          </a:p>
+        </p:txBody>
+      </p:sp>
+      <p:graphicFrame>
+        <p:nvGraphicFramePr>
+          <p:cNvPr id="2" name="表格 1">
+            <a:extLst>
+              <a:ext uri="{FF2B5EF4-FFF2-40B4-BE49-F238E27FC236}">
+                <a16:creationId xmlns:a16="http://schemas.microsoft.com/office/drawing/2014/main" id="{FB243EDA-8FEE-4748-8BAD-89E4D9A617A4}"/>
+              </a:ext>
+            </a:extLst>
+          </p:cNvPr>
+          <p:cNvGraphicFramePr>
+            <a:graphicFrameLocks noGrp="1"/>
+          </p:cNvGraphicFramePr>
+          <p:nvPr>
+            <p:extLst/>
+          </p:nvPr>
+        </p:nvGraphicFramePr>
+        <p:xfrm>
+          <a:off x="838200" y="2752078"/>
+          <a:ext cx="10515600" cy="3497802"/>
+        </p:xfrm>
+        <a:graphic>
+          <a:graphicData uri="http://schemas.openxmlformats.org/drawingml/2006/table">
+            <a:tbl>
+              <a:tblPr firstRow="1" bandRow="1">
+                <a:tableStyleId>{2D5ABB26-0587-4C30-8999-92F81FD0307C}</a:tableStyleId>
+              </a:tblPr>
+              <a:tblGrid>
+                <a:gridCol w="6116826">
+                  <a:extLst>
+                    <a:ext uri="{9D8B030D-6E8A-4147-A177-3AD203B41FA5}">
+                      <a16:colId xmlns:a16="http://schemas.microsoft.com/office/drawing/2014/main" val="434808498"/>
+                    </a:ext>
+                  </a:extLst>
+                </a:gridCol>
+                <a:gridCol w="4398774">
+                  <a:extLst>
+                    <a:ext uri="{9D8B030D-6E8A-4147-A177-3AD203B41FA5}">
+                      <a16:colId xmlns:a16="http://schemas.microsoft.com/office/drawing/2014/main" val="1970084788"/>
+                    </a:ext>
+                  </a:extLst>
+                </a:gridCol>
+              </a:tblGrid>
+              <a:tr h="3497802">
+                <a:tc>
+                  <a:txBody>
+                    <a:bodyPr/>
+                    <a:lstStyle/>
+                    <a:p>
+                      <a:r>
+                        <a:rPr lang="zh-CN" altLang="en-US" dirty="0"/>
+                        <a:t>父进程退出后，子进程继续执行，此时父进程是</a:t>
+                      </a:r>
+                      <a:r>
+                        <a:rPr lang="en-US" altLang="zh-CN" dirty="0" err="1"/>
+                        <a:t>init</a:t>
+                      </a:r>
+                      <a:r>
+                        <a:rPr lang="zh-CN" altLang="en-US" dirty="0"/>
+                        <a:t>（</a:t>
+                      </a:r>
+                      <a:r>
+                        <a:rPr lang="en-US" altLang="zh-CN" dirty="0"/>
+                        <a:t>ID</a:t>
+                      </a:r>
+                      <a:r>
+                        <a:rPr lang="zh-CN" altLang="en-US" dirty="0"/>
+                        <a:t>为</a:t>
+                      </a:r>
+                      <a:r>
+                        <a:rPr lang="en-US" altLang="zh-CN" dirty="0"/>
+                        <a:t>1</a:t>
+                      </a:r>
+                      <a:r>
+                        <a:rPr lang="zh-CN" altLang="en-US" dirty="0"/>
+                        <a:t>的进程）。而在终端运行程序，当前</a:t>
+                      </a:r>
+                      <a:r>
+                        <a:rPr lang="en-US" altLang="zh-CN" dirty="0"/>
+                        <a:t>shell</a:t>
+                      </a:r>
+                      <a:r>
+                        <a:rPr lang="zh-CN" altLang="en-US" dirty="0"/>
+                        <a:t>是父进程的父进程，但是由于父进程的提前退出，导致子进程被</a:t>
+                      </a:r>
+                      <a:r>
+                        <a:rPr lang="en-US" altLang="zh-CN" dirty="0" err="1"/>
+                        <a:t>init</a:t>
+                      </a:r>
+                      <a:r>
+                        <a:rPr lang="zh-CN" altLang="en-US" dirty="0"/>
+                        <a:t>进程</a:t>
+                      </a:r>
+                      <a:r>
+                        <a:rPr lang="zh-CN" altLang="en-US"/>
+                        <a:t>收养。</a:t>
+                      </a:r>
+                      <a:endParaRPr lang="zh-CN" altLang="en-US" dirty="0"/>
+                    </a:p>
+                  </a:txBody>
+                  <a:tcPr/>
+                </a:tc>
+                <a:tc>
+                  <a:txBody>
+                    <a:bodyPr/>
+                    <a:lstStyle/>
+                    <a:p>
+                      <a:pPr algn="ctr"/>
+                      <a:r>
+                        <a:rPr lang="zh-CN" altLang="en-US" sz="2000" dirty="0"/>
+                        <a:t>这是编写守护进程很重要的一步。</a:t>
+                      </a:r>
+                    </a:p>
+                  </a:txBody>
+                  <a:tcPr anchor="ctr"/>
+                </a:tc>
+                <a:extLst>
+                  <a:ext uri="{0D108BD9-81ED-4DB2-BD59-A6C34878D82A}">
+                    <a16:rowId xmlns:a16="http://schemas.microsoft.com/office/drawing/2014/main" val="84222248"/>
+                  </a:ext>
+                </a:extLst>
+              </a:tr>
+            </a:tbl>
+          </a:graphicData>
+        </a:graphic>
+      </p:graphicFrame>
+    </p:spTree>
+    <p:extLst>
+      <p:ext uri="{BB962C8B-B14F-4D97-AF65-F5344CB8AC3E}">
+        <p14:creationId xmlns:p14="http://schemas.microsoft.com/office/powerpoint/2010/main" val="472632379"/>
+      </p:ext>
+    </p:extLst>
+  </p:cSld>
+  <p:clrMapOvr>
+    <a:masterClrMapping/>
+  </p:clrMapOvr>
+  <p:timing>
+    <p:tnLst>
+      <p:par>
+        <p:cTn id="1" dur="indefinite" restart="never" nodeType="tmRoot">
+          <p:childTnLst>
+            <p:seq concurrent="1" nextAc="seek">
+              <p:cTn id="2" dur="indefinite" nodeType="mainSeq">
+                <p:childTnLst>
+                  <p:par>
+                    <p:cTn id="3" fill="hold">
+                      <p:stCondLst>
+                        <p:cond delay="indefinite"/>
+                      </p:stCondLst>
+                      <p:childTnLst>
+                        <p:par>
+                          <p:cTn id="4" fill="hold">
+                            <p:stCondLst>
+                              <p:cond delay="0"/>
+                            </p:stCondLst>
+                            <p:childTnLst>
+                              <p:par>
+                                <p:cTn id="5" presetID="2" presetClass="entr" presetSubtype="4" fill="hold" nodeType="clickEffect">
+                                  <p:stCondLst>
+                                    <p:cond delay="0"/>
+                                  </p:stCondLst>
+                                  <p:childTnLst>
+                                    <p:set>
+                                      <p:cBhvr>
+                                        <p:cTn id="6" dur="1" fill="hold">
+                                          <p:stCondLst>
+                                            <p:cond delay="0"/>
+                                          </p:stCondLst>
+                                        </p:cTn>
+                                        <p:tgtEl>
+                                          <p:spTgt spid="2"/>
+                                        </p:tgtEl>
+                                        <p:attrNameLst>
+                                          <p:attrName>style.visibility</p:attrName>
+                                        </p:attrNameLst>
+                                      </p:cBhvr>
+                                      <p:to>
+                                        <p:strVal val="visible"/>
+                                      </p:to>
+                                    </p:set>
+                                    <p:anim calcmode="lin" valueType="num">
+                                      <p:cBhvr additive="base">
+                                        <p:cTn id="7" dur="500" fill="hold"/>
+                                        <p:tgtEl>
+                                          <p:spTgt spid="2"/>
+                                        </p:tgtEl>
+                                        <p:attrNameLst>
+                                          <p:attrName>ppt_x</p:attrName>
+                                        </p:attrNameLst>
+                                      </p:cBhvr>
+                                      <p:tavLst>
+                                        <p:tav tm="0">
+                                          <p:val>
+                                            <p:strVal val="#ppt_x"/>
+                                          </p:val>
+                                        </p:tav>
+                                        <p:tav tm="100000">
+                                          <p:val>
+                                            <p:strVal val="#ppt_x"/>
+                                          </p:val>
+                                        </p:tav>
+                                      </p:tavLst>
+                                    </p:anim>
+                                    <p:anim calcmode="lin" valueType="num">
+                                      <p:cBhvr additive="base">
+                                        <p:cTn id="8" dur="500" fill="hold"/>
+                                        <p:tgtEl>
+                                          <p:spTgt spid="2"/>
+                                        </p:tgtEl>
+                                        <p:attrNameLst>
+                                          <p:attrName>ppt_y</p:attrName>
+                                        </p:attrNameLst>
+                                      </p:cBhvr>
+                                      <p:tavLst>
+                                        <p:tav tm="0">
+                                          <p:val>
+                                            <p:strVal val="1+#ppt_h/2"/>
+                                          </p:val>
+                                        </p:tav>
+                                        <p:tav tm="100000">
+                                          <p:val>
+                                            <p:strVal val="#ppt_y"/>
+                                          </p:val>
+                                        </p:tav>
+                                      </p:tavLst>
+                                    </p:anim>
+                                  </p:childTnLst>
+                                </p:cTn>
+                              </p:par>
+                            </p:childTnLst>
+                          </p:cTn>
+                        </p:par>
+                      </p:childTnLst>
+                    </p:cTn>
+                  </p:par>
+                </p:childTnLst>
+              </p:cTn>
+              <p:prevCondLst>
+                <p:cond evt="onPrev" delay="0">
+                  <p:tgtEl>
+                    <p:sldTgt/>
+                  </p:tgtEl>
+                </p:cond>
+              </p:prevCondLst>
+              <p:nextCondLst>
+                <p:cond evt="onNext" delay="0">
+                  <p:tgtEl>
+                    <p:sldTgt/>
+                  </p:tgtEl>
+                </p:cond>
+              </p:nextCondLst>
+            </p:seq>
+          </p:childTnLst>
+        </p:cTn>
+      </p:par>
+    </p:tnLst>
+  </p:timing>
+</p:sld>
+</file>
+
+<file path=ppt/slides/slide7.xml><?xml version="1.0" encoding="utf-8"?>
+<p:sld xmlns:a="http://schemas.openxmlformats.org/drawingml/2006/main" xmlns:r="http://schemas.openxmlformats.org/officeDocument/2006/relationships" xmlns:p="http://schemas.openxmlformats.org/presentationml/2006/main">
+  <p:cSld>
+    <p:spTree>
+      <p:nvGrpSpPr>
+        <p:cNvPr id="1" name=""/>
+        <p:cNvGrpSpPr/>
+        <p:nvPr/>
+      </p:nvGrpSpPr>
+      <p:grpSpPr>
+        <a:xfrm>
+          <a:off x="0" y="0"/>
+          <a:ext cx="0" cy="0"/>
+          <a:chOff x="0" y="0"/>
+          <a:chExt cx="0" cy="0"/>
+        </a:xfrm>
+      </p:grpSpPr>
+      <p:sp>
+        <p:nvSpPr>
+          <p:cNvPr id="4" name="标题 3">
+            <a:extLst>
+              <a:ext uri="{FF2B5EF4-FFF2-40B4-BE49-F238E27FC236}">
+                <a16:creationId xmlns:a16="http://schemas.microsoft.com/office/drawing/2014/main" id="{2729939D-814A-4BD2-9922-3F8EA865938B}"/>
+              </a:ext>
+            </a:extLst>
+          </p:cNvPr>
+          <p:cNvSpPr>
+            <a:spLocks noGrp="1"/>
+          </p:cNvSpPr>
+          <p:nvPr>
+            <p:ph type="title"/>
+          </p:nvPr>
+        </p:nvSpPr>
+        <p:spPr>
+          <a:xfrm>
+            <a:off x="838200" y="683581"/>
+            <a:ext cx="10515600" cy="736846"/>
+          </a:xfrm>
+        </p:spPr>
+        <p:txBody>
+          <a:bodyPr/>
+          <a:lstStyle/>
+          <a:p>
+            <a:r>
+              <a:rPr lang="en-US" altLang="zh-CN" dirty="0"/>
+              <a:t>open</a:t>
+            </a:r>
+            <a:r>
+              <a:rPr lang="zh-CN" altLang="en-US" dirty="0"/>
+              <a:t>函数</a:t>
+            </a:r>
+          </a:p>
+        </p:txBody>
+      </p:sp>
+      <p:sp>
+        <p:nvSpPr>
+          <p:cNvPr id="6" name="内容占位符 5">
+            <a:extLst>
+              <a:ext uri="{FF2B5EF4-FFF2-40B4-BE49-F238E27FC236}">
+                <a16:creationId xmlns:a16="http://schemas.microsoft.com/office/drawing/2014/main" id="{B83E9AD4-C606-4679-B884-01F71CC97E44}"/>
+              </a:ext>
+            </a:extLst>
+          </p:cNvPr>
+          <p:cNvSpPr>
+            <a:spLocks noGrp="1"/>
+          </p:cNvSpPr>
+          <p:nvPr>
+            <p:ph idx="1"/>
+          </p:nvPr>
+        </p:nvSpPr>
+        <p:spPr>
+          <a:xfrm>
+            <a:off x="838200" y="1656500"/>
+            <a:ext cx="10515600" cy="4850832"/>
+          </a:xfrm>
+        </p:spPr>
+        <p:txBody>
+          <a:bodyPr>
+            <a:normAutofit/>
+          </a:bodyPr>
+          <a:lstStyle/>
+          <a:p>
+            <a:r>
+              <a:rPr lang="en-US" altLang="zh-CN" sz="2000" dirty="0"/>
+              <a:t>open</a:t>
+            </a:r>
+            <a:r>
+              <a:rPr lang="zh-CN" altLang="en-US" sz="2000" dirty="0"/>
+              <a:t>函数用于打开文件操作：</a:t>
+            </a:r>
+            <a:endParaRPr lang="en-US" altLang="zh-CN" sz="2000" dirty="0"/>
+          </a:p>
+          <a:p>
+            <a:pPr marL="457200" lvl="1" indent="0">
+              <a:buNone/>
+            </a:pPr>
+            <a:r>
+              <a:rPr lang="en-US" altLang="zh-CN" sz="1800" dirty="0" err="1"/>
+              <a:t>int</a:t>
+            </a:r>
+            <a:r>
+              <a:rPr lang="en-US" altLang="zh-CN" sz="1800" dirty="0"/>
+              <a:t>  open(</a:t>
+            </a:r>
+            <a:r>
+              <a:rPr lang="en-US" altLang="zh-CN" sz="1800" dirty="0" err="1"/>
+              <a:t>const</a:t>
+            </a:r>
+            <a:r>
+              <a:rPr lang="en-US" altLang="zh-CN" sz="1800" dirty="0"/>
+              <a:t> char *pathname, </a:t>
+            </a:r>
+            <a:r>
+              <a:rPr lang="en-US" altLang="zh-CN" sz="1800" dirty="0" err="1"/>
+              <a:t>int</a:t>
+            </a:r>
+            <a:r>
+              <a:rPr lang="en-US" altLang="zh-CN" sz="1800" dirty="0"/>
+              <a:t> flags, </a:t>
+            </a:r>
+            <a:r>
+              <a:rPr lang="en-US" altLang="zh-CN" sz="1800" dirty="0" err="1"/>
+              <a:t>mode_t</a:t>
+            </a:r>
+            <a:r>
+              <a:rPr lang="en-US" altLang="zh-CN" sz="1800" dirty="0"/>
+              <a:t> mode);</a:t>
+            </a:r>
+          </a:p>
+          <a:p>
+            <a:pPr marL="457200" lvl="1" indent="0">
+              <a:buNone/>
+            </a:pPr>
+            <a:r>
+              <a:rPr lang="zh-CN" altLang="en-US" sz="1800" dirty="0"/>
+              <a:t>参数依次为文件路径名称，标志位，模式。成功返回值为打开的文件描述符，错误返回</a:t>
+            </a:r>
+            <a:r>
+              <a:rPr lang="en-US" altLang="zh-CN" sz="1800" dirty="0"/>
+              <a:t>-1</a:t>
+            </a:r>
+            <a:r>
+              <a:rPr lang="zh-CN" altLang="en-US" sz="1800" dirty="0"/>
+              <a:t>。</a:t>
+            </a:r>
+            <a:endParaRPr lang="en-US" altLang="zh-CN" sz="1800" dirty="0"/>
+          </a:p>
+          <a:p>
+            <a:pPr marL="457200" lvl="1" indent="0">
+              <a:buNone/>
+            </a:pPr>
+            <a:r>
+              <a:rPr lang="en-US" altLang="zh-CN" sz="1800" dirty="0"/>
+              <a:t>flags</a:t>
+            </a:r>
+            <a:r>
+              <a:rPr lang="zh-CN" altLang="en-US" sz="1800" dirty="0"/>
+              <a:t>选项：</a:t>
+            </a:r>
+            <a:endParaRPr lang="en-US" altLang="zh-CN" sz="1800" dirty="0"/>
+          </a:p>
+          <a:p>
+            <a:pPr marL="914400" lvl="2" indent="0">
+              <a:buNone/>
+            </a:pPr>
+            <a:r>
+              <a:rPr lang="en-US" altLang="zh-CN" sz="1600" dirty="0"/>
+              <a:t>O_CREAT       </a:t>
+            </a:r>
+            <a:r>
+              <a:rPr lang="zh-CN" altLang="en-US" sz="1600" dirty="0"/>
+              <a:t>没有则创建文件</a:t>
+            </a:r>
+            <a:endParaRPr lang="en-US" altLang="zh-CN" sz="1600" dirty="0"/>
+          </a:p>
+          <a:p>
+            <a:pPr marL="914400" lvl="2" indent="0">
+              <a:buNone/>
+            </a:pPr>
+            <a:r>
+              <a:rPr lang="en-US" altLang="zh-CN" sz="1600" dirty="0"/>
+              <a:t>O_WRONLY   </a:t>
+            </a:r>
+            <a:r>
+              <a:rPr lang="zh-CN" altLang="en-US" sz="1600" dirty="0"/>
+              <a:t>写模式打开文件</a:t>
+            </a:r>
+            <a:endParaRPr lang="en-US" altLang="zh-CN" sz="1600" dirty="0"/>
+          </a:p>
+          <a:p>
+            <a:pPr marL="914400" lvl="2" indent="0">
+              <a:buNone/>
+            </a:pPr>
+            <a:r>
+              <a:rPr lang="en-US" altLang="zh-CN" sz="1600" dirty="0"/>
+              <a:t>O_RDONLY    </a:t>
+            </a:r>
+            <a:r>
+              <a:rPr lang="zh-CN" altLang="en-US" sz="1600" dirty="0"/>
+              <a:t>只读模式打开文件</a:t>
+            </a:r>
+            <a:endParaRPr lang="en-US" altLang="zh-CN" sz="1600" dirty="0"/>
+          </a:p>
+          <a:p>
+            <a:pPr marL="914400" lvl="2" indent="0">
+              <a:buNone/>
+            </a:pPr>
+            <a:r>
+              <a:rPr lang="en-US" altLang="zh-CN" sz="1600" dirty="0"/>
+              <a:t>O_RDWR        </a:t>
+            </a:r>
+            <a:r>
+              <a:rPr lang="zh-CN" altLang="en-US" sz="1600" dirty="0"/>
+              <a:t>读写方式打开</a:t>
+            </a:r>
+            <a:endParaRPr lang="en-US" altLang="zh-CN" sz="1600" dirty="0"/>
+          </a:p>
+          <a:p>
+            <a:pPr marL="914400" lvl="2" indent="0">
+              <a:buNone/>
+            </a:pPr>
+            <a:r>
+              <a:rPr lang="en-US" altLang="zh-CN" sz="1600" dirty="0"/>
+              <a:t>O_APPEND     </a:t>
+            </a:r>
+            <a:r>
+              <a:rPr lang="zh-CN" altLang="en-US" sz="1600" dirty="0"/>
+              <a:t>追加方式写入</a:t>
+            </a:r>
+            <a:endParaRPr lang="en-US" altLang="zh-CN" sz="1600" dirty="0"/>
+          </a:p>
+          <a:p>
+            <a:pPr marL="914400" lvl="2" indent="0">
+              <a:buNone/>
+            </a:pPr>
+            <a:r>
+              <a:rPr lang="en-US" altLang="zh-CN" sz="1600" dirty="0"/>
+              <a:t>······</a:t>
+            </a:r>
+          </a:p>
+          <a:p>
+            <a:pPr marL="457200" lvl="1" indent="0">
+              <a:buNone/>
+            </a:pPr>
+            <a:r>
+              <a:rPr lang="en-US" altLang="zh-CN" sz="1800" dirty="0"/>
+              <a:t>mode</a:t>
+            </a:r>
+            <a:r>
+              <a:rPr lang="zh-CN" altLang="en-US" sz="1800" dirty="0"/>
+              <a:t>选项：</a:t>
+            </a:r>
+            <a:endParaRPr lang="en-US" altLang="zh-CN" sz="1800" dirty="0"/>
+          </a:p>
+          <a:p>
+            <a:pPr marL="914400" lvl="2" indent="0">
+              <a:buNone/>
+            </a:pPr>
+            <a:r>
+              <a:rPr lang="en-US" altLang="zh-CN" sz="1600" dirty="0"/>
+              <a:t>S_IRWXU        </a:t>
+            </a:r>
+            <a:r>
+              <a:rPr lang="zh-CN" altLang="en-US" sz="1600" dirty="0"/>
+              <a:t>文件所有者具有可读，可写，可执行的权限</a:t>
+            </a:r>
+            <a:endParaRPr lang="en-US" altLang="zh-CN" sz="1600" dirty="0"/>
+          </a:p>
+          <a:p>
+            <a:pPr marL="914400" lvl="2" indent="0">
+              <a:buNone/>
+            </a:pPr>
+            <a:r>
+              <a:rPr lang="en-US" altLang="zh-CN" sz="1600" dirty="0"/>
+              <a:t>S_IRUSR         </a:t>
+            </a:r>
+            <a:r>
+              <a:rPr lang="zh-CN" altLang="en-US" sz="1600" dirty="0"/>
+              <a:t>文件所有者有可读权限</a:t>
+            </a:r>
+            <a:endParaRPr lang="en-US" altLang="zh-CN" sz="1600" dirty="0"/>
+          </a:p>
+          <a:p>
+            <a:pPr marL="914400" lvl="2" indent="0">
+              <a:buNone/>
+            </a:pPr>
+            <a:r>
+              <a:rPr lang="en-US" altLang="zh-CN" sz="1600" dirty="0"/>
+              <a:t>S_IWUSR        </a:t>
+            </a:r>
+            <a:r>
+              <a:rPr lang="zh-CN" altLang="en-US" sz="1600" dirty="0"/>
+              <a:t>文件所有者具有可写权限</a:t>
+            </a:r>
+            <a:endParaRPr lang="en-US" altLang="zh-CN" sz="1600" dirty="0"/>
+          </a:p>
+          <a:p>
+            <a:pPr marL="914400" lvl="2" indent="0">
+              <a:buNone/>
+            </a:pPr>
+            <a:r>
+              <a:rPr lang="en-US" altLang="zh-CN" sz="1600" dirty="0"/>
+              <a:t>······</a:t>
+            </a:r>
+          </a:p>
+          <a:p>
+            <a:r>
+              <a:rPr lang="en-US" altLang="zh-CN" sz="2000" dirty="0"/>
+              <a:t>man  2  open </a:t>
+            </a:r>
+            <a:r>
+              <a:rPr lang="zh-CN" altLang="en-US" sz="2000" dirty="0"/>
+              <a:t>可以查看详细的文档说明。</a:t>
+            </a:r>
+            <a:endParaRPr lang="en-US" altLang="zh-CN" sz="2000" dirty="0"/>
+          </a:p>
+          <a:p>
+            <a:endParaRPr lang="en-US" altLang="zh-CN" sz="2400" dirty="0"/>
+          </a:p>
+          <a:p>
+            <a:endParaRPr lang="en-US" altLang="zh-CN" sz="2400" dirty="0"/>
+          </a:p>
+        </p:txBody>
+      </p:sp>
+    </p:spTree>
+    <p:extLst>
+      <p:ext uri="{BB962C8B-B14F-4D97-AF65-F5344CB8AC3E}">
+        <p14:creationId xmlns:p14="http://schemas.microsoft.com/office/powerpoint/2010/main" val="4042724275"/>
+      </p:ext>
+    </p:extLst>
+  </p:cSld>
+  <p:clrMapOvr>
+    <a:masterClrMapping/>
+  </p:clrMapOvr>
+</p:sld>
+</file>
+
+<file path=ppt/slides/slide8.xml><?xml version="1.0" encoding="utf-8"?>
+<p:sld xmlns:a="http://schemas.openxmlformats.org/drawingml/2006/main" xmlns:r="http://schemas.openxmlformats.org/officeDocument/2006/relationships" xmlns:p="http://schemas.openxmlformats.org/presentationml/2006/main">
+  <p:cSld>
+    <p:spTree>
+      <p:nvGrpSpPr>
+        <p:cNvPr id="1" name=""/>
+        <p:cNvGrpSpPr/>
+        <p:nvPr/>
+      </p:nvGrpSpPr>
+      <p:grpSpPr>
+        <a:xfrm>
+          <a:off x="0" y="0"/>
+          <a:ext cx="0" cy="0"/>
+          <a:chOff x="0" y="0"/>
+          <a:chExt cx="0" cy="0"/>
+        </a:xfrm>
+      </p:grpSpPr>
+      <p:sp>
+        <p:nvSpPr>
+          <p:cNvPr id="4" name="标题 3">
+            <a:extLst>
+              <a:ext uri="{FF2B5EF4-FFF2-40B4-BE49-F238E27FC236}">
+                <a16:creationId xmlns:a16="http://schemas.microsoft.com/office/drawing/2014/main" id="{2729939D-814A-4BD2-9922-3F8EA865938B}"/>
+              </a:ext>
+            </a:extLst>
+          </p:cNvPr>
+          <p:cNvSpPr>
+            <a:spLocks noGrp="1"/>
+          </p:cNvSpPr>
+          <p:nvPr>
+            <p:ph type="title"/>
+          </p:nvPr>
+        </p:nvSpPr>
+        <p:spPr>
+          <a:xfrm>
+            <a:off x="838200" y="683581"/>
+            <a:ext cx="10515600" cy="736846"/>
+          </a:xfrm>
+        </p:spPr>
+        <p:txBody>
+          <a:bodyPr/>
+          <a:lstStyle/>
+          <a:p>
+            <a:r>
+              <a:rPr lang="en-US" altLang="zh-CN" dirty="0"/>
+              <a:t>write</a:t>
+            </a:r>
+            <a:r>
+              <a:rPr lang="zh-CN" altLang="en-US" dirty="0"/>
+              <a:t>函数</a:t>
+            </a:r>
+          </a:p>
+        </p:txBody>
+      </p:sp>
+      <p:sp>
+        <p:nvSpPr>
+          <p:cNvPr id="6" name="内容占位符 5">
+            <a:extLst>
+              <a:ext uri="{FF2B5EF4-FFF2-40B4-BE49-F238E27FC236}">
+                <a16:creationId xmlns:a16="http://schemas.microsoft.com/office/drawing/2014/main" id="{B83E9AD4-C606-4679-B884-01F71CC97E44}"/>
+              </a:ext>
+            </a:extLst>
+          </p:cNvPr>
+          <p:cNvSpPr>
+            <a:spLocks noGrp="1"/>
+          </p:cNvSpPr>
+          <p:nvPr>
+            <p:ph idx="1"/>
+          </p:nvPr>
+        </p:nvSpPr>
+        <p:spPr>
+          <a:xfrm>
+            <a:off x="838200" y="1656500"/>
+            <a:ext cx="10515600" cy="4850832"/>
+          </a:xfrm>
+        </p:spPr>
+        <p:txBody>
+          <a:bodyPr>
+            <a:normAutofit/>
+          </a:bodyPr>
+          <a:lstStyle/>
+          <a:p>
+            <a:r>
+              <a:rPr lang="en-US" altLang="zh-CN" sz="2000" dirty="0"/>
+              <a:t>write</a:t>
+            </a:r>
+            <a:r>
+              <a:rPr lang="zh-CN" altLang="en-US" sz="2000" dirty="0"/>
+              <a:t>函数向一个文件写入数据：</a:t>
+            </a:r>
+            <a:endParaRPr lang="en-US" altLang="zh-CN" sz="2000" dirty="0"/>
+          </a:p>
+          <a:p>
+            <a:pPr marL="457200" lvl="1" indent="0">
+              <a:buNone/>
+            </a:pPr>
+            <a:r>
+              <a:rPr lang="en-US" altLang="zh-CN" sz="1800" dirty="0" err="1"/>
+              <a:t>ssize_t</a:t>
+            </a:r>
+            <a:r>
+              <a:rPr lang="en-US" altLang="zh-CN" sz="1800" dirty="0"/>
+              <a:t>  write(</a:t>
+            </a:r>
+            <a:r>
+              <a:rPr lang="en-US" altLang="zh-CN" sz="1800" dirty="0" err="1"/>
+              <a:t>int</a:t>
+            </a:r>
+            <a:r>
+              <a:rPr lang="en-US" altLang="zh-CN" sz="1800" dirty="0"/>
+              <a:t> </a:t>
+            </a:r>
+            <a:r>
+              <a:rPr lang="en-US" altLang="zh-CN" sz="1800" dirty="0" err="1"/>
+              <a:t>fd</a:t>
+            </a:r>
+            <a:r>
+              <a:rPr lang="en-US" altLang="zh-CN" sz="1800" dirty="0"/>
+              <a:t>,  </a:t>
+            </a:r>
+            <a:r>
+              <a:rPr lang="en-US" altLang="zh-CN" sz="1800" dirty="0" err="1"/>
+              <a:t>const</a:t>
+            </a:r>
+            <a:r>
+              <a:rPr lang="en-US" altLang="zh-CN" sz="1800" dirty="0"/>
+              <a:t> void *</a:t>
+            </a:r>
+            <a:r>
+              <a:rPr lang="en-US" altLang="zh-CN" sz="1800" dirty="0" err="1"/>
+              <a:t>buf</a:t>
+            </a:r>
+            <a:r>
+              <a:rPr lang="en-US" altLang="zh-CN" sz="1800" dirty="0"/>
+              <a:t>, </a:t>
+            </a:r>
+            <a:r>
+              <a:rPr lang="en-US" altLang="zh-CN" sz="1800" dirty="0" err="1"/>
+              <a:t>int</a:t>
+            </a:r>
+            <a:r>
+              <a:rPr lang="en-US" altLang="zh-CN" sz="1800" dirty="0"/>
+              <a:t> count);</a:t>
+            </a:r>
+          </a:p>
+          <a:p>
+            <a:pPr marL="457200" lvl="1" indent="0">
+              <a:buNone/>
+            </a:pPr>
+            <a:r>
+              <a:rPr lang="zh-CN" altLang="en-US" sz="1800" dirty="0"/>
+              <a:t>参数依次为打开的文件描述符，指向数据的指针，要写入的字节数。</a:t>
+            </a:r>
+            <a:endParaRPr lang="en-US" altLang="zh-CN" sz="1800" dirty="0"/>
+          </a:p>
+          <a:p>
+            <a:pPr marL="457200" lvl="1" indent="0">
+              <a:buNone/>
+            </a:pPr>
+            <a:r>
+              <a:rPr lang="zh-CN" altLang="en-US" sz="1800" dirty="0"/>
+              <a:t>返回值是成功写入的字节数，错误则返回</a:t>
+            </a:r>
+            <a:r>
+              <a:rPr lang="en-US" altLang="zh-CN" sz="1800" dirty="0"/>
+              <a:t>-1</a:t>
+            </a:r>
+            <a:r>
+              <a:rPr lang="zh-CN" altLang="en-US" sz="1800" dirty="0"/>
+              <a:t>。</a:t>
+            </a:r>
+            <a:endParaRPr lang="en-US" altLang="zh-CN" sz="1800" dirty="0"/>
+          </a:p>
+          <a:p>
+            <a:pPr marL="457200" lvl="1" indent="0">
+              <a:buNone/>
+            </a:pPr>
+            <a:endParaRPr lang="en-US" altLang="zh-CN" sz="1800" dirty="0"/>
+          </a:p>
+          <a:p>
+            <a:r>
+              <a:rPr lang="zh-CN" altLang="en-US" sz="2000" dirty="0"/>
+              <a:t>在文件操作最后要记得使用</a:t>
+            </a:r>
+            <a:r>
+              <a:rPr lang="en-US" altLang="zh-CN" sz="2000" dirty="0"/>
+              <a:t>close</a:t>
+            </a:r>
+            <a:r>
+              <a:rPr lang="zh-CN" altLang="en-US" sz="2000" dirty="0"/>
+              <a:t>关闭打开的文件：</a:t>
+            </a:r>
+            <a:r>
+              <a:rPr lang="en-US" altLang="zh-CN" sz="2000" dirty="0" err="1"/>
+              <a:t>int</a:t>
+            </a:r>
+            <a:r>
+              <a:rPr lang="en-US" altLang="zh-CN" sz="2000" dirty="0"/>
+              <a:t> close(</a:t>
+            </a:r>
+            <a:r>
+              <a:rPr lang="en-US" altLang="zh-CN" sz="2000" dirty="0" err="1"/>
+              <a:t>int</a:t>
+            </a:r>
+            <a:r>
+              <a:rPr lang="en-US" altLang="zh-CN" sz="2000" dirty="0"/>
+              <a:t> </a:t>
+            </a:r>
+            <a:r>
+              <a:rPr lang="en-US" altLang="zh-CN" sz="2000" dirty="0" err="1"/>
+              <a:t>fd</a:t>
+            </a:r>
+            <a:r>
+              <a:rPr lang="en-US" altLang="zh-CN" sz="2000" dirty="0"/>
+              <a:t>); close</a:t>
+            </a:r>
+            <a:r>
+              <a:rPr lang="zh-CN" altLang="en-US" sz="2000" dirty="0"/>
+              <a:t>函数成功返回</a:t>
+            </a:r>
+            <a:r>
+              <a:rPr lang="en-US" altLang="zh-CN" sz="2000" dirty="0"/>
+              <a:t>0</a:t>
+            </a:r>
+            <a:r>
+              <a:rPr lang="zh-CN" altLang="en-US" sz="2000" dirty="0"/>
+              <a:t>，错误返回</a:t>
+            </a:r>
+            <a:r>
+              <a:rPr lang="en-US" altLang="zh-CN" sz="2000" dirty="0"/>
+              <a:t>-1</a:t>
+            </a:r>
+            <a:r>
+              <a:rPr lang="zh-CN" altLang="en-US" sz="2000" dirty="0"/>
+              <a:t>。</a:t>
+            </a:r>
+            <a:endParaRPr lang="en-US" altLang="zh-CN" sz="2000" dirty="0"/>
+          </a:p>
+          <a:p>
+            <a:endParaRPr lang="en-US" altLang="zh-CN" sz="2400" dirty="0"/>
+          </a:p>
+        </p:txBody>
+      </p:sp>
+    </p:spTree>
+    <p:extLst>
+      <p:ext uri="{BB962C8B-B14F-4D97-AF65-F5344CB8AC3E}">
+        <p14:creationId xmlns:p14="http://schemas.microsoft.com/office/powerpoint/2010/main" val="487417295"/>
+      </p:ext>
+    </p:extLst>
+  </p:cSld>
+  <p:clrMapOvr>
+    <a:masterClrMapping/>
+  </p:clrMapOvr>
+</p:sld>
+</file>
+
+<file path=ppt/slides/slide9.xml><?xml version="1.0" encoding="utf-8"?>
+<p:sld xmlns:a="http://schemas.openxmlformats.org/drawingml/2006/main" xmlns:r="http://schemas.openxmlformats.org/officeDocument/2006/relationships" xmlns:p="http://schemas.openxmlformats.org/presentationml/2006/main">
+  <p:cSld>
+    <p:spTree>
+      <p:nvGrpSpPr>
+        <p:cNvPr id="1" name=""/>
+        <p:cNvGrpSpPr/>
+        <p:nvPr/>
+      </p:nvGrpSpPr>
+      <p:grpSpPr>
+        <a:xfrm>
+          <a:off x="0" y="0"/>
+          <a:ext cx="0" cy="0"/>
+          <a:chOff x="0" y="0"/>
+          <a:chExt cx="0" cy="0"/>
+        </a:xfrm>
+      </p:grpSpPr>
+      <p:sp>
+        <p:nvSpPr>
+          <p:cNvPr id="4" name="标题 3">
+            <a:extLst>
+              <a:ext uri="{FF2B5EF4-FFF2-40B4-BE49-F238E27FC236}">
+                <a16:creationId xmlns:a16="http://schemas.microsoft.com/office/drawing/2014/main" id="{2729939D-814A-4BD2-9922-3F8EA865938B}"/>
+              </a:ext>
+            </a:extLst>
+          </p:cNvPr>
+          <p:cNvSpPr>
+            <a:spLocks noGrp="1"/>
+          </p:cNvSpPr>
+          <p:nvPr>
+            <p:ph type="title"/>
+          </p:nvPr>
+        </p:nvSpPr>
+        <p:spPr>
+          <a:xfrm>
+            <a:off x="838200" y="683581"/>
+            <a:ext cx="10515600" cy="736846"/>
+          </a:xfrm>
+        </p:spPr>
+        <p:txBody>
+          <a:bodyPr/>
+          <a:lstStyle/>
+          <a:p>
+            <a:r>
+              <a:rPr lang="en-US" altLang="zh-CN" dirty="0"/>
+              <a:t>IO</a:t>
+            </a:r>
+            <a:r>
+              <a:rPr lang="zh-CN" altLang="en-US" dirty="0"/>
+              <a:t>重定向</a:t>
+            </a:r>
+          </a:p>
+        </p:txBody>
+      </p:sp>
+      <p:sp>
+        <p:nvSpPr>
+          <p:cNvPr id="6" name="内容占位符 5">
+            <a:extLst>
+              <a:ext uri="{FF2B5EF4-FFF2-40B4-BE49-F238E27FC236}">
+                <a16:creationId xmlns:a16="http://schemas.microsoft.com/office/drawing/2014/main" id="{B83E9AD4-C606-4679-B884-01F71CC97E44}"/>
+              </a:ext>
+            </a:extLst>
+          </p:cNvPr>
+          <p:cNvSpPr>
+            <a:spLocks noGrp="1"/>
+          </p:cNvSpPr>
+          <p:nvPr>
+            <p:ph idx="1"/>
+          </p:nvPr>
+        </p:nvSpPr>
+        <p:spPr>
+          <a:xfrm>
+            <a:off x="838200" y="1656500"/>
+            <a:ext cx="10515600" cy="4850832"/>
+          </a:xfrm>
+        </p:spPr>
+        <p:txBody>
+          <a:bodyPr>
+            <a:normAutofit/>
+          </a:bodyPr>
+          <a:lstStyle/>
+          <a:p>
+            <a:r>
+              <a:rPr lang="en-US" altLang="zh-CN" sz="2000" dirty="0"/>
+              <a:t>IO</a:t>
+            </a:r>
+            <a:r>
+              <a:rPr lang="zh-CN" altLang="en-US" sz="2000" dirty="0"/>
+              <a:t>重定向基于这样一个设计原则：最低可用文件描述符（</a:t>
+            </a:r>
+            <a:r>
+              <a:rPr lang="en-US" altLang="zh-CN" sz="2000" dirty="0"/>
+              <a:t>Lowest Available </a:t>
+            </a:r>
+            <a:r>
+              <a:rPr lang="en-US" altLang="zh-CN" sz="2000" dirty="0" err="1"/>
+              <a:t>fd</a:t>
+            </a:r>
+            <a:r>
+              <a:rPr lang="zh-CN" altLang="en-US" sz="2000" dirty="0"/>
+              <a:t>）原则。</a:t>
+            </a:r>
+            <a:endParaRPr lang="en-US" altLang="zh-CN" sz="2000" dirty="0"/>
+          </a:p>
+          <a:p>
+            <a:endParaRPr lang="en-US" altLang="zh-CN" sz="2000" dirty="0"/>
+          </a:p>
+          <a:p>
+            <a:r>
+              <a:rPr lang="zh-CN" altLang="en-US" sz="2000" dirty="0"/>
+              <a:t>文件描述符是一个数组索引号，每个进程都有一组打开的文件，这些打开的文件信息保存在一个数组中，文件描述符就是数组的索引号。</a:t>
+            </a:r>
+            <a:endParaRPr lang="en-US" altLang="zh-CN" sz="2000" dirty="0"/>
+          </a:p>
+          <a:p>
+            <a:endParaRPr lang="en-US" altLang="zh-CN" sz="2000" dirty="0"/>
+          </a:p>
+          <a:p>
+            <a:r>
+              <a:rPr lang="zh-CN" altLang="en-US" sz="2000" dirty="0"/>
+              <a:t>在打开文件时，分配的描述符总是数组中最低可用的索引位置（索引数字最小的位置）。</a:t>
+            </a:r>
+            <a:endParaRPr lang="en-US" altLang="zh-CN" sz="2000" dirty="0"/>
+          </a:p>
+          <a:p>
+            <a:endParaRPr lang="en-US" altLang="zh-CN" sz="2000" dirty="0"/>
+          </a:p>
+          <a:p>
+            <a:r>
+              <a:rPr lang="zh-CN" altLang="en-US" sz="2000" dirty="0"/>
+              <a:t>在</a:t>
+            </a:r>
+            <a:r>
+              <a:rPr lang="en-US" altLang="zh-CN" sz="2000" dirty="0"/>
+              <a:t>Linux</a:t>
+            </a:r>
+            <a:r>
+              <a:rPr lang="zh-CN" altLang="en-US" sz="2000" dirty="0"/>
+              <a:t>上，使用</a:t>
+            </a:r>
+            <a:r>
+              <a:rPr lang="en-US" altLang="zh-CN" sz="2000" dirty="0"/>
+              <a:t>0</a:t>
+            </a:r>
+            <a:r>
+              <a:rPr lang="zh-CN" altLang="en-US" sz="2000" dirty="0"/>
+              <a:t>，</a:t>
+            </a:r>
+            <a:r>
+              <a:rPr lang="en-US" altLang="zh-CN" sz="2000" dirty="0"/>
+              <a:t>1</a:t>
+            </a:r>
+            <a:r>
+              <a:rPr lang="zh-CN" altLang="en-US" sz="2000" dirty="0"/>
+              <a:t>，</a:t>
+            </a:r>
+            <a:r>
+              <a:rPr lang="en-US" altLang="zh-CN" sz="2000" dirty="0"/>
+              <a:t>2</a:t>
+            </a:r>
+            <a:r>
+              <a:rPr lang="zh-CN" altLang="en-US" sz="2000" dirty="0"/>
+              <a:t>作为程序的标准输入，标准输出，标准错误输出。而如果关闭描述符</a:t>
+            </a:r>
+            <a:r>
+              <a:rPr lang="en-US" altLang="zh-CN" sz="2000" dirty="0"/>
+              <a:t>1</a:t>
+            </a:r>
+            <a:r>
+              <a:rPr lang="zh-CN" altLang="en-US" sz="2000" dirty="0"/>
+              <a:t>，然后打开其他文件，这样文件就被分配了文件描述符</a:t>
+            </a:r>
+            <a:r>
+              <a:rPr lang="en-US" altLang="zh-CN" sz="2000" dirty="0"/>
+              <a:t>1</a:t>
+            </a:r>
+            <a:r>
+              <a:rPr lang="zh-CN" altLang="en-US" sz="2000" dirty="0"/>
+              <a:t>，于是标准输出就会写入到新打开的文件。这就是</a:t>
+            </a:r>
+            <a:r>
+              <a:rPr lang="en-US" altLang="zh-CN" sz="2000" dirty="0"/>
+              <a:t>IO</a:t>
+            </a:r>
+            <a:r>
+              <a:rPr lang="zh-CN" altLang="en-US" sz="2000" dirty="0"/>
+              <a:t>重定向。</a:t>
+            </a:r>
+            <a:endParaRPr lang="en-US" altLang="zh-CN" sz="2000" dirty="0"/>
+          </a:p>
+        </p:txBody>
+      </p:sp>
+    </p:spTree>
+    <p:extLst>
+      <p:ext uri="{BB962C8B-B14F-4D97-AF65-F5344CB8AC3E}">
+        <p14:creationId xmlns:p14="http://schemas.microsoft.com/office/powerpoint/2010/main" val="776438022"/>
       </p:ext>
     </p:extLst>
   </p:cSld>
@@ -8524,4 +11210,299 @@
     </a:ext>
   </a:extLst>
 </a:theme>
+</file>
+
+<file path=ppt/theme/theme3.xml><?xml version="1.0" encoding="utf-8"?>
+<a:theme xmlns:a="http://schemas.openxmlformats.org/drawingml/2006/main" name="Office 主题​​">
+  <a:themeElements>
+    <a:clrScheme name="Office">
+      <a:dk1>
+        <a:sysClr val="windowText" lastClr="000000"/>
+      </a:dk1>
+      <a:lt1>
+        <a:sysClr val="window" lastClr="FFFFFF"/>
+      </a:lt1>
+      <a:dk2>
+        <a:srgbClr val="44546A"/>
+      </a:dk2>
+      <a:lt2>
+        <a:srgbClr val="E7E6E6"/>
+      </a:lt2>
+      <a:accent1>
+        <a:srgbClr val="4472C4"/>
+      </a:accent1>
+      <a:accent2>
+        <a:srgbClr val="ED7D31"/>
+      </a:accent2>
+      <a:accent3>
+        <a:srgbClr val="A5A5A5"/>
+      </a:accent3>
+      <a:accent4>
+        <a:srgbClr val="FFC000"/>
+      </a:accent4>
+      <a:accent5>
+        <a:srgbClr val="5B9BD5"/>
+      </a:accent5>
+      <a:accent6>
+        <a:srgbClr val="70AD47"/>
+      </a:accent6>
+      <a:hlink>
+        <a:srgbClr val="0563C1"/>
+      </a:hlink>
+      <a:folHlink>
+        <a:srgbClr val="954F72"/>
+      </a:folHlink>
+    </a:clrScheme>
+    <a:fontScheme name="Office">
+      <a:majorFont>
+        <a:latin typeface="等线 Light" panose="020F0302020204030204"/>
+        <a:ea typeface=""/>
+        <a:cs typeface=""/>
+        <a:font script="Jpan" typeface="游ゴシック Light"/>
+        <a:font script="Hang" typeface="맑은 고딕"/>
+        <a:font script="Hans" typeface="等线 Light"/>
+        <a:font script="Hant" typeface="新細明體"/>
+        <a:font script="Arab" typeface="Times New Roman"/>
+        <a:font script="Hebr" typeface="Times New Roman"/>
+        <a:font script="Thai" typeface="Angsana New"/>
+        <a:font script="Ethi" typeface="Nyala"/>
+        <a:font script="Beng" typeface="Vrinda"/>
+        <a:font script="Gujr" typeface="Shruti"/>
+        <a:font script="Khmr" typeface="MoolBoran"/>
+        <a:font script="Knda" typeface="Tunga"/>
+        <a:font script="Guru" typeface="Raavi"/>
+        <a:font script="Cans" typeface="Euphemia"/>
+        <a:font script="Cher" typeface="Plantagenet Cherokee"/>
+        <a:font script="Yiii" typeface="Microsoft Yi Baiti"/>
+        <a:font script="Tibt" typeface="Microsoft Himalaya"/>
+        <a:font script="Thaa" typeface="MV Boli"/>
+        <a:font script="Deva" typeface="Mangal"/>
+        <a:font script="Telu" typeface="Gautami"/>
+        <a:font script="Taml" typeface="Latha"/>
+        <a:font script="Syrc" typeface="Estrangelo Edessa"/>
+        <a:font script="Orya" typeface="Kalinga"/>
+        <a:font script="Mlym" typeface="Kartika"/>
+        <a:font script="Laoo" typeface="DokChampa"/>
+        <a:font script="Sinh" typeface="Iskoola Pota"/>
+        <a:font script="Mong" typeface="Mongolian Baiti"/>
+        <a:font script="Viet" typeface="Times New Roman"/>
+        <a:font script="Uigh" typeface="Microsoft Uighur"/>
+        <a:font script="Geor" typeface="Sylfaen"/>
+        <a:font script="Armn" typeface="Arial"/>
+        <a:font script="Bugi" typeface="Leelawadee UI"/>
+        <a:font script="Bopo" typeface="Microsoft JhengHei"/>
+        <a:font script="Java" typeface="Javanese Text"/>
+        <a:font script="Lisu" typeface="Segoe UI"/>
+        <a:font script="Mymr" typeface="Myanmar Text"/>
+        <a:font script="Nkoo" typeface="Ebrima"/>
+        <a:font script="Olck" typeface="Nirmala UI"/>
+        <a:font script="Osma" typeface="Ebrima"/>
+        <a:font script="Phag" typeface="Phagspa"/>
+        <a:font script="Syrn" typeface="Estrangelo Edessa"/>
+        <a:font script="Syrj" typeface="Estrangelo Edessa"/>
+        <a:font script="Syre" typeface="Estrangelo Edessa"/>
+        <a:font script="Sora" typeface="Nirmala UI"/>
+        <a:font script="Tale" typeface="Microsoft Tai Le"/>
+        <a:font script="Talu" typeface="Microsoft New Tai Lue"/>
+        <a:font script="Tfng" typeface="Ebrima"/>
+      </a:majorFont>
+      <a:minorFont>
+        <a:latin typeface="等线" panose="020F0502020204030204"/>
+        <a:ea typeface=""/>
+        <a:cs typeface=""/>
+        <a:font script="Jpan" typeface="游ゴシック"/>
+        <a:font script="Hang" typeface="맑은 고딕"/>
+        <a:font script="Hans" typeface="等线"/>
+        <a:font script="Hant" typeface="新細明體"/>
+        <a:font script="Arab" typeface="Arial"/>
+        <a:font script="Hebr" typeface="Arial"/>
+        <a:font script="Thai" typeface="Cordia New"/>
+        <a:font script="Ethi" typeface="Nyala"/>
+        <a:font script="Beng" typeface="Vrinda"/>
+        <a:font script="Gujr" typeface="Shruti"/>
+        <a:font script="Khmr" typeface="DaunPenh"/>
+        <a:font script="Knda" typeface="Tunga"/>
+        <a:font script="Guru" typeface="Raavi"/>
+        <a:font script="Cans" typeface="Euphemia"/>
+        <a:font script="Cher" typeface="Plantagenet Cherokee"/>
+        <a:font script="Yiii" typeface="Microsoft Yi Baiti"/>
+        <a:font script="Tibt" typeface="Microsoft Himalaya"/>
+        <a:font script="Thaa" typeface="MV Boli"/>
+        <a:font script="Deva" typeface="Mangal"/>
+        <a:font script="Telu" typeface="Gautami"/>
+        <a:font script="Taml" typeface="Latha"/>
+        <a:font script="Syrc" typeface="Estrangelo Edessa"/>
+        <a:font script="Orya" typeface="Kalinga"/>
+        <a:font script="Mlym" typeface="Kartika"/>
+        <a:font script="Laoo" typeface="DokChampa"/>
+        <a:font script="Sinh" typeface="Iskoola Pota"/>
+        <a:font script="Mong" typeface="Mongolian Baiti"/>
+        <a:font script="Viet" typeface="Arial"/>
+        <a:font script="Uigh" typeface="Microsoft Uighur"/>
+        <a:font script="Geor" typeface="Sylfaen"/>
+        <a:font script="Armn" typeface="Arial"/>
+        <a:font script="Bugi" typeface="Leelawadee UI"/>
+        <a:font script="Bopo" typeface="Microsoft JhengHei"/>
+        <a:font script="Java" typeface="Javanese Text"/>
+        <a:font script="Lisu" typeface="Segoe UI"/>
+        <a:font script="Mymr" typeface="Myanmar Text"/>
+        <a:font script="Nkoo" typeface="Ebrima"/>
+        <a:font script="Olck" typeface="Nirmala UI"/>
+        <a:font script="Osma" typeface="Ebrima"/>
+        <a:font script="Phag" typeface="Phagspa"/>
+        <a:font script="Syrn" typeface="Estrangelo Edessa"/>
+        <a:font script="Syrj" typeface="Estrangelo Edessa"/>
+        <a:font script="Syre" typeface="Estrangelo Edessa"/>
+        <a:font script="Sora" typeface="Nirmala UI"/>
+        <a:font script="Tale" typeface="Microsoft Tai Le"/>
+        <a:font script="Talu" typeface="Microsoft New Tai Lue"/>
+        <a:font script="Tfng" typeface="Ebrima"/>
+      </a:minorFont>
+    </a:fontScheme>
+    <a:fmtScheme name="Office">
+      <a:fillStyleLst>
+        <a:solidFill>
+          <a:schemeClr val="phClr"/>
+        </a:solidFill>
+        <a:gradFill rotWithShape="1">
+          <a:gsLst>
+            <a:gs pos="0">
+              <a:schemeClr val="phClr">
+                <a:lumMod val="110000"/>
+                <a:satMod val="105000"/>
+                <a:tint val="67000"/>
+              </a:schemeClr>
+            </a:gs>
+            <a:gs pos="50000">
+              <a:schemeClr val="phClr">
+                <a:lumMod val="105000"/>
+                <a:satMod val="103000"/>
+                <a:tint val="73000"/>
+              </a:schemeClr>
+            </a:gs>
+            <a:gs pos="100000">
+              <a:schemeClr val="phClr">
+                <a:lumMod val="105000"/>
+                <a:satMod val="109000"/>
+                <a:tint val="81000"/>
+              </a:schemeClr>
+            </a:gs>
+          </a:gsLst>
+          <a:lin ang="5400000" scaled="0"/>
+        </a:gradFill>
+        <a:gradFill rotWithShape="1">
+          <a:gsLst>
+            <a:gs pos="0">
+              <a:schemeClr val="phClr">
+                <a:satMod val="103000"/>
+                <a:lumMod val="102000"/>
+                <a:tint val="94000"/>
+              </a:schemeClr>
+            </a:gs>
+            <a:gs pos="50000">
+              <a:schemeClr val="phClr">
+                <a:satMod val="110000"/>
+                <a:lumMod val="100000"/>
+                <a:shade val="100000"/>
+              </a:schemeClr>
+            </a:gs>
+            <a:gs pos="100000">
+              <a:schemeClr val="phClr">
+                <a:lumMod val="99000"/>
+                <a:satMod val="120000"/>
+                <a:shade val="78000"/>
+              </a:schemeClr>
+            </a:gs>
+          </a:gsLst>
+          <a:lin ang="5400000" scaled="0"/>
+        </a:gradFill>
+      </a:fillStyleLst>
+      <a:lnStyleLst>
+        <a:ln w="6350" cap="flat" cmpd="sng" algn="ctr">
+          <a:solidFill>
+            <a:schemeClr val="phClr"/>
+          </a:solidFill>
+          <a:prstDash val="solid"/>
+          <a:miter lim="800000"/>
+        </a:ln>
+        <a:ln w="12700" cap="flat" cmpd="sng" algn="ctr">
+          <a:solidFill>
+            <a:schemeClr val="phClr"/>
+          </a:solidFill>
+          <a:prstDash val="solid"/>
+          <a:miter lim="800000"/>
+        </a:ln>
+        <a:ln w="19050" cap="flat" cmpd="sng" algn="ctr">
+          <a:solidFill>
+            <a:schemeClr val="phClr"/>
+          </a:solidFill>
+          <a:prstDash val="solid"/>
+          <a:miter lim="800000"/>
+        </a:ln>
+      </a:lnStyleLst>
+      <a:effectStyleLst>
+        <a:effectStyle>
+          <a:effectLst/>
+        </a:effectStyle>
+        <a:effectStyle>
+          <a:effectLst/>
+        </a:effectStyle>
+        <a:effectStyle>
+          <a:effectLst>
+            <a:outerShdw blurRad="57150" dist="19050" dir="5400000" algn="ctr" rotWithShape="0">
+              <a:srgbClr val="000000">
+                <a:alpha val="63000"/>
+              </a:srgbClr>
+            </a:outerShdw>
+          </a:effectLst>
+        </a:effectStyle>
+      </a:effectStyleLst>
+      <a:bgFillStyleLst>
+        <a:solidFill>
+          <a:schemeClr val="phClr"/>
+        </a:solidFill>
+        <a:solidFill>
+          <a:schemeClr val="phClr">
+            <a:tint val="95000"/>
+            <a:satMod val="170000"/>
+          </a:schemeClr>
+        </a:solidFill>
+        <a:gradFill rotWithShape="1">
+          <a:gsLst>
+            <a:gs pos="0">
+              <a:schemeClr val="phClr">
+                <a:tint val="93000"/>
+                <a:satMod val="150000"/>
+                <a:shade val="98000"/>
+                <a:lumMod val="102000"/>
+              </a:schemeClr>
+            </a:gs>
+            <a:gs pos="50000">
+              <a:schemeClr val="phClr">
+                <a:tint val="98000"/>
+                <a:satMod val="130000"/>
+                <a:shade val="90000"/>
+                <a:lumMod val="103000"/>
+              </a:schemeClr>
+            </a:gs>
+            <a:gs pos="100000">
+              <a:schemeClr val="phClr">
+                <a:shade val="63000"/>
+                <a:satMod val="120000"/>
+              </a:schemeClr>
+            </a:gs>
+          </a:gsLst>
+          <a:lin ang="5400000" scaled="0"/>
+        </a:gradFill>
+      </a:bgFillStyleLst>
+    </a:fmtScheme>
+  </a:themeElements>
+  <a:objectDefaults/>
+  <a:extraClrSchemeLst/>
+  <a:extLst>
+    <a:ext uri="{05A4C25C-085E-4340-85A3-A5531E510DB2}">
+      <thm15:themeFamily xmlns:thm15="http://schemas.microsoft.com/office/thememl/2012/main" name="Office Theme" id="{62F939B6-93AF-4DB8-9C6B-D6C7DFDC589F}" vid="{4A3C46E8-61CC-4603-A589-7422A47A8E4A}"/>
+    </a:ext>
+  </a:extLst>
+</a:theme>
 </file>
--- a/materials/slides/ch16-linux-system-programming.pptx
+++ b/materials/slides/ch16-linux-system-programming.pptx
@@ -207,7 +207,7 @@
           <a:p>
             <a:fld id="{34749B9C-DA28-41D1-8DCF-FC20D5A04C02}" type="datetimeFigureOut">
               <a:rPr lang="zh-CN" altLang="en-US" smtClean="0"/>
-              <a:t>2018/2/25</a:t>
+              <a:t>2018/2/26</a:t>
             </a:fld>
             <a:endParaRPr lang="zh-CN" altLang="en-US"/>
           </a:p>
@@ -1385,7 +1385,7 @@
           <a:p>
             <a:fld id="{02E60DA2-A0BC-48C9-AA88-75C78721B420}" type="datetimeFigureOut">
               <a:rPr lang="zh-CN" altLang="en-US" smtClean="0"/>
-              <a:t>2018/2/25</a:t>
+              <a:t>2018/2/26</a:t>
             </a:fld>
             <a:endParaRPr lang="zh-CN" altLang="en-US"/>
           </a:p>
@@ -1607,7 +1607,7 @@
           <a:p>
             <a:fld id="{02E60DA2-A0BC-48C9-AA88-75C78721B420}" type="datetimeFigureOut">
               <a:rPr lang="zh-CN" altLang="en-US" smtClean="0"/>
-              <a:t>2018/2/25</a:t>
+              <a:t>2018/2/26</a:t>
             </a:fld>
             <a:endParaRPr lang="zh-CN" altLang="en-US"/>
           </a:p>
@@ -1839,7 +1839,7 @@
           <a:p>
             <a:fld id="{02E60DA2-A0BC-48C9-AA88-75C78721B420}" type="datetimeFigureOut">
               <a:rPr lang="zh-CN" altLang="en-US" smtClean="0"/>
-              <a:t>2018/2/25</a:t>
+              <a:t>2018/2/26</a:t>
             </a:fld>
             <a:endParaRPr lang="zh-CN" altLang="en-US"/>
           </a:p>
@@ -2089,7 +2089,7 @@
           <a:p>
             <a:fld id="{02E60DA2-A0BC-48C9-AA88-75C78721B420}" type="datetimeFigureOut">
               <a:rPr lang="zh-CN" altLang="en-US" smtClean="0"/>
-              <a:t>2018/2/25</a:t>
+              <a:t>2018/2/26</a:t>
             </a:fld>
             <a:endParaRPr lang="zh-CN" altLang="en-US"/>
           </a:p>
@@ -2327,7 +2327,7 @@
           <a:p>
             <a:fld id="{02E60DA2-A0BC-48C9-AA88-75C78721B420}" type="datetimeFigureOut">
               <a:rPr lang="zh-CN" altLang="en-US" smtClean="0"/>
-              <a:t>2018/2/25</a:t>
+              <a:t>2018/2/26</a:t>
             </a:fld>
             <a:endParaRPr lang="zh-CN" altLang="en-US"/>
           </a:p>
@@ -2673,7 +2673,7 @@
           <a:p>
             <a:fld id="{02E60DA2-A0BC-48C9-AA88-75C78721B420}" type="datetimeFigureOut">
               <a:rPr lang="zh-CN" altLang="en-US" smtClean="0"/>
-              <a:t>2018/2/25</a:t>
+              <a:t>2018/2/26</a:t>
             </a:fld>
             <a:endParaRPr lang="zh-CN" altLang="en-US"/>
           </a:p>
@@ -2976,7 +2976,7 @@
           <a:p>
             <a:fld id="{02E60DA2-A0BC-48C9-AA88-75C78721B420}" type="datetimeFigureOut">
               <a:rPr lang="zh-CN" altLang="en-US" smtClean="0"/>
-              <a:t>2018/2/25</a:t>
+              <a:t>2018/2/26</a:t>
             </a:fld>
             <a:endParaRPr lang="zh-CN" altLang="en-US"/>
           </a:p>
@@ -3427,7 +3427,7 @@
           <a:p>
             <a:fld id="{02E60DA2-A0BC-48C9-AA88-75C78721B420}" type="datetimeFigureOut">
               <a:rPr lang="zh-CN" altLang="en-US" smtClean="0"/>
-              <a:t>2018/2/25</a:t>
+              <a:t>2018/2/26</a:t>
             </a:fld>
             <a:endParaRPr lang="zh-CN" altLang="en-US"/>
           </a:p>
@@ -3600,7 +3600,7 @@
           <a:p>
             <a:fld id="{02E60DA2-A0BC-48C9-AA88-75C78721B420}" type="datetimeFigureOut">
               <a:rPr lang="zh-CN" altLang="en-US" smtClean="0"/>
-              <a:t>2018/2/25</a:t>
+              <a:t>2018/2/26</a:t>
             </a:fld>
             <a:endParaRPr lang="zh-CN" altLang="en-US"/>
           </a:p>
@@ -3737,7 +3737,7 @@
           <a:p>
             <a:fld id="{02E60DA2-A0BC-48C9-AA88-75C78721B420}" type="datetimeFigureOut">
               <a:rPr lang="zh-CN" altLang="en-US" smtClean="0"/>
-              <a:t>2018/2/25</a:t>
+              <a:t>2018/2/26</a:t>
             </a:fld>
             <a:endParaRPr lang="zh-CN" altLang="en-US"/>
           </a:p>
@@ -4081,7 +4081,7 @@
           <a:p>
             <a:fld id="{02E60DA2-A0BC-48C9-AA88-75C78721B420}" type="datetimeFigureOut">
               <a:rPr lang="zh-CN" altLang="en-US" smtClean="0"/>
-              <a:t>2018/2/25</a:t>
+              <a:t>2018/2/26</a:t>
             </a:fld>
             <a:endParaRPr lang="zh-CN" altLang="en-US"/>
           </a:p>
@@ -4303,7 +4303,7 @@
           <a:p>
             <a:fld id="{02E60DA2-A0BC-48C9-AA88-75C78721B420}" type="datetimeFigureOut">
               <a:rPr lang="zh-CN" altLang="en-US" smtClean="0"/>
-              <a:t>2018/2/25</a:t>
+              <a:t>2018/2/26</a:t>
             </a:fld>
             <a:endParaRPr lang="zh-CN" altLang="en-US"/>
           </a:p>
@@ -4624,7 +4624,7 @@
           <a:p>
             <a:fld id="{02E60DA2-A0BC-48C9-AA88-75C78721B420}" type="datetimeFigureOut">
               <a:rPr lang="zh-CN" altLang="en-US" smtClean="0"/>
-              <a:t>2018/2/25</a:t>
+              <a:t>2018/2/26</a:t>
             </a:fld>
             <a:endParaRPr lang="zh-CN" altLang="en-US"/>
           </a:p>
@@ -4862,7 +4862,7 @@
           <a:p>
             <a:fld id="{02E60DA2-A0BC-48C9-AA88-75C78721B420}" type="datetimeFigureOut">
               <a:rPr lang="zh-CN" altLang="en-US" smtClean="0"/>
-              <a:t>2018/2/25</a:t>
+              <a:t>2018/2/26</a:t>
             </a:fld>
             <a:endParaRPr lang="zh-CN" altLang="en-US"/>
           </a:p>
@@ -5100,7 +5100,7 @@
           <a:p>
             <a:fld id="{02E60DA2-A0BC-48C9-AA88-75C78721B420}" type="datetimeFigureOut">
               <a:rPr lang="zh-CN" altLang="en-US" smtClean="0"/>
-              <a:t>2018/2/25</a:t>
+              <a:t>2018/2/26</a:t>
             </a:fld>
             <a:endParaRPr lang="zh-CN" altLang="en-US"/>
           </a:p>
@@ -5399,7 +5399,7 @@
           <a:p>
             <a:fld id="{02E60DA2-A0BC-48C9-AA88-75C78721B420}" type="datetimeFigureOut">
               <a:rPr lang="zh-CN" altLang="en-US" smtClean="0"/>
-              <a:t>2018/2/25</a:t>
+              <a:t>2018/2/26</a:t>
             </a:fld>
             <a:endParaRPr lang="zh-CN" altLang="en-US"/>
           </a:p>
@@ -5688,7 +5688,7 @@
           <a:p>
             <a:fld id="{02E60DA2-A0BC-48C9-AA88-75C78721B420}" type="datetimeFigureOut">
               <a:rPr lang="zh-CN" altLang="en-US" smtClean="0"/>
-              <a:t>2018/2/25</a:t>
+              <a:t>2018/2/26</a:t>
             </a:fld>
             <a:endParaRPr lang="zh-CN" altLang="en-US"/>
           </a:p>
@@ -6124,7 +6124,7 @@
           <a:p>
             <a:fld id="{02E60DA2-A0BC-48C9-AA88-75C78721B420}" type="datetimeFigureOut">
               <a:rPr lang="zh-CN" altLang="en-US" smtClean="0"/>
-              <a:t>2018/2/25</a:t>
+              <a:t>2018/2/26</a:t>
             </a:fld>
             <a:endParaRPr lang="zh-CN" altLang="en-US"/>
           </a:p>
@@ -6289,7 +6289,7 @@
           <a:p>
             <a:fld id="{02E60DA2-A0BC-48C9-AA88-75C78721B420}" type="datetimeFigureOut">
               <a:rPr lang="zh-CN" altLang="en-US" smtClean="0"/>
-              <a:t>2018/2/25</a:t>
+              <a:t>2018/2/26</a:t>
             </a:fld>
             <a:endParaRPr lang="zh-CN" altLang="en-US"/>
           </a:p>
@@ -6426,7 +6426,7 @@
           <a:p>
             <a:fld id="{02E60DA2-A0BC-48C9-AA88-75C78721B420}" type="datetimeFigureOut">
               <a:rPr lang="zh-CN" altLang="en-US" smtClean="0"/>
-              <a:t>2018/2/25</a:t>
+              <a:t>2018/2/26</a:t>
             </a:fld>
             <a:endParaRPr lang="zh-CN" altLang="en-US"/>
           </a:p>
@@ -6761,7 +6761,7 @@
           <a:p>
             <a:fld id="{02E60DA2-A0BC-48C9-AA88-75C78721B420}" type="datetimeFigureOut">
               <a:rPr lang="zh-CN" altLang="en-US" smtClean="0"/>
-              <a:t>2018/2/25</a:t>
+              <a:t>2018/2/26</a:t>
             </a:fld>
             <a:endParaRPr lang="zh-CN" altLang="en-US"/>
           </a:p>
@@ -7073,7 +7073,7 @@
           <a:p>
             <a:fld id="{02E60DA2-A0BC-48C9-AA88-75C78721B420}" type="datetimeFigureOut">
               <a:rPr lang="zh-CN" altLang="en-US" smtClean="0"/>
-              <a:t>2018/2/25</a:t>
+              <a:t>2018/2/26</a:t>
             </a:fld>
             <a:endParaRPr lang="zh-CN" altLang="en-US"/>
           </a:p>
@@ -8699,19 +8699,15 @@
             </a:r>
             <a:r>
               <a:rPr lang="en-US" altLang="zh-CN" sz="2000" dirty="0"/>
-              <a:t>man  3  [c function name] </a:t>
+              <a:t>man  </a:t>
+            </a:r>
+            <a:r>
+              <a:rPr lang="en-US" altLang="zh-CN" sz="2000"/>
+              <a:t>3  [lib function] </a:t>
             </a:r>
             <a:r>
               <a:rPr lang="zh-CN" altLang="en-US" sz="2000" dirty="0"/>
-              <a:t>查看标准</a:t>
-            </a:r>
-            <a:r>
-              <a:rPr lang="en-US" altLang="zh-CN" sz="2000" dirty="0"/>
-              <a:t>C</a:t>
-            </a:r>
-            <a:r>
-              <a:rPr lang="zh-CN" altLang="en-US" sz="2000" dirty="0"/>
-              <a:t>函数的文档。文档开头都会说明需要引入的头文件，函数声明等信息。</a:t>
+              <a:t>查看程序库函数的文档。文档开头都会说明需要引入的头文件，函数声明等信息。</a:t>
             </a:r>
             <a:endParaRPr lang="en-US" altLang="zh-CN" sz="2000" dirty="0"/>
           </a:p>

--- a/materials/slides/ch16-linux-system-programming.pptx
+++ b/materials/slides/ch16-linux-system-programming.pptx
@@ -207,7 +207,7 @@
           <a:p>
             <a:fld id="{34749B9C-DA28-41D1-8DCF-FC20D5A04C02}" type="datetimeFigureOut">
               <a:rPr lang="zh-CN" altLang="en-US" smtClean="0"/>
-              <a:t>2018/2/26</a:t>
+              <a:t>2018/3/3</a:t>
             </a:fld>
             <a:endParaRPr lang="zh-CN" altLang="en-US"/>
           </a:p>
@@ -1385,7 +1385,7 @@
           <a:p>
             <a:fld id="{02E60DA2-A0BC-48C9-AA88-75C78721B420}" type="datetimeFigureOut">
               <a:rPr lang="zh-CN" altLang="en-US" smtClean="0"/>
-              <a:t>2018/2/26</a:t>
+              <a:t>2018/3/3</a:t>
             </a:fld>
             <a:endParaRPr lang="zh-CN" altLang="en-US"/>
           </a:p>
@@ -1607,7 +1607,7 @@
           <a:p>
             <a:fld id="{02E60DA2-A0BC-48C9-AA88-75C78721B420}" type="datetimeFigureOut">
               <a:rPr lang="zh-CN" altLang="en-US" smtClean="0"/>
-              <a:t>2018/2/26</a:t>
+              <a:t>2018/3/3</a:t>
             </a:fld>
             <a:endParaRPr lang="zh-CN" altLang="en-US"/>
           </a:p>
@@ -1839,7 +1839,7 @@
           <a:p>
             <a:fld id="{02E60DA2-A0BC-48C9-AA88-75C78721B420}" type="datetimeFigureOut">
               <a:rPr lang="zh-CN" altLang="en-US" smtClean="0"/>
-              <a:t>2018/2/26</a:t>
+              <a:t>2018/3/3</a:t>
             </a:fld>
             <a:endParaRPr lang="zh-CN" altLang="en-US"/>
           </a:p>
@@ -2089,7 +2089,7 @@
           <a:p>
             <a:fld id="{02E60DA2-A0BC-48C9-AA88-75C78721B420}" type="datetimeFigureOut">
               <a:rPr lang="zh-CN" altLang="en-US" smtClean="0"/>
-              <a:t>2018/2/26</a:t>
+              <a:t>2018/3/3</a:t>
             </a:fld>
             <a:endParaRPr lang="zh-CN" altLang="en-US"/>
           </a:p>
@@ -2327,7 +2327,7 @@
           <a:p>
             <a:fld id="{02E60DA2-A0BC-48C9-AA88-75C78721B420}" type="datetimeFigureOut">
               <a:rPr lang="zh-CN" altLang="en-US" smtClean="0"/>
-              <a:t>2018/2/26</a:t>
+              <a:t>2018/3/3</a:t>
             </a:fld>
             <a:endParaRPr lang="zh-CN" altLang="en-US"/>
           </a:p>
@@ -2673,7 +2673,7 @@
           <a:p>
             <a:fld id="{02E60DA2-A0BC-48C9-AA88-75C78721B420}" type="datetimeFigureOut">
               <a:rPr lang="zh-CN" altLang="en-US" smtClean="0"/>
-              <a:t>2018/2/26</a:t>
+              <a:t>2018/3/3</a:t>
             </a:fld>
             <a:endParaRPr lang="zh-CN" altLang="en-US"/>
           </a:p>
@@ -2976,7 +2976,7 @@
           <a:p>
             <a:fld id="{02E60DA2-A0BC-48C9-AA88-75C78721B420}" type="datetimeFigureOut">
               <a:rPr lang="zh-CN" altLang="en-US" smtClean="0"/>
-              <a:t>2018/2/26</a:t>
+              <a:t>2018/3/3</a:t>
             </a:fld>
             <a:endParaRPr lang="zh-CN" altLang="en-US"/>
           </a:p>
@@ -3427,7 +3427,7 @@
           <a:p>
             <a:fld id="{02E60DA2-A0BC-48C9-AA88-75C78721B420}" type="datetimeFigureOut">
               <a:rPr lang="zh-CN" altLang="en-US" smtClean="0"/>
-              <a:t>2018/2/26</a:t>
+              <a:t>2018/3/3</a:t>
             </a:fld>
             <a:endParaRPr lang="zh-CN" altLang="en-US"/>
           </a:p>
@@ -3600,7 +3600,7 @@
           <a:p>
             <a:fld id="{02E60DA2-A0BC-48C9-AA88-75C78721B420}" type="datetimeFigureOut">
               <a:rPr lang="zh-CN" altLang="en-US" smtClean="0"/>
-              <a:t>2018/2/26</a:t>
+              <a:t>2018/3/3</a:t>
             </a:fld>
             <a:endParaRPr lang="zh-CN" altLang="en-US"/>
           </a:p>
@@ -3737,7 +3737,7 @@
           <a:p>
             <a:fld id="{02E60DA2-A0BC-48C9-AA88-75C78721B420}" type="datetimeFigureOut">
               <a:rPr lang="zh-CN" altLang="en-US" smtClean="0"/>
-              <a:t>2018/2/26</a:t>
+              <a:t>2018/3/3</a:t>
             </a:fld>
             <a:endParaRPr lang="zh-CN" altLang="en-US"/>
           </a:p>
@@ -4081,7 +4081,7 @@
           <a:p>
             <a:fld id="{02E60DA2-A0BC-48C9-AA88-75C78721B420}" type="datetimeFigureOut">
               <a:rPr lang="zh-CN" altLang="en-US" smtClean="0"/>
-              <a:t>2018/2/26</a:t>
+              <a:t>2018/3/3</a:t>
             </a:fld>
             <a:endParaRPr lang="zh-CN" altLang="en-US"/>
           </a:p>
@@ -4303,7 +4303,7 @@
           <a:p>
             <a:fld id="{02E60DA2-A0BC-48C9-AA88-75C78721B420}" type="datetimeFigureOut">
               <a:rPr lang="zh-CN" altLang="en-US" smtClean="0"/>
-              <a:t>2018/2/26</a:t>
+              <a:t>2018/3/3</a:t>
             </a:fld>
             <a:endParaRPr lang="zh-CN" altLang="en-US"/>
           </a:p>
@@ -4624,7 +4624,7 @@
           <a:p>
             <a:fld id="{02E60DA2-A0BC-48C9-AA88-75C78721B420}" type="datetimeFigureOut">
               <a:rPr lang="zh-CN" altLang="en-US" smtClean="0"/>
-              <a:t>2018/2/26</a:t>
+              <a:t>2018/3/3</a:t>
             </a:fld>
             <a:endParaRPr lang="zh-CN" altLang="en-US"/>
           </a:p>
@@ -4862,7 +4862,7 @@
           <a:p>
             <a:fld id="{02E60DA2-A0BC-48C9-AA88-75C78721B420}" type="datetimeFigureOut">
               <a:rPr lang="zh-CN" altLang="en-US" smtClean="0"/>
-              <a:t>2018/2/26</a:t>
+              <a:t>2018/3/3</a:t>
             </a:fld>
             <a:endParaRPr lang="zh-CN" altLang="en-US"/>
           </a:p>
@@ -5100,7 +5100,7 @@
           <a:p>
             <a:fld id="{02E60DA2-A0BC-48C9-AA88-75C78721B420}" type="datetimeFigureOut">
               <a:rPr lang="zh-CN" altLang="en-US" smtClean="0"/>
-              <a:t>2018/2/26</a:t>
+              <a:t>2018/3/3</a:t>
             </a:fld>
             <a:endParaRPr lang="zh-CN" altLang="en-US"/>
           </a:p>
@@ -5399,7 +5399,7 @@
           <a:p>
             <a:fld id="{02E60DA2-A0BC-48C9-AA88-75C78721B420}" type="datetimeFigureOut">
               <a:rPr lang="zh-CN" altLang="en-US" smtClean="0"/>
-              <a:t>2018/2/26</a:t>
+              <a:t>2018/3/3</a:t>
             </a:fld>
             <a:endParaRPr lang="zh-CN" altLang="en-US"/>
           </a:p>
@@ -5688,7 +5688,7 @@
           <a:p>
             <a:fld id="{02E60DA2-A0BC-48C9-AA88-75C78721B420}" type="datetimeFigureOut">
               <a:rPr lang="zh-CN" altLang="en-US" smtClean="0"/>
-              <a:t>2018/2/26</a:t>
+              <a:t>2018/3/3</a:t>
             </a:fld>
             <a:endParaRPr lang="zh-CN" altLang="en-US"/>
           </a:p>
@@ -6124,7 +6124,7 @@
           <a:p>
             <a:fld id="{02E60DA2-A0BC-48C9-AA88-75C78721B420}" type="datetimeFigureOut">
               <a:rPr lang="zh-CN" altLang="en-US" smtClean="0"/>
-              <a:t>2018/2/26</a:t>
+              <a:t>2018/3/3</a:t>
             </a:fld>
             <a:endParaRPr lang="zh-CN" altLang="en-US"/>
           </a:p>
@@ -6289,7 +6289,7 @@
           <a:p>
             <a:fld id="{02E60DA2-A0BC-48C9-AA88-75C78721B420}" type="datetimeFigureOut">
               <a:rPr lang="zh-CN" altLang="en-US" smtClean="0"/>
-              <a:t>2018/2/26</a:t>
+              <a:t>2018/3/3</a:t>
             </a:fld>
             <a:endParaRPr lang="zh-CN" altLang="en-US"/>
           </a:p>
@@ -6426,7 +6426,7 @@
           <a:p>
             <a:fld id="{02E60DA2-A0BC-48C9-AA88-75C78721B420}" type="datetimeFigureOut">
               <a:rPr lang="zh-CN" altLang="en-US" smtClean="0"/>
-              <a:t>2018/2/26</a:t>
+              <a:t>2018/3/3</a:t>
             </a:fld>
             <a:endParaRPr lang="zh-CN" altLang="en-US"/>
           </a:p>
@@ -6761,7 +6761,7 @@
           <a:p>
             <a:fld id="{02E60DA2-A0BC-48C9-AA88-75C78721B420}" type="datetimeFigureOut">
               <a:rPr lang="zh-CN" altLang="en-US" smtClean="0"/>
-              <a:t>2018/2/26</a:t>
+              <a:t>2018/3/3</a:t>
             </a:fld>
             <a:endParaRPr lang="zh-CN" altLang="en-US"/>
           </a:p>
@@ -7073,7 +7073,7 @@
           <a:p>
             <a:fld id="{02E60DA2-A0BC-48C9-AA88-75C78721B420}" type="datetimeFigureOut">
               <a:rPr lang="zh-CN" altLang="en-US" smtClean="0"/>
-              <a:t>2018/2/26</a:t>
+              <a:t>2018/3/3</a:t>
             </a:fld>
             <a:endParaRPr lang="zh-CN" altLang="en-US"/>
           </a:p>
@@ -8222,8 +8222,9 @@
             <a:r>
               <a:rPr lang="zh-CN" altLang="en-US" sz="3600" dirty="0">
                 <a:solidFill>
-                  <a:schemeClr val="tx2">
-                    <a:lumMod val="50000"/>
+                  <a:schemeClr val="tx1">
+                    <a:lumMod val="95000"/>
+                    <a:lumOff val="5000"/>
                   </a:schemeClr>
                 </a:solidFill>
               </a:rPr>
@@ -8232,7 +8233,10 @@
             <a:r>
               <a:rPr lang="en-US" altLang="zh-CN" sz="3600" dirty="0">
                 <a:solidFill>
-                  <a:srgbClr val="C00000"/>
+                  <a:schemeClr val="tx1">
+                    <a:lumMod val="95000"/>
+                    <a:lumOff val="5000"/>
+                  </a:schemeClr>
                 </a:solidFill>
               </a:rPr>
               <a:t>Linux </a:t>
@@ -8240,7 +8244,10 @@
             <a:r>
               <a:rPr lang="zh-CN" altLang="en-US" sz="3600" dirty="0">
                 <a:solidFill>
-                  <a:srgbClr val="C00000"/>
+                  <a:schemeClr val="tx1">
+                    <a:lumMod val="95000"/>
+                    <a:lumOff val="5000"/>
+                  </a:schemeClr>
                 </a:solidFill>
               </a:rPr>
               <a:t>系统编程基础</a:t>
